--- a/Kanta/halad/In His Time.pptx
+++ b/Kanta/halad/In His Time.pptx
@@ -14,8 +14,8 @@
     <p:sldId id="286" r:id="rId5"/>
     <p:sldId id="287" r:id="rId6"/>
     <p:sldId id="288" r:id="rId7"/>
-    <p:sldId id="289" r:id="rId8"/>
-    <p:sldId id="290" r:id="rId9"/>
+    <p:sldId id="291" r:id="rId8"/>
+    <p:sldId id="292" r:id="rId9"/>
   </p:sldIdLst>
   <p:sldSz cx="12192000" cy="6858000"/>
   <p:notesSz cx="6858000" cy="9144000"/>
@@ -204,7 +204,7 @@
           <a:p>
             <a:fld id="{2E860BF0-D007-460F-BF20-9BF0E803D277}" type="datetimeFigureOut">
               <a:rPr lang="en-US" smtClean="0"/>
-              <a:t>2/15/2025</a:t>
+              <a:t>1/5/2026</a:t>
             </a:fld>
             <a:endParaRPr lang="en-US"/>
           </a:p>
@@ -618,7 +618,7 @@
           <a:p>
             <a:fld id="{689CB065-93CC-4F93-97CB-5160E2F98F73}" type="datetimeFigureOut">
               <a:rPr lang="en-US" smtClean="0"/>
-              <a:t>2/15/2025</a:t>
+              <a:t>1/5/2026</a:t>
             </a:fld>
             <a:endParaRPr lang="en-US"/>
           </a:p>
@@ -816,7 +816,7 @@
           <a:p>
             <a:fld id="{689CB065-93CC-4F93-97CB-5160E2F98F73}" type="datetimeFigureOut">
               <a:rPr lang="en-US" smtClean="0"/>
-              <a:t>2/15/2025</a:t>
+              <a:t>1/5/2026</a:t>
             </a:fld>
             <a:endParaRPr lang="en-US"/>
           </a:p>
@@ -1024,7 +1024,7 @@
           <a:p>
             <a:fld id="{689CB065-93CC-4F93-97CB-5160E2F98F73}" type="datetimeFigureOut">
               <a:rPr lang="en-US" smtClean="0"/>
-              <a:t>2/15/2025</a:t>
+              <a:t>1/5/2026</a:t>
             </a:fld>
             <a:endParaRPr lang="en-US"/>
           </a:p>
@@ -1222,7 +1222,7 @@
           <a:p>
             <a:fld id="{689CB065-93CC-4F93-97CB-5160E2F98F73}" type="datetimeFigureOut">
               <a:rPr lang="en-US" smtClean="0"/>
-              <a:t>2/15/2025</a:t>
+              <a:t>1/5/2026</a:t>
             </a:fld>
             <a:endParaRPr lang="en-US"/>
           </a:p>
@@ -1497,7 +1497,7 @@
           <a:p>
             <a:fld id="{689CB065-93CC-4F93-97CB-5160E2F98F73}" type="datetimeFigureOut">
               <a:rPr lang="en-US" smtClean="0"/>
-              <a:t>2/15/2025</a:t>
+              <a:t>1/5/2026</a:t>
             </a:fld>
             <a:endParaRPr lang="en-US"/>
           </a:p>
@@ -1762,7 +1762,7 @@
           <a:p>
             <a:fld id="{689CB065-93CC-4F93-97CB-5160E2F98F73}" type="datetimeFigureOut">
               <a:rPr lang="en-US" smtClean="0"/>
-              <a:t>2/15/2025</a:t>
+              <a:t>1/5/2026</a:t>
             </a:fld>
             <a:endParaRPr lang="en-US"/>
           </a:p>
@@ -2174,7 +2174,7 @@
           <a:p>
             <a:fld id="{689CB065-93CC-4F93-97CB-5160E2F98F73}" type="datetimeFigureOut">
               <a:rPr lang="en-US" smtClean="0"/>
-              <a:t>2/15/2025</a:t>
+              <a:t>1/5/2026</a:t>
             </a:fld>
             <a:endParaRPr lang="en-US"/>
           </a:p>
@@ -2315,7 +2315,7 @@
           <a:p>
             <a:fld id="{689CB065-93CC-4F93-97CB-5160E2F98F73}" type="datetimeFigureOut">
               <a:rPr lang="en-US" smtClean="0"/>
-              <a:t>2/15/2025</a:t>
+              <a:t>1/5/2026</a:t>
             </a:fld>
             <a:endParaRPr lang="en-US"/>
           </a:p>
@@ -2428,7 +2428,7 @@
           <a:p>
             <a:fld id="{689CB065-93CC-4F93-97CB-5160E2F98F73}" type="datetimeFigureOut">
               <a:rPr lang="en-US" smtClean="0"/>
-              <a:t>2/15/2025</a:t>
+              <a:t>1/5/2026</a:t>
             </a:fld>
             <a:endParaRPr lang="en-US"/>
           </a:p>
@@ -2739,7 +2739,7 @@
           <a:p>
             <a:fld id="{689CB065-93CC-4F93-97CB-5160E2F98F73}" type="datetimeFigureOut">
               <a:rPr lang="en-US" smtClean="0"/>
-              <a:t>2/15/2025</a:t>
+              <a:t>1/5/2026</a:t>
             </a:fld>
             <a:endParaRPr lang="en-US"/>
           </a:p>
@@ -3027,7 +3027,7 @@
           <a:p>
             <a:fld id="{689CB065-93CC-4F93-97CB-5160E2F98F73}" type="datetimeFigureOut">
               <a:rPr lang="en-US" smtClean="0"/>
-              <a:t>2/15/2025</a:t>
+              <a:t>1/5/2026</a:t>
             </a:fld>
             <a:endParaRPr lang="en-US"/>
           </a:p>
@@ -3271,7 +3271,7 @@
           <a:p>
             <a:fld id="{689CB065-93CC-4F93-97CB-5160E2F98F73}" type="datetimeFigureOut">
               <a:rPr lang="en-US" smtClean="0"/>
-              <a:t>2/15/2025</a:t>
+              <a:t>1/5/2026</a:t>
             </a:fld>
             <a:endParaRPr lang="en-US"/>
           </a:p>
@@ -3840,6 +3840,1254 @@
           </a:p>
         </p:txBody>
       </p:sp>
+      <p:sp>
+        <p:nvSpPr>
+          <p:cNvPr id="3" name="Rectangle 2">
+            <a:extLst>
+              <a:ext uri="{FF2B5EF4-FFF2-40B4-BE49-F238E27FC236}">
+                <a16:creationId xmlns:a16="http://schemas.microsoft.com/office/drawing/2014/main" id="{367D8B10-E4BB-4EF0-981F-468340A1D72E}"/>
+              </a:ext>
+            </a:extLst>
+          </p:cNvPr>
+          <p:cNvSpPr/>
+          <p:nvPr/>
+        </p:nvSpPr>
+        <p:spPr>
+          <a:xfrm>
+            <a:off x="779563" y="157933"/>
+            <a:ext cx="1786597" cy="970671"/>
+          </a:xfrm>
+          <a:prstGeom prst="rect">
+            <a:avLst/>
+          </a:prstGeom>
+          <a:noFill/>
+          <a:ln>
+            <a:noFill/>
+          </a:ln>
+        </p:spPr>
+        <p:style>
+          <a:lnRef idx="2">
+            <a:schemeClr val="accent1">
+              <a:shade val="50000"/>
+            </a:schemeClr>
+          </a:lnRef>
+          <a:fillRef idx="1">
+            <a:schemeClr val="accent1"/>
+          </a:fillRef>
+          <a:effectRef idx="0">
+            <a:schemeClr val="accent1"/>
+          </a:effectRef>
+          <a:fontRef idx="minor">
+            <a:schemeClr val="lt1"/>
+          </a:fontRef>
+        </p:style>
+        <p:txBody>
+          <a:bodyPr rtlCol="0" anchor="ctr"/>
+          <a:lstStyle>
+            <a:defPPr>
+              <a:defRPr lang="en-US"/>
+            </a:defPPr>
+            <a:lvl1pPr marL="0" algn="l" defTabSz="914400" rtl="0" eaLnBrk="1" latinLnBrk="0" hangingPunct="1">
+              <a:defRPr sz="1800" kern="1200">
+                <a:solidFill>
+                  <a:schemeClr val="lt1"/>
+                </a:solidFill>
+                <a:latin typeface="+mn-lt"/>
+                <a:ea typeface="+mn-ea"/>
+                <a:cs typeface="+mn-cs"/>
+              </a:defRPr>
+            </a:lvl1pPr>
+            <a:lvl2pPr marL="457200" algn="l" defTabSz="914400" rtl="0" eaLnBrk="1" latinLnBrk="0" hangingPunct="1">
+              <a:defRPr sz="1800" kern="1200">
+                <a:solidFill>
+                  <a:schemeClr val="lt1"/>
+                </a:solidFill>
+                <a:latin typeface="+mn-lt"/>
+                <a:ea typeface="+mn-ea"/>
+                <a:cs typeface="+mn-cs"/>
+              </a:defRPr>
+            </a:lvl2pPr>
+            <a:lvl3pPr marL="914400" algn="l" defTabSz="914400" rtl="0" eaLnBrk="1" latinLnBrk="0" hangingPunct="1">
+              <a:defRPr sz="1800" kern="1200">
+                <a:solidFill>
+                  <a:schemeClr val="lt1"/>
+                </a:solidFill>
+                <a:latin typeface="+mn-lt"/>
+                <a:ea typeface="+mn-ea"/>
+                <a:cs typeface="+mn-cs"/>
+              </a:defRPr>
+            </a:lvl3pPr>
+            <a:lvl4pPr marL="1371600" algn="l" defTabSz="914400" rtl="0" eaLnBrk="1" latinLnBrk="0" hangingPunct="1">
+              <a:defRPr sz="1800" kern="1200">
+                <a:solidFill>
+                  <a:schemeClr val="lt1"/>
+                </a:solidFill>
+                <a:latin typeface="+mn-lt"/>
+                <a:ea typeface="+mn-ea"/>
+                <a:cs typeface="+mn-cs"/>
+              </a:defRPr>
+            </a:lvl4pPr>
+            <a:lvl5pPr marL="1828800" algn="l" defTabSz="914400" rtl="0" eaLnBrk="1" latinLnBrk="0" hangingPunct="1">
+              <a:defRPr sz="1800" kern="1200">
+                <a:solidFill>
+                  <a:schemeClr val="lt1"/>
+                </a:solidFill>
+                <a:latin typeface="+mn-lt"/>
+                <a:ea typeface="+mn-ea"/>
+                <a:cs typeface="+mn-cs"/>
+              </a:defRPr>
+            </a:lvl5pPr>
+            <a:lvl6pPr marL="2286000" algn="l" defTabSz="914400" rtl="0" eaLnBrk="1" latinLnBrk="0" hangingPunct="1">
+              <a:defRPr sz="1800" kern="1200">
+                <a:solidFill>
+                  <a:schemeClr val="lt1"/>
+                </a:solidFill>
+                <a:latin typeface="+mn-lt"/>
+                <a:ea typeface="+mn-ea"/>
+                <a:cs typeface="+mn-cs"/>
+              </a:defRPr>
+            </a:lvl6pPr>
+            <a:lvl7pPr marL="2743200" algn="l" defTabSz="914400" rtl="0" eaLnBrk="1" latinLnBrk="0" hangingPunct="1">
+              <a:defRPr sz="1800" kern="1200">
+                <a:solidFill>
+                  <a:schemeClr val="lt1"/>
+                </a:solidFill>
+                <a:latin typeface="+mn-lt"/>
+                <a:ea typeface="+mn-ea"/>
+                <a:cs typeface="+mn-cs"/>
+              </a:defRPr>
+            </a:lvl7pPr>
+            <a:lvl8pPr marL="3200400" algn="l" defTabSz="914400" rtl="0" eaLnBrk="1" latinLnBrk="0" hangingPunct="1">
+              <a:defRPr sz="1800" kern="1200">
+                <a:solidFill>
+                  <a:schemeClr val="lt1"/>
+                </a:solidFill>
+                <a:latin typeface="+mn-lt"/>
+                <a:ea typeface="+mn-ea"/>
+                <a:cs typeface="+mn-cs"/>
+              </a:defRPr>
+            </a:lvl8pPr>
+            <a:lvl9pPr marL="3657600" algn="l" defTabSz="914400" rtl="0" eaLnBrk="1" latinLnBrk="0" hangingPunct="1">
+              <a:defRPr sz="1800" kern="1200">
+                <a:solidFill>
+                  <a:schemeClr val="lt1"/>
+                </a:solidFill>
+                <a:latin typeface="+mn-lt"/>
+                <a:ea typeface="+mn-ea"/>
+                <a:cs typeface="+mn-cs"/>
+              </a:defRPr>
+            </a:lvl9pPr>
+          </a:lstStyle>
+          <a:p>
+            <a:pPr algn="ctr"/>
+            <a:r>
+              <a:rPr lang="en-US" sz="5400" dirty="0">
+                <a:solidFill>
+                  <a:schemeClr val="accent4"/>
+                </a:solidFill>
+              </a:rPr>
+              <a:t>D</a:t>
+            </a:r>
+            <a:endParaRPr lang="en-PH" sz="5400" dirty="0">
+              <a:solidFill>
+                <a:schemeClr val="accent4"/>
+              </a:solidFill>
+            </a:endParaRPr>
+          </a:p>
+        </p:txBody>
+      </p:sp>
+      <p:sp>
+        <p:nvSpPr>
+          <p:cNvPr id="4" name="Rectangle 3">
+            <a:extLst>
+              <a:ext uri="{FF2B5EF4-FFF2-40B4-BE49-F238E27FC236}">
+                <a16:creationId xmlns:a16="http://schemas.microsoft.com/office/drawing/2014/main" id="{EDE47A96-FA64-4C32-8BD7-AF3D6C2D0976}"/>
+              </a:ext>
+            </a:extLst>
+          </p:cNvPr>
+          <p:cNvSpPr/>
+          <p:nvPr/>
+        </p:nvSpPr>
+        <p:spPr>
+          <a:xfrm>
+            <a:off x="4440704" y="161478"/>
+            <a:ext cx="1786597" cy="970671"/>
+          </a:xfrm>
+          <a:prstGeom prst="rect">
+            <a:avLst/>
+          </a:prstGeom>
+          <a:noFill/>
+          <a:ln>
+            <a:noFill/>
+          </a:ln>
+        </p:spPr>
+        <p:style>
+          <a:lnRef idx="2">
+            <a:schemeClr val="accent1">
+              <a:shade val="50000"/>
+            </a:schemeClr>
+          </a:lnRef>
+          <a:fillRef idx="1">
+            <a:schemeClr val="accent1"/>
+          </a:fillRef>
+          <a:effectRef idx="0">
+            <a:schemeClr val="accent1"/>
+          </a:effectRef>
+          <a:fontRef idx="minor">
+            <a:schemeClr val="lt1"/>
+          </a:fontRef>
+        </p:style>
+        <p:txBody>
+          <a:bodyPr rtlCol="0" anchor="ctr"/>
+          <a:lstStyle>
+            <a:defPPr>
+              <a:defRPr lang="en-US"/>
+            </a:defPPr>
+            <a:lvl1pPr marL="0" algn="l" defTabSz="914400" rtl="0" eaLnBrk="1" latinLnBrk="0" hangingPunct="1">
+              <a:defRPr sz="1800" kern="1200">
+                <a:solidFill>
+                  <a:schemeClr val="lt1"/>
+                </a:solidFill>
+                <a:latin typeface="+mn-lt"/>
+                <a:ea typeface="+mn-ea"/>
+                <a:cs typeface="+mn-cs"/>
+              </a:defRPr>
+            </a:lvl1pPr>
+            <a:lvl2pPr marL="457200" algn="l" defTabSz="914400" rtl="0" eaLnBrk="1" latinLnBrk="0" hangingPunct="1">
+              <a:defRPr sz="1800" kern="1200">
+                <a:solidFill>
+                  <a:schemeClr val="lt1"/>
+                </a:solidFill>
+                <a:latin typeface="+mn-lt"/>
+                <a:ea typeface="+mn-ea"/>
+                <a:cs typeface="+mn-cs"/>
+              </a:defRPr>
+            </a:lvl2pPr>
+            <a:lvl3pPr marL="914400" algn="l" defTabSz="914400" rtl="0" eaLnBrk="1" latinLnBrk="0" hangingPunct="1">
+              <a:defRPr sz="1800" kern="1200">
+                <a:solidFill>
+                  <a:schemeClr val="lt1"/>
+                </a:solidFill>
+                <a:latin typeface="+mn-lt"/>
+                <a:ea typeface="+mn-ea"/>
+                <a:cs typeface="+mn-cs"/>
+              </a:defRPr>
+            </a:lvl3pPr>
+            <a:lvl4pPr marL="1371600" algn="l" defTabSz="914400" rtl="0" eaLnBrk="1" latinLnBrk="0" hangingPunct="1">
+              <a:defRPr sz="1800" kern="1200">
+                <a:solidFill>
+                  <a:schemeClr val="lt1"/>
+                </a:solidFill>
+                <a:latin typeface="+mn-lt"/>
+                <a:ea typeface="+mn-ea"/>
+                <a:cs typeface="+mn-cs"/>
+              </a:defRPr>
+            </a:lvl4pPr>
+            <a:lvl5pPr marL="1828800" algn="l" defTabSz="914400" rtl="0" eaLnBrk="1" latinLnBrk="0" hangingPunct="1">
+              <a:defRPr sz="1800" kern="1200">
+                <a:solidFill>
+                  <a:schemeClr val="lt1"/>
+                </a:solidFill>
+                <a:latin typeface="+mn-lt"/>
+                <a:ea typeface="+mn-ea"/>
+                <a:cs typeface="+mn-cs"/>
+              </a:defRPr>
+            </a:lvl5pPr>
+            <a:lvl6pPr marL="2286000" algn="l" defTabSz="914400" rtl="0" eaLnBrk="1" latinLnBrk="0" hangingPunct="1">
+              <a:defRPr sz="1800" kern="1200">
+                <a:solidFill>
+                  <a:schemeClr val="lt1"/>
+                </a:solidFill>
+                <a:latin typeface="+mn-lt"/>
+                <a:ea typeface="+mn-ea"/>
+                <a:cs typeface="+mn-cs"/>
+              </a:defRPr>
+            </a:lvl6pPr>
+            <a:lvl7pPr marL="2743200" algn="l" defTabSz="914400" rtl="0" eaLnBrk="1" latinLnBrk="0" hangingPunct="1">
+              <a:defRPr sz="1800" kern="1200">
+                <a:solidFill>
+                  <a:schemeClr val="lt1"/>
+                </a:solidFill>
+                <a:latin typeface="+mn-lt"/>
+                <a:ea typeface="+mn-ea"/>
+                <a:cs typeface="+mn-cs"/>
+              </a:defRPr>
+            </a:lvl7pPr>
+            <a:lvl8pPr marL="3200400" algn="l" defTabSz="914400" rtl="0" eaLnBrk="1" latinLnBrk="0" hangingPunct="1">
+              <a:defRPr sz="1800" kern="1200">
+                <a:solidFill>
+                  <a:schemeClr val="lt1"/>
+                </a:solidFill>
+                <a:latin typeface="+mn-lt"/>
+                <a:ea typeface="+mn-ea"/>
+                <a:cs typeface="+mn-cs"/>
+              </a:defRPr>
+            </a:lvl8pPr>
+            <a:lvl9pPr marL="3657600" algn="l" defTabSz="914400" rtl="0" eaLnBrk="1" latinLnBrk="0" hangingPunct="1">
+              <a:defRPr sz="1800" kern="1200">
+                <a:solidFill>
+                  <a:schemeClr val="lt1"/>
+                </a:solidFill>
+                <a:latin typeface="+mn-lt"/>
+                <a:ea typeface="+mn-ea"/>
+                <a:cs typeface="+mn-cs"/>
+              </a:defRPr>
+            </a:lvl9pPr>
+          </a:lstStyle>
+          <a:p>
+            <a:pPr algn="ctr"/>
+            <a:r>
+              <a:rPr lang="en-US" sz="5400" dirty="0" err="1">
+                <a:solidFill>
+                  <a:schemeClr val="accent4"/>
+                </a:solidFill>
+              </a:rPr>
+              <a:t>Em</a:t>
+            </a:r>
+            <a:endParaRPr lang="en-PH" sz="5400" dirty="0">
+              <a:solidFill>
+                <a:schemeClr val="accent4"/>
+              </a:solidFill>
+            </a:endParaRPr>
+          </a:p>
+        </p:txBody>
+      </p:sp>
+      <p:sp>
+        <p:nvSpPr>
+          <p:cNvPr id="5" name="Rectangle 4">
+            <a:extLst>
+              <a:ext uri="{FF2B5EF4-FFF2-40B4-BE49-F238E27FC236}">
+                <a16:creationId xmlns:a16="http://schemas.microsoft.com/office/drawing/2014/main" id="{0670E2C5-A477-454F-89F0-649D9877F61C}"/>
+              </a:ext>
+            </a:extLst>
+          </p:cNvPr>
+          <p:cNvSpPr/>
+          <p:nvPr/>
+        </p:nvSpPr>
+        <p:spPr>
+          <a:xfrm>
+            <a:off x="7035049" y="182743"/>
+            <a:ext cx="1786597" cy="970671"/>
+          </a:xfrm>
+          <a:prstGeom prst="rect">
+            <a:avLst/>
+          </a:prstGeom>
+          <a:noFill/>
+          <a:ln>
+            <a:noFill/>
+          </a:ln>
+        </p:spPr>
+        <p:style>
+          <a:lnRef idx="2">
+            <a:schemeClr val="accent1">
+              <a:shade val="50000"/>
+            </a:schemeClr>
+          </a:lnRef>
+          <a:fillRef idx="1">
+            <a:schemeClr val="accent1"/>
+          </a:fillRef>
+          <a:effectRef idx="0">
+            <a:schemeClr val="accent1"/>
+          </a:effectRef>
+          <a:fontRef idx="minor">
+            <a:schemeClr val="lt1"/>
+          </a:fontRef>
+        </p:style>
+        <p:txBody>
+          <a:bodyPr rtlCol="0" anchor="ctr"/>
+          <a:lstStyle>
+            <a:defPPr>
+              <a:defRPr lang="en-US"/>
+            </a:defPPr>
+            <a:lvl1pPr marL="0" algn="l" defTabSz="914400" rtl="0" eaLnBrk="1" latinLnBrk="0" hangingPunct="1">
+              <a:defRPr sz="1800" kern="1200">
+                <a:solidFill>
+                  <a:schemeClr val="lt1"/>
+                </a:solidFill>
+                <a:latin typeface="+mn-lt"/>
+                <a:ea typeface="+mn-ea"/>
+                <a:cs typeface="+mn-cs"/>
+              </a:defRPr>
+            </a:lvl1pPr>
+            <a:lvl2pPr marL="457200" algn="l" defTabSz="914400" rtl="0" eaLnBrk="1" latinLnBrk="0" hangingPunct="1">
+              <a:defRPr sz="1800" kern="1200">
+                <a:solidFill>
+                  <a:schemeClr val="lt1"/>
+                </a:solidFill>
+                <a:latin typeface="+mn-lt"/>
+                <a:ea typeface="+mn-ea"/>
+                <a:cs typeface="+mn-cs"/>
+              </a:defRPr>
+            </a:lvl2pPr>
+            <a:lvl3pPr marL="914400" algn="l" defTabSz="914400" rtl="0" eaLnBrk="1" latinLnBrk="0" hangingPunct="1">
+              <a:defRPr sz="1800" kern="1200">
+                <a:solidFill>
+                  <a:schemeClr val="lt1"/>
+                </a:solidFill>
+                <a:latin typeface="+mn-lt"/>
+                <a:ea typeface="+mn-ea"/>
+                <a:cs typeface="+mn-cs"/>
+              </a:defRPr>
+            </a:lvl3pPr>
+            <a:lvl4pPr marL="1371600" algn="l" defTabSz="914400" rtl="0" eaLnBrk="1" latinLnBrk="0" hangingPunct="1">
+              <a:defRPr sz="1800" kern="1200">
+                <a:solidFill>
+                  <a:schemeClr val="lt1"/>
+                </a:solidFill>
+                <a:latin typeface="+mn-lt"/>
+                <a:ea typeface="+mn-ea"/>
+                <a:cs typeface="+mn-cs"/>
+              </a:defRPr>
+            </a:lvl4pPr>
+            <a:lvl5pPr marL="1828800" algn="l" defTabSz="914400" rtl="0" eaLnBrk="1" latinLnBrk="0" hangingPunct="1">
+              <a:defRPr sz="1800" kern="1200">
+                <a:solidFill>
+                  <a:schemeClr val="lt1"/>
+                </a:solidFill>
+                <a:latin typeface="+mn-lt"/>
+                <a:ea typeface="+mn-ea"/>
+                <a:cs typeface="+mn-cs"/>
+              </a:defRPr>
+            </a:lvl5pPr>
+            <a:lvl6pPr marL="2286000" algn="l" defTabSz="914400" rtl="0" eaLnBrk="1" latinLnBrk="0" hangingPunct="1">
+              <a:defRPr sz="1800" kern="1200">
+                <a:solidFill>
+                  <a:schemeClr val="lt1"/>
+                </a:solidFill>
+                <a:latin typeface="+mn-lt"/>
+                <a:ea typeface="+mn-ea"/>
+                <a:cs typeface="+mn-cs"/>
+              </a:defRPr>
+            </a:lvl6pPr>
+            <a:lvl7pPr marL="2743200" algn="l" defTabSz="914400" rtl="0" eaLnBrk="1" latinLnBrk="0" hangingPunct="1">
+              <a:defRPr sz="1800" kern="1200">
+                <a:solidFill>
+                  <a:schemeClr val="lt1"/>
+                </a:solidFill>
+                <a:latin typeface="+mn-lt"/>
+                <a:ea typeface="+mn-ea"/>
+                <a:cs typeface="+mn-cs"/>
+              </a:defRPr>
+            </a:lvl7pPr>
+            <a:lvl8pPr marL="3200400" algn="l" defTabSz="914400" rtl="0" eaLnBrk="1" latinLnBrk="0" hangingPunct="1">
+              <a:defRPr sz="1800" kern="1200">
+                <a:solidFill>
+                  <a:schemeClr val="lt1"/>
+                </a:solidFill>
+                <a:latin typeface="+mn-lt"/>
+                <a:ea typeface="+mn-ea"/>
+                <a:cs typeface="+mn-cs"/>
+              </a:defRPr>
+            </a:lvl8pPr>
+            <a:lvl9pPr marL="3657600" algn="l" defTabSz="914400" rtl="0" eaLnBrk="1" latinLnBrk="0" hangingPunct="1">
+              <a:defRPr sz="1800" kern="1200">
+                <a:solidFill>
+                  <a:schemeClr val="lt1"/>
+                </a:solidFill>
+                <a:latin typeface="+mn-lt"/>
+                <a:ea typeface="+mn-ea"/>
+                <a:cs typeface="+mn-cs"/>
+              </a:defRPr>
+            </a:lvl9pPr>
+          </a:lstStyle>
+          <a:p>
+            <a:pPr algn="ctr"/>
+            <a:r>
+              <a:rPr lang="en-US" sz="5400" dirty="0">
+                <a:solidFill>
+                  <a:schemeClr val="accent4"/>
+                </a:solidFill>
+              </a:rPr>
+              <a:t>A</a:t>
+            </a:r>
+            <a:endParaRPr lang="en-PH" sz="5400" dirty="0">
+              <a:solidFill>
+                <a:schemeClr val="accent4"/>
+              </a:solidFill>
+            </a:endParaRPr>
+          </a:p>
+        </p:txBody>
+      </p:sp>
+      <p:sp>
+        <p:nvSpPr>
+          <p:cNvPr id="7" name="Rectangle 6">
+            <a:extLst>
+              <a:ext uri="{FF2B5EF4-FFF2-40B4-BE49-F238E27FC236}">
+                <a16:creationId xmlns:a16="http://schemas.microsoft.com/office/drawing/2014/main" id="{26901DFA-6916-464B-823F-17D937517D51}"/>
+              </a:ext>
+            </a:extLst>
+          </p:cNvPr>
+          <p:cNvSpPr/>
+          <p:nvPr/>
+        </p:nvSpPr>
+        <p:spPr>
+          <a:xfrm>
+            <a:off x="5886735" y="1692565"/>
+            <a:ext cx="1786597" cy="970671"/>
+          </a:xfrm>
+          <a:prstGeom prst="rect">
+            <a:avLst/>
+          </a:prstGeom>
+          <a:noFill/>
+          <a:ln>
+            <a:noFill/>
+          </a:ln>
+        </p:spPr>
+        <p:style>
+          <a:lnRef idx="2">
+            <a:schemeClr val="accent1">
+              <a:shade val="50000"/>
+            </a:schemeClr>
+          </a:lnRef>
+          <a:fillRef idx="1">
+            <a:schemeClr val="accent1"/>
+          </a:fillRef>
+          <a:effectRef idx="0">
+            <a:schemeClr val="accent1"/>
+          </a:effectRef>
+          <a:fontRef idx="minor">
+            <a:schemeClr val="lt1"/>
+          </a:fontRef>
+        </p:style>
+        <p:txBody>
+          <a:bodyPr rtlCol="0" anchor="ctr"/>
+          <a:lstStyle>
+            <a:defPPr>
+              <a:defRPr lang="en-US"/>
+            </a:defPPr>
+            <a:lvl1pPr marL="0" algn="l" defTabSz="914400" rtl="0" eaLnBrk="1" latinLnBrk="0" hangingPunct="1">
+              <a:defRPr sz="1800" kern="1200">
+                <a:solidFill>
+                  <a:schemeClr val="lt1"/>
+                </a:solidFill>
+                <a:latin typeface="+mn-lt"/>
+                <a:ea typeface="+mn-ea"/>
+                <a:cs typeface="+mn-cs"/>
+              </a:defRPr>
+            </a:lvl1pPr>
+            <a:lvl2pPr marL="457200" algn="l" defTabSz="914400" rtl="0" eaLnBrk="1" latinLnBrk="0" hangingPunct="1">
+              <a:defRPr sz="1800" kern="1200">
+                <a:solidFill>
+                  <a:schemeClr val="lt1"/>
+                </a:solidFill>
+                <a:latin typeface="+mn-lt"/>
+                <a:ea typeface="+mn-ea"/>
+                <a:cs typeface="+mn-cs"/>
+              </a:defRPr>
+            </a:lvl2pPr>
+            <a:lvl3pPr marL="914400" algn="l" defTabSz="914400" rtl="0" eaLnBrk="1" latinLnBrk="0" hangingPunct="1">
+              <a:defRPr sz="1800" kern="1200">
+                <a:solidFill>
+                  <a:schemeClr val="lt1"/>
+                </a:solidFill>
+                <a:latin typeface="+mn-lt"/>
+                <a:ea typeface="+mn-ea"/>
+                <a:cs typeface="+mn-cs"/>
+              </a:defRPr>
+            </a:lvl3pPr>
+            <a:lvl4pPr marL="1371600" algn="l" defTabSz="914400" rtl="0" eaLnBrk="1" latinLnBrk="0" hangingPunct="1">
+              <a:defRPr sz="1800" kern="1200">
+                <a:solidFill>
+                  <a:schemeClr val="lt1"/>
+                </a:solidFill>
+                <a:latin typeface="+mn-lt"/>
+                <a:ea typeface="+mn-ea"/>
+                <a:cs typeface="+mn-cs"/>
+              </a:defRPr>
+            </a:lvl4pPr>
+            <a:lvl5pPr marL="1828800" algn="l" defTabSz="914400" rtl="0" eaLnBrk="1" latinLnBrk="0" hangingPunct="1">
+              <a:defRPr sz="1800" kern="1200">
+                <a:solidFill>
+                  <a:schemeClr val="lt1"/>
+                </a:solidFill>
+                <a:latin typeface="+mn-lt"/>
+                <a:ea typeface="+mn-ea"/>
+                <a:cs typeface="+mn-cs"/>
+              </a:defRPr>
+            </a:lvl5pPr>
+            <a:lvl6pPr marL="2286000" algn="l" defTabSz="914400" rtl="0" eaLnBrk="1" latinLnBrk="0" hangingPunct="1">
+              <a:defRPr sz="1800" kern="1200">
+                <a:solidFill>
+                  <a:schemeClr val="lt1"/>
+                </a:solidFill>
+                <a:latin typeface="+mn-lt"/>
+                <a:ea typeface="+mn-ea"/>
+                <a:cs typeface="+mn-cs"/>
+              </a:defRPr>
+            </a:lvl6pPr>
+            <a:lvl7pPr marL="2743200" algn="l" defTabSz="914400" rtl="0" eaLnBrk="1" latinLnBrk="0" hangingPunct="1">
+              <a:defRPr sz="1800" kern="1200">
+                <a:solidFill>
+                  <a:schemeClr val="lt1"/>
+                </a:solidFill>
+                <a:latin typeface="+mn-lt"/>
+                <a:ea typeface="+mn-ea"/>
+                <a:cs typeface="+mn-cs"/>
+              </a:defRPr>
+            </a:lvl7pPr>
+            <a:lvl8pPr marL="3200400" algn="l" defTabSz="914400" rtl="0" eaLnBrk="1" latinLnBrk="0" hangingPunct="1">
+              <a:defRPr sz="1800" kern="1200">
+                <a:solidFill>
+                  <a:schemeClr val="lt1"/>
+                </a:solidFill>
+                <a:latin typeface="+mn-lt"/>
+                <a:ea typeface="+mn-ea"/>
+                <a:cs typeface="+mn-cs"/>
+              </a:defRPr>
+            </a:lvl8pPr>
+            <a:lvl9pPr marL="3657600" algn="l" defTabSz="914400" rtl="0" eaLnBrk="1" latinLnBrk="0" hangingPunct="1">
+              <a:defRPr sz="1800" kern="1200">
+                <a:solidFill>
+                  <a:schemeClr val="lt1"/>
+                </a:solidFill>
+                <a:latin typeface="+mn-lt"/>
+                <a:ea typeface="+mn-ea"/>
+                <a:cs typeface="+mn-cs"/>
+              </a:defRPr>
+            </a:lvl9pPr>
+          </a:lstStyle>
+          <a:p>
+            <a:pPr algn="ctr"/>
+            <a:r>
+              <a:rPr lang="en-US" sz="5400" dirty="0">
+                <a:solidFill>
+                  <a:schemeClr val="accent4"/>
+                </a:solidFill>
+              </a:rPr>
+              <a:t>D</a:t>
+            </a:r>
+            <a:endParaRPr lang="en-PH" sz="5400" dirty="0">
+              <a:solidFill>
+                <a:schemeClr val="accent4"/>
+              </a:solidFill>
+            </a:endParaRPr>
+          </a:p>
+        </p:txBody>
+      </p:sp>
+      <p:sp>
+        <p:nvSpPr>
+          <p:cNvPr id="8" name="Rectangle 7">
+            <a:extLst>
+              <a:ext uri="{FF2B5EF4-FFF2-40B4-BE49-F238E27FC236}">
+                <a16:creationId xmlns:a16="http://schemas.microsoft.com/office/drawing/2014/main" id="{6E88C9EC-F0B3-4400-9B52-8146584256DB}"/>
+              </a:ext>
+            </a:extLst>
+          </p:cNvPr>
+          <p:cNvSpPr/>
+          <p:nvPr/>
+        </p:nvSpPr>
+        <p:spPr>
+          <a:xfrm>
+            <a:off x="761843" y="2798351"/>
+            <a:ext cx="1786597" cy="970671"/>
+          </a:xfrm>
+          <a:prstGeom prst="rect">
+            <a:avLst/>
+          </a:prstGeom>
+          <a:noFill/>
+          <a:ln>
+            <a:noFill/>
+          </a:ln>
+        </p:spPr>
+        <p:style>
+          <a:lnRef idx="2">
+            <a:schemeClr val="accent1">
+              <a:shade val="50000"/>
+            </a:schemeClr>
+          </a:lnRef>
+          <a:fillRef idx="1">
+            <a:schemeClr val="accent1"/>
+          </a:fillRef>
+          <a:effectRef idx="0">
+            <a:schemeClr val="accent1"/>
+          </a:effectRef>
+          <a:fontRef idx="minor">
+            <a:schemeClr val="lt1"/>
+          </a:fontRef>
+        </p:style>
+        <p:txBody>
+          <a:bodyPr rtlCol="0" anchor="ctr"/>
+          <a:lstStyle>
+            <a:defPPr>
+              <a:defRPr lang="en-US"/>
+            </a:defPPr>
+            <a:lvl1pPr marL="0" algn="l" defTabSz="914400" rtl="0" eaLnBrk="1" latinLnBrk="0" hangingPunct="1">
+              <a:defRPr sz="1800" kern="1200">
+                <a:solidFill>
+                  <a:schemeClr val="lt1"/>
+                </a:solidFill>
+                <a:latin typeface="+mn-lt"/>
+                <a:ea typeface="+mn-ea"/>
+                <a:cs typeface="+mn-cs"/>
+              </a:defRPr>
+            </a:lvl1pPr>
+            <a:lvl2pPr marL="457200" algn="l" defTabSz="914400" rtl="0" eaLnBrk="1" latinLnBrk="0" hangingPunct="1">
+              <a:defRPr sz="1800" kern="1200">
+                <a:solidFill>
+                  <a:schemeClr val="lt1"/>
+                </a:solidFill>
+                <a:latin typeface="+mn-lt"/>
+                <a:ea typeface="+mn-ea"/>
+                <a:cs typeface="+mn-cs"/>
+              </a:defRPr>
+            </a:lvl2pPr>
+            <a:lvl3pPr marL="914400" algn="l" defTabSz="914400" rtl="0" eaLnBrk="1" latinLnBrk="0" hangingPunct="1">
+              <a:defRPr sz="1800" kern="1200">
+                <a:solidFill>
+                  <a:schemeClr val="lt1"/>
+                </a:solidFill>
+                <a:latin typeface="+mn-lt"/>
+                <a:ea typeface="+mn-ea"/>
+                <a:cs typeface="+mn-cs"/>
+              </a:defRPr>
+            </a:lvl3pPr>
+            <a:lvl4pPr marL="1371600" algn="l" defTabSz="914400" rtl="0" eaLnBrk="1" latinLnBrk="0" hangingPunct="1">
+              <a:defRPr sz="1800" kern="1200">
+                <a:solidFill>
+                  <a:schemeClr val="lt1"/>
+                </a:solidFill>
+                <a:latin typeface="+mn-lt"/>
+                <a:ea typeface="+mn-ea"/>
+                <a:cs typeface="+mn-cs"/>
+              </a:defRPr>
+            </a:lvl4pPr>
+            <a:lvl5pPr marL="1828800" algn="l" defTabSz="914400" rtl="0" eaLnBrk="1" latinLnBrk="0" hangingPunct="1">
+              <a:defRPr sz="1800" kern="1200">
+                <a:solidFill>
+                  <a:schemeClr val="lt1"/>
+                </a:solidFill>
+                <a:latin typeface="+mn-lt"/>
+                <a:ea typeface="+mn-ea"/>
+                <a:cs typeface="+mn-cs"/>
+              </a:defRPr>
+            </a:lvl5pPr>
+            <a:lvl6pPr marL="2286000" algn="l" defTabSz="914400" rtl="0" eaLnBrk="1" latinLnBrk="0" hangingPunct="1">
+              <a:defRPr sz="1800" kern="1200">
+                <a:solidFill>
+                  <a:schemeClr val="lt1"/>
+                </a:solidFill>
+                <a:latin typeface="+mn-lt"/>
+                <a:ea typeface="+mn-ea"/>
+                <a:cs typeface="+mn-cs"/>
+              </a:defRPr>
+            </a:lvl6pPr>
+            <a:lvl7pPr marL="2743200" algn="l" defTabSz="914400" rtl="0" eaLnBrk="1" latinLnBrk="0" hangingPunct="1">
+              <a:defRPr sz="1800" kern="1200">
+                <a:solidFill>
+                  <a:schemeClr val="lt1"/>
+                </a:solidFill>
+                <a:latin typeface="+mn-lt"/>
+                <a:ea typeface="+mn-ea"/>
+                <a:cs typeface="+mn-cs"/>
+              </a:defRPr>
+            </a:lvl7pPr>
+            <a:lvl8pPr marL="3200400" algn="l" defTabSz="914400" rtl="0" eaLnBrk="1" latinLnBrk="0" hangingPunct="1">
+              <a:defRPr sz="1800" kern="1200">
+                <a:solidFill>
+                  <a:schemeClr val="lt1"/>
+                </a:solidFill>
+                <a:latin typeface="+mn-lt"/>
+                <a:ea typeface="+mn-ea"/>
+                <a:cs typeface="+mn-cs"/>
+              </a:defRPr>
+            </a:lvl8pPr>
+            <a:lvl9pPr marL="3657600" algn="l" defTabSz="914400" rtl="0" eaLnBrk="1" latinLnBrk="0" hangingPunct="1">
+              <a:defRPr sz="1800" kern="1200">
+                <a:solidFill>
+                  <a:schemeClr val="lt1"/>
+                </a:solidFill>
+                <a:latin typeface="+mn-lt"/>
+                <a:ea typeface="+mn-ea"/>
+                <a:cs typeface="+mn-cs"/>
+              </a:defRPr>
+            </a:lvl9pPr>
+          </a:lstStyle>
+          <a:p>
+            <a:pPr algn="ctr"/>
+            <a:r>
+              <a:rPr lang="en-US" sz="5400" dirty="0" err="1">
+                <a:solidFill>
+                  <a:schemeClr val="accent4"/>
+                </a:solidFill>
+              </a:rPr>
+              <a:t>Bm</a:t>
+            </a:r>
+            <a:endParaRPr lang="en-PH" sz="5400" dirty="0">
+              <a:solidFill>
+                <a:schemeClr val="accent4"/>
+              </a:solidFill>
+            </a:endParaRPr>
+          </a:p>
+        </p:txBody>
+      </p:sp>
+      <p:sp>
+        <p:nvSpPr>
+          <p:cNvPr id="9" name="Rectangle 8">
+            <a:extLst>
+              <a:ext uri="{FF2B5EF4-FFF2-40B4-BE49-F238E27FC236}">
+                <a16:creationId xmlns:a16="http://schemas.microsoft.com/office/drawing/2014/main" id="{E6D8F332-0F16-4AC9-B662-626FCC5658C2}"/>
+              </a:ext>
+            </a:extLst>
+          </p:cNvPr>
+          <p:cNvSpPr/>
+          <p:nvPr/>
+        </p:nvSpPr>
+        <p:spPr>
+          <a:xfrm>
+            <a:off x="5886730" y="2925935"/>
+            <a:ext cx="1786597" cy="970671"/>
+          </a:xfrm>
+          <a:prstGeom prst="rect">
+            <a:avLst/>
+          </a:prstGeom>
+          <a:noFill/>
+          <a:ln>
+            <a:noFill/>
+          </a:ln>
+        </p:spPr>
+        <p:style>
+          <a:lnRef idx="2">
+            <a:schemeClr val="accent1">
+              <a:shade val="50000"/>
+            </a:schemeClr>
+          </a:lnRef>
+          <a:fillRef idx="1">
+            <a:schemeClr val="accent1"/>
+          </a:fillRef>
+          <a:effectRef idx="0">
+            <a:schemeClr val="accent1"/>
+          </a:effectRef>
+          <a:fontRef idx="minor">
+            <a:schemeClr val="lt1"/>
+          </a:fontRef>
+        </p:style>
+        <p:txBody>
+          <a:bodyPr rtlCol="0" anchor="ctr"/>
+          <a:lstStyle>
+            <a:defPPr>
+              <a:defRPr lang="en-US"/>
+            </a:defPPr>
+            <a:lvl1pPr marL="0" algn="l" defTabSz="914400" rtl="0" eaLnBrk="1" latinLnBrk="0" hangingPunct="1">
+              <a:defRPr sz="1800" kern="1200">
+                <a:solidFill>
+                  <a:schemeClr val="lt1"/>
+                </a:solidFill>
+                <a:latin typeface="+mn-lt"/>
+                <a:ea typeface="+mn-ea"/>
+                <a:cs typeface="+mn-cs"/>
+              </a:defRPr>
+            </a:lvl1pPr>
+            <a:lvl2pPr marL="457200" algn="l" defTabSz="914400" rtl="0" eaLnBrk="1" latinLnBrk="0" hangingPunct="1">
+              <a:defRPr sz="1800" kern="1200">
+                <a:solidFill>
+                  <a:schemeClr val="lt1"/>
+                </a:solidFill>
+                <a:latin typeface="+mn-lt"/>
+                <a:ea typeface="+mn-ea"/>
+                <a:cs typeface="+mn-cs"/>
+              </a:defRPr>
+            </a:lvl2pPr>
+            <a:lvl3pPr marL="914400" algn="l" defTabSz="914400" rtl="0" eaLnBrk="1" latinLnBrk="0" hangingPunct="1">
+              <a:defRPr sz="1800" kern="1200">
+                <a:solidFill>
+                  <a:schemeClr val="lt1"/>
+                </a:solidFill>
+                <a:latin typeface="+mn-lt"/>
+                <a:ea typeface="+mn-ea"/>
+                <a:cs typeface="+mn-cs"/>
+              </a:defRPr>
+            </a:lvl3pPr>
+            <a:lvl4pPr marL="1371600" algn="l" defTabSz="914400" rtl="0" eaLnBrk="1" latinLnBrk="0" hangingPunct="1">
+              <a:defRPr sz="1800" kern="1200">
+                <a:solidFill>
+                  <a:schemeClr val="lt1"/>
+                </a:solidFill>
+                <a:latin typeface="+mn-lt"/>
+                <a:ea typeface="+mn-ea"/>
+                <a:cs typeface="+mn-cs"/>
+              </a:defRPr>
+            </a:lvl4pPr>
+            <a:lvl5pPr marL="1828800" algn="l" defTabSz="914400" rtl="0" eaLnBrk="1" latinLnBrk="0" hangingPunct="1">
+              <a:defRPr sz="1800" kern="1200">
+                <a:solidFill>
+                  <a:schemeClr val="lt1"/>
+                </a:solidFill>
+                <a:latin typeface="+mn-lt"/>
+                <a:ea typeface="+mn-ea"/>
+                <a:cs typeface="+mn-cs"/>
+              </a:defRPr>
+            </a:lvl5pPr>
+            <a:lvl6pPr marL="2286000" algn="l" defTabSz="914400" rtl="0" eaLnBrk="1" latinLnBrk="0" hangingPunct="1">
+              <a:defRPr sz="1800" kern="1200">
+                <a:solidFill>
+                  <a:schemeClr val="lt1"/>
+                </a:solidFill>
+                <a:latin typeface="+mn-lt"/>
+                <a:ea typeface="+mn-ea"/>
+                <a:cs typeface="+mn-cs"/>
+              </a:defRPr>
+            </a:lvl6pPr>
+            <a:lvl7pPr marL="2743200" algn="l" defTabSz="914400" rtl="0" eaLnBrk="1" latinLnBrk="0" hangingPunct="1">
+              <a:defRPr sz="1800" kern="1200">
+                <a:solidFill>
+                  <a:schemeClr val="lt1"/>
+                </a:solidFill>
+                <a:latin typeface="+mn-lt"/>
+                <a:ea typeface="+mn-ea"/>
+                <a:cs typeface="+mn-cs"/>
+              </a:defRPr>
+            </a:lvl7pPr>
+            <a:lvl8pPr marL="3200400" algn="l" defTabSz="914400" rtl="0" eaLnBrk="1" latinLnBrk="0" hangingPunct="1">
+              <a:defRPr sz="1800" kern="1200">
+                <a:solidFill>
+                  <a:schemeClr val="lt1"/>
+                </a:solidFill>
+                <a:latin typeface="+mn-lt"/>
+                <a:ea typeface="+mn-ea"/>
+                <a:cs typeface="+mn-cs"/>
+              </a:defRPr>
+            </a:lvl8pPr>
+            <a:lvl9pPr marL="3657600" algn="l" defTabSz="914400" rtl="0" eaLnBrk="1" latinLnBrk="0" hangingPunct="1">
+              <a:defRPr sz="1800" kern="1200">
+                <a:solidFill>
+                  <a:schemeClr val="lt1"/>
+                </a:solidFill>
+                <a:latin typeface="+mn-lt"/>
+                <a:ea typeface="+mn-ea"/>
+                <a:cs typeface="+mn-cs"/>
+              </a:defRPr>
+            </a:lvl9pPr>
+          </a:lstStyle>
+          <a:p>
+            <a:pPr algn="ctr"/>
+            <a:r>
+              <a:rPr lang="en-US" sz="5400" dirty="0" err="1">
+                <a:solidFill>
+                  <a:schemeClr val="accent4"/>
+                </a:solidFill>
+              </a:rPr>
+              <a:t>Em</a:t>
+            </a:r>
+            <a:endParaRPr lang="en-PH" sz="5400" dirty="0">
+              <a:solidFill>
+                <a:schemeClr val="accent4"/>
+              </a:solidFill>
+            </a:endParaRPr>
+          </a:p>
+        </p:txBody>
+      </p:sp>
+      <p:sp>
+        <p:nvSpPr>
+          <p:cNvPr id="10" name="Rectangle 9">
+            <a:extLst>
+              <a:ext uri="{FF2B5EF4-FFF2-40B4-BE49-F238E27FC236}">
+                <a16:creationId xmlns:a16="http://schemas.microsoft.com/office/drawing/2014/main" id="{7351F301-A7D9-4C19-B13A-442BEAF19A7D}"/>
+              </a:ext>
+            </a:extLst>
+          </p:cNvPr>
+          <p:cNvSpPr/>
+          <p:nvPr/>
+        </p:nvSpPr>
+        <p:spPr>
+          <a:xfrm>
+            <a:off x="3313650" y="4244379"/>
+            <a:ext cx="1786597" cy="970671"/>
+          </a:xfrm>
+          <a:prstGeom prst="rect">
+            <a:avLst/>
+          </a:prstGeom>
+          <a:noFill/>
+          <a:ln>
+            <a:noFill/>
+          </a:ln>
+        </p:spPr>
+        <p:style>
+          <a:lnRef idx="2">
+            <a:schemeClr val="accent1">
+              <a:shade val="50000"/>
+            </a:schemeClr>
+          </a:lnRef>
+          <a:fillRef idx="1">
+            <a:schemeClr val="accent1"/>
+          </a:fillRef>
+          <a:effectRef idx="0">
+            <a:schemeClr val="accent1"/>
+          </a:effectRef>
+          <a:fontRef idx="minor">
+            <a:schemeClr val="lt1"/>
+          </a:fontRef>
+        </p:style>
+        <p:txBody>
+          <a:bodyPr rtlCol="0" anchor="ctr"/>
+          <a:lstStyle>
+            <a:defPPr>
+              <a:defRPr lang="en-US"/>
+            </a:defPPr>
+            <a:lvl1pPr marL="0" algn="l" defTabSz="914400" rtl="0" eaLnBrk="1" latinLnBrk="0" hangingPunct="1">
+              <a:defRPr sz="1800" kern="1200">
+                <a:solidFill>
+                  <a:schemeClr val="lt1"/>
+                </a:solidFill>
+                <a:latin typeface="+mn-lt"/>
+                <a:ea typeface="+mn-ea"/>
+                <a:cs typeface="+mn-cs"/>
+              </a:defRPr>
+            </a:lvl1pPr>
+            <a:lvl2pPr marL="457200" algn="l" defTabSz="914400" rtl="0" eaLnBrk="1" latinLnBrk="0" hangingPunct="1">
+              <a:defRPr sz="1800" kern="1200">
+                <a:solidFill>
+                  <a:schemeClr val="lt1"/>
+                </a:solidFill>
+                <a:latin typeface="+mn-lt"/>
+                <a:ea typeface="+mn-ea"/>
+                <a:cs typeface="+mn-cs"/>
+              </a:defRPr>
+            </a:lvl2pPr>
+            <a:lvl3pPr marL="914400" algn="l" defTabSz="914400" rtl="0" eaLnBrk="1" latinLnBrk="0" hangingPunct="1">
+              <a:defRPr sz="1800" kern="1200">
+                <a:solidFill>
+                  <a:schemeClr val="lt1"/>
+                </a:solidFill>
+                <a:latin typeface="+mn-lt"/>
+                <a:ea typeface="+mn-ea"/>
+                <a:cs typeface="+mn-cs"/>
+              </a:defRPr>
+            </a:lvl3pPr>
+            <a:lvl4pPr marL="1371600" algn="l" defTabSz="914400" rtl="0" eaLnBrk="1" latinLnBrk="0" hangingPunct="1">
+              <a:defRPr sz="1800" kern="1200">
+                <a:solidFill>
+                  <a:schemeClr val="lt1"/>
+                </a:solidFill>
+                <a:latin typeface="+mn-lt"/>
+                <a:ea typeface="+mn-ea"/>
+                <a:cs typeface="+mn-cs"/>
+              </a:defRPr>
+            </a:lvl4pPr>
+            <a:lvl5pPr marL="1828800" algn="l" defTabSz="914400" rtl="0" eaLnBrk="1" latinLnBrk="0" hangingPunct="1">
+              <a:defRPr sz="1800" kern="1200">
+                <a:solidFill>
+                  <a:schemeClr val="lt1"/>
+                </a:solidFill>
+                <a:latin typeface="+mn-lt"/>
+                <a:ea typeface="+mn-ea"/>
+                <a:cs typeface="+mn-cs"/>
+              </a:defRPr>
+            </a:lvl5pPr>
+            <a:lvl6pPr marL="2286000" algn="l" defTabSz="914400" rtl="0" eaLnBrk="1" latinLnBrk="0" hangingPunct="1">
+              <a:defRPr sz="1800" kern="1200">
+                <a:solidFill>
+                  <a:schemeClr val="lt1"/>
+                </a:solidFill>
+                <a:latin typeface="+mn-lt"/>
+                <a:ea typeface="+mn-ea"/>
+                <a:cs typeface="+mn-cs"/>
+              </a:defRPr>
+            </a:lvl6pPr>
+            <a:lvl7pPr marL="2743200" algn="l" defTabSz="914400" rtl="0" eaLnBrk="1" latinLnBrk="0" hangingPunct="1">
+              <a:defRPr sz="1800" kern="1200">
+                <a:solidFill>
+                  <a:schemeClr val="lt1"/>
+                </a:solidFill>
+                <a:latin typeface="+mn-lt"/>
+                <a:ea typeface="+mn-ea"/>
+                <a:cs typeface="+mn-cs"/>
+              </a:defRPr>
+            </a:lvl7pPr>
+            <a:lvl8pPr marL="3200400" algn="l" defTabSz="914400" rtl="0" eaLnBrk="1" latinLnBrk="0" hangingPunct="1">
+              <a:defRPr sz="1800" kern="1200">
+                <a:solidFill>
+                  <a:schemeClr val="lt1"/>
+                </a:solidFill>
+                <a:latin typeface="+mn-lt"/>
+                <a:ea typeface="+mn-ea"/>
+                <a:cs typeface="+mn-cs"/>
+              </a:defRPr>
+            </a:lvl8pPr>
+            <a:lvl9pPr marL="3657600" algn="l" defTabSz="914400" rtl="0" eaLnBrk="1" latinLnBrk="0" hangingPunct="1">
+              <a:defRPr sz="1800" kern="1200">
+                <a:solidFill>
+                  <a:schemeClr val="lt1"/>
+                </a:solidFill>
+                <a:latin typeface="+mn-lt"/>
+                <a:ea typeface="+mn-ea"/>
+                <a:cs typeface="+mn-cs"/>
+              </a:defRPr>
+            </a:lvl9pPr>
+          </a:lstStyle>
+          <a:p>
+            <a:pPr algn="ctr"/>
+            <a:r>
+              <a:rPr lang="en-US" sz="5400" dirty="0">
+                <a:solidFill>
+                  <a:schemeClr val="accent4"/>
+                </a:solidFill>
+              </a:rPr>
+              <a:t>A</a:t>
+            </a:r>
+            <a:endParaRPr lang="en-PH" sz="5400" dirty="0">
+              <a:solidFill>
+                <a:schemeClr val="accent4"/>
+              </a:solidFill>
+            </a:endParaRPr>
+          </a:p>
+        </p:txBody>
+      </p:sp>
+      <p:sp>
+        <p:nvSpPr>
+          <p:cNvPr id="11" name="Rectangle 10">
+            <a:extLst>
+              <a:ext uri="{FF2B5EF4-FFF2-40B4-BE49-F238E27FC236}">
+                <a16:creationId xmlns:a16="http://schemas.microsoft.com/office/drawing/2014/main" id="{4C622A8B-6C92-49D4-8509-12A1E5D7E204}"/>
+              </a:ext>
+            </a:extLst>
+          </p:cNvPr>
+          <p:cNvSpPr/>
+          <p:nvPr/>
+        </p:nvSpPr>
+        <p:spPr>
+          <a:xfrm>
+            <a:off x="9161556" y="4457029"/>
+            <a:ext cx="1786597" cy="970671"/>
+          </a:xfrm>
+          <a:prstGeom prst="rect">
+            <a:avLst/>
+          </a:prstGeom>
+          <a:noFill/>
+          <a:ln>
+            <a:noFill/>
+          </a:ln>
+        </p:spPr>
+        <p:style>
+          <a:lnRef idx="2">
+            <a:schemeClr val="accent1">
+              <a:shade val="50000"/>
+            </a:schemeClr>
+          </a:lnRef>
+          <a:fillRef idx="1">
+            <a:schemeClr val="accent1"/>
+          </a:fillRef>
+          <a:effectRef idx="0">
+            <a:schemeClr val="accent1"/>
+          </a:effectRef>
+          <a:fontRef idx="minor">
+            <a:schemeClr val="lt1"/>
+          </a:fontRef>
+        </p:style>
+        <p:txBody>
+          <a:bodyPr rtlCol="0" anchor="ctr"/>
+          <a:lstStyle>
+            <a:defPPr>
+              <a:defRPr lang="en-US"/>
+            </a:defPPr>
+            <a:lvl1pPr marL="0" algn="l" defTabSz="914400" rtl="0" eaLnBrk="1" latinLnBrk="0" hangingPunct="1">
+              <a:defRPr sz="1800" kern="1200">
+                <a:solidFill>
+                  <a:schemeClr val="lt1"/>
+                </a:solidFill>
+                <a:latin typeface="+mn-lt"/>
+                <a:ea typeface="+mn-ea"/>
+                <a:cs typeface="+mn-cs"/>
+              </a:defRPr>
+            </a:lvl1pPr>
+            <a:lvl2pPr marL="457200" algn="l" defTabSz="914400" rtl="0" eaLnBrk="1" latinLnBrk="0" hangingPunct="1">
+              <a:defRPr sz="1800" kern="1200">
+                <a:solidFill>
+                  <a:schemeClr val="lt1"/>
+                </a:solidFill>
+                <a:latin typeface="+mn-lt"/>
+                <a:ea typeface="+mn-ea"/>
+                <a:cs typeface="+mn-cs"/>
+              </a:defRPr>
+            </a:lvl2pPr>
+            <a:lvl3pPr marL="914400" algn="l" defTabSz="914400" rtl="0" eaLnBrk="1" latinLnBrk="0" hangingPunct="1">
+              <a:defRPr sz="1800" kern="1200">
+                <a:solidFill>
+                  <a:schemeClr val="lt1"/>
+                </a:solidFill>
+                <a:latin typeface="+mn-lt"/>
+                <a:ea typeface="+mn-ea"/>
+                <a:cs typeface="+mn-cs"/>
+              </a:defRPr>
+            </a:lvl3pPr>
+            <a:lvl4pPr marL="1371600" algn="l" defTabSz="914400" rtl="0" eaLnBrk="1" latinLnBrk="0" hangingPunct="1">
+              <a:defRPr sz="1800" kern="1200">
+                <a:solidFill>
+                  <a:schemeClr val="lt1"/>
+                </a:solidFill>
+                <a:latin typeface="+mn-lt"/>
+                <a:ea typeface="+mn-ea"/>
+                <a:cs typeface="+mn-cs"/>
+              </a:defRPr>
+            </a:lvl4pPr>
+            <a:lvl5pPr marL="1828800" algn="l" defTabSz="914400" rtl="0" eaLnBrk="1" latinLnBrk="0" hangingPunct="1">
+              <a:defRPr sz="1800" kern="1200">
+                <a:solidFill>
+                  <a:schemeClr val="lt1"/>
+                </a:solidFill>
+                <a:latin typeface="+mn-lt"/>
+                <a:ea typeface="+mn-ea"/>
+                <a:cs typeface="+mn-cs"/>
+              </a:defRPr>
+            </a:lvl5pPr>
+            <a:lvl6pPr marL="2286000" algn="l" defTabSz="914400" rtl="0" eaLnBrk="1" latinLnBrk="0" hangingPunct="1">
+              <a:defRPr sz="1800" kern="1200">
+                <a:solidFill>
+                  <a:schemeClr val="lt1"/>
+                </a:solidFill>
+                <a:latin typeface="+mn-lt"/>
+                <a:ea typeface="+mn-ea"/>
+                <a:cs typeface="+mn-cs"/>
+              </a:defRPr>
+            </a:lvl6pPr>
+            <a:lvl7pPr marL="2743200" algn="l" defTabSz="914400" rtl="0" eaLnBrk="1" latinLnBrk="0" hangingPunct="1">
+              <a:defRPr sz="1800" kern="1200">
+                <a:solidFill>
+                  <a:schemeClr val="lt1"/>
+                </a:solidFill>
+                <a:latin typeface="+mn-lt"/>
+                <a:ea typeface="+mn-ea"/>
+                <a:cs typeface="+mn-cs"/>
+              </a:defRPr>
+            </a:lvl7pPr>
+            <a:lvl8pPr marL="3200400" algn="l" defTabSz="914400" rtl="0" eaLnBrk="1" latinLnBrk="0" hangingPunct="1">
+              <a:defRPr sz="1800" kern="1200">
+                <a:solidFill>
+                  <a:schemeClr val="lt1"/>
+                </a:solidFill>
+                <a:latin typeface="+mn-lt"/>
+                <a:ea typeface="+mn-ea"/>
+                <a:cs typeface="+mn-cs"/>
+              </a:defRPr>
+            </a:lvl8pPr>
+            <a:lvl9pPr marL="3657600" algn="l" defTabSz="914400" rtl="0" eaLnBrk="1" latinLnBrk="0" hangingPunct="1">
+              <a:defRPr sz="1800" kern="1200">
+                <a:solidFill>
+                  <a:schemeClr val="lt1"/>
+                </a:solidFill>
+                <a:latin typeface="+mn-lt"/>
+                <a:ea typeface="+mn-ea"/>
+                <a:cs typeface="+mn-cs"/>
+              </a:defRPr>
+            </a:lvl9pPr>
+          </a:lstStyle>
+          <a:p>
+            <a:pPr algn="ctr"/>
+            <a:r>
+              <a:rPr lang="en-US" sz="5400" dirty="0">
+                <a:solidFill>
+                  <a:schemeClr val="accent4"/>
+                </a:solidFill>
+              </a:rPr>
+              <a:t>D</a:t>
+            </a:r>
+            <a:endParaRPr lang="en-PH" sz="5400" dirty="0">
+              <a:solidFill>
+                <a:schemeClr val="accent4"/>
+              </a:solidFill>
+            </a:endParaRPr>
+          </a:p>
+        </p:txBody>
+      </p:sp>
     </p:spTree>
     <p:extLst>
       <p:ext uri="{BB962C8B-B14F-4D97-AF65-F5344CB8AC3E}">
@@ -3925,6 +5173,630 @@
           </a:p>
         </p:txBody>
       </p:sp>
+      <p:sp>
+        <p:nvSpPr>
+          <p:cNvPr id="3" name="Rectangle 2">
+            <a:extLst>
+              <a:ext uri="{FF2B5EF4-FFF2-40B4-BE49-F238E27FC236}">
+                <a16:creationId xmlns:a16="http://schemas.microsoft.com/office/drawing/2014/main" id="{EE5961DF-945A-4835-A093-E105BCB0EBEC}"/>
+              </a:ext>
+            </a:extLst>
+          </p:cNvPr>
+          <p:cNvSpPr/>
+          <p:nvPr/>
+        </p:nvSpPr>
+        <p:spPr>
+          <a:xfrm>
+            <a:off x="6457344" y="157933"/>
+            <a:ext cx="1786597" cy="970671"/>
+          </a:xfrm>
+          <a:prstGeom prst="rect">
+            <a:avLst/>
+          </a:prstGeom>
+          <a:noFill/>
+          <a:ln>
+            <a:noFill/>
+          </a:ln>
+        </p:spPr>
+        <p:style>
+          <a:lnRef idx="2">
+            <a:schemeClr val="accent1">
+              <a:shade val="50000"/>
+            </a:schemeClr>
+          </a:lnRef>
+          <a:fillRef idx="1">
+            <a:schemeClr val="accent1"/>
+          </a:fillRef>
+          <a:effectRef idx="0">
+            <a:schemeClr val="accent1"/>
+          </a:effectRef>
+          <a:fontRef idx="minor">
+            <a:schemeClr val="lt1"/>
+          </a:fontRef>
+        </p:style>
+        <p:txBody>
+          <a:bodyPr rtlCol="0" anchor="ctr"/>
+          <a:lstStyle>
+            <a:defPPr>
+              <a:defRPr lang="en-US"/>
+            </a:defPPr>
+            <a:lvl1pPr marL="0" algn="l" defTabSz="914400" rtl="0" eaLnBrk="1" latinLnBrk="0" hangingPunct="1">
+              <a:defRPr sz="1800" kern="1200">
+                <a:solidFill>
+                  <a:schemeClr val="lt1"/>
+                </a:solidFill>
+                <a:latin typeface="+mn-lt"/>
+                <a:ea typeface="+mn-ea"/>
+                <a:cs typeface="+mn-cs"/>
+              </a:defRPr>
+            </a:lvl1pPr>
+            <a:lvl2pPr marL="457200" algn="l" defTabSz="914400" rtl="0" eaLnBrk="1" latinLnBrk="0" hangingPunct="1">
+              <a:defRPr sz="1800" kern="1200">
+                <a:solidFill>
+                  <a:schemeClr val="lt1"/>
+                </a:solidFill>
+                <a:latin typeface="+mn-lt"/>
+                <a:ea typeface="+mn-ea"/>
+                <a:cs typeface="+mn-cs"/>
+              </a:defRPr>
+            </a:lvl2pPr>
+            <a:lvl3pPr marL="914400" algn="l" defTabSz="914400" rtl="0" eaLnBrk="1" latinLnBrk="0" hangingPunct="1">
+              <a:defRPr sz="1800" kern="1200">
+                <a:solidFill>
+                  <a:schemeClr val="lt1"/>
+                </a:solidFill>
+                <a:latin typeface="+mn-lt"/>
+                <a:ea typeface="+mn-ea"/>
+                <a:cs typeface="+mn-cs"/>
+              </a:defRPr>
+            </a:lvl3pPr>
+            <a:lvl4pPr marL="1371600" algn="l" defTabSz="914400" rtl="0" eaLnBrk="1" latinLnBrk="0" hangingPunct="1">
+              <a:defRPr sz="1800" kern="1200">
+                <a:solidFill>
+                  <a:schemeClr val="lt1"/>
+                </a:solidFill>
+                <a:latin typeface="+mn-lt"/>
+                <a:ea typeface="+mn-ea"/>
+                <a:cs typeface="+mn-cs"/>
+              </a:defRPr>
+            </a:lvl4pPr>
+            <a:lvl5pPr marL="1828800" algn="l" defTabSz="914400" rtl="0" eaLnBrk="1" latinLnBrk="0" hangingPunct="1">
+              <a:defRPr sz="1800" kern="1200">
+                <a:solidFill>
+                  <a:schemeClr val="lt1"/>
+                </a:solidFill>
+                <a:latin typeface="+mn-lt"/>
+                <a:ea typeface="+mn-ea"/>
+                <a:cs typeface="+mn-cs"/>
+              </a:defRPr>
+            </a:lvl5pPr>
+            <a:lvl6pPr marL="2286000" algn="l" defTabSz="914400" rtl="0" eaLnBrk="1" latinLnBrk="0" hangingPunct="1">
+              <a:defRPr sz="1800" kern="1200">
+                <a:solidFill>
+                  <a:schemeClr val="lt1"/>
+                </a:solidFill>
+                <a:latin typeface="+mn-lt"/>
+                <a:ea typeface="+mn-ea"/>
+                <a:cs typeface="+mn-cs"/>
+              </a:defRPr>
+            </a:lvl6pPr>
+            <a:lvl7pPr marL="2743200" algn="l" defTabSz="914400" rtl="0" eaLnBrk="1" latinLnBrk="0" hangingPunct="1">
+              <a:defRPr sz="1800" kern="1200">
+                <a:solidFill>
+                  <a:schemeClr val="lt1"/>
+                </a:solidFill>
+                <a:latin typeface="+mn-lt"/>
+                <a:ea typeface="+mn-ea"/>
+                <a:cs typeface="+mn-cs"/>
+              </a:defRPr>
+            </a:lvl7pPr>
+            <a:lvl8pPr marL="3200400" algn="l" defTabSz="914400" rtl="0" eaLnBrk="1" latinLnBrk="0" hangingPunct="1">
+              <a:defRPr sz="1800" kern="1200">
+                <a:solidFill>
+                  <a:schemeClr val="lt1"/>
+                </a:solidFill>
+                <a:latin typeface="+mn-lt"/>
+                <a:ea typeface="+mn-ea"/>
+                <a:cs typeface="+mn-cs"/>
+              </a:defRPr>
+            </a:lvl8pPr>
+            <a:lvl9pPr marL="3657600" algn="l" defTabSz="914400" rtl="0" eaLnBrk="1" latinLnBrk="0" hangingPunct="1">
+              <a:defRPr sz="1800" kern="1200">
+                <a:solidFill>
+                  <a:schemeClr val="lt1"/>
+                </a:solidFill>
+                <a:latin typeface="+mn-lt"/>
+                <a:ea typeface="+mn-ea"/>
+                <a:cs typeface="+mn-cs"/>
+              </a:defRPr>
+            </a:lvl9pPr>
+          </a:lstStyle>
+          <a:p>
+            <a:pPr algn="ctr"/>
+            <a:r>
+              <a:rPr lang="en-US" sz="5400" dirty="0">
+                <a:solidFill>
+                  <a:schemeClr val="accent4"/>
+                </a:solidFill>
+              </a:rPr>
+              <a:t>G</a:t>
+            </a:r>
+            <a:endParaRPr lang="en-PH" sz="5400" dirty="0">
+              <a:solidFill>
+                <a:schemeClr val="accent4"/>
+              </a:solidFill>
+            </a:endParaRPr>
+          </a:p>
+        </p:txBody>
+      </p:sp>
+      <p:sp>
+        <p:nvSpPr>
+          <p:cNvPr id="4" name="Rectangle 3">
+            <a:extLst>
+              <a:ext uri="{FF2B5EF4-FFF2-40B4-BE49-F238E27FC236}">
+                <a16:creationId xmlns:a16="http://schemas.microsoft.com/office/drawing/2014/main" id="{8BDADAD3-7B26-4E7D-B657-11DFB416A661}"/>
+              </a:ext>
+            </a:extLst>
+          </p:cNvPr>
+          <p:cNvSpPr/>
+          <p:nvPr/>
+        </p:nvSpPr>
+        <p:spPr>
+          <a:xfrm>
+            <a:off x="6032043" y="1497629"/>
+            <a:ext cx="1786597" cy="970671"/>
+          </a:xfrm>
+          <a:prstGeom prst="rect">
+            <a:avLst/>
+          </a:prstGeom>
+          <a:noFill/>
+          <a:ln>
+            <a:noFill/>
+          </a:ln>
+        </p:spPr>
+        <p:style>
+          <a:lnRef idx="2">
+            <a:schemeClr val="accent1">
+              <a:shade val="50000"/>
+            </a:schemeClr>
+          </a:lnRef>
+          <a:fillRef idx="1">
+            <a:schemeClr val="accent1"/>
+          </a:fillRef>
+          <a:effectRef idx="0">
+            <a:schemeClr val="accent1"/>
+          </a:effectRef>
+          <a:fontRef idx="minor">
+            <a:schemeClr val="lt1"/>
+          </a:fontRef>
+        </p:style>
+        <p:txBody>
+          <a:bodyPr rtlCol="0" anchor="ctr"/>
+          <a:lstStyle>
+            <a:defPPr>
+              <a:defRPr lang="en-US"/>
+            </a:defPPr>
+            <a:lvl1pPr marL="0" algn="l" defTabSz="914400" rtl="0" eaLnBrk="1" latinLnBrk="0" hangingPunct="1">
+              <a:defRPr sz="1800" kern="1200">
+                <a:solidFill>
+                  <a:schemeClr val="lt1"/>
+                </a:solidFill>
+                <a:latin typeface="+mn-lt"/>
+                <a:ea typeface="+mn-ea"/>
+                <a:cs typeface="+mn-cs"/>
+              </a:defRPr>
+            </a:lvl1pPr>
+            <a:lvl2pPr marL="457200" algn="l" defTabSz="914400" rtl="0" eaLnBrk="1" latinLnBrk="0" hangingPunct="1">
+              <a:defRPr sz="1800" kern="1200">
+                <a:solidFill>
+                  <a:schemeClr val="lt1"/>
+                </a:solidFill>
+                <a:latin typeface="+mn-lt"/>
+                <a:ea typeface="+mn-ea"/>
+                <a:cs typeface="+mn-cs"/>
+              </a:defRPr>
+            </a:lvl2pPr>
+            <a:lvl3pPr marL="914400" algn="l" defTabSz="914400" rtl="0" eaLnBrk="1" latinLnBrk="0" hangingPunct="1">
+              <a:defRPr sz="1800" kern="1200">
+                <a:solidFill>
+                  <a:schemeClr val="lt1"/>
+                </a:solidFill>
+                <a:latin typeface="+mn-lt"/>
+                <a:ea typeface="+mn-ea"/>
+                <a:cs typeface="+mn-cs"/>
+              </a:defRPr>
+            </a:lvl3pPr>
+            <a:lvl4pPr marL="1371600" algn="l" defTabSz="914400" rtl="0" eaLnBrk="1" latinLnBrk="0" hangingPunct="1">
+              <a:defRPr sz="1800" kern="1200">
+                <a:solidFill>
+                  <a:schemeClr val="lt1"/>
+                </a:solidFill>
+                <a:latin typeface="+mn-lt"/>
+                <a:ea typeface="+mn-ea"/>
+                <a:cs typeface="+mn-cs"/>
+              </a:defRPr>
+            </a:lvl4pPr>
+            <a:lvl5pPr marL="1828800" algn="l" defTabSz="914400" rtl="0" eaLnBrk="1" latinLnBrk="0" hangingPunct="1">
+              <a:defRPr sz="1800" kern="1200">
+                <a:solidFill>
+                  <a:schemeClr val="lt1"/>
+                </a:solidFill>
+                <a:latin typeface="+mn-lt"/>
+                <a:ea typeface="+mn-ea"/>
+                <a:cs typeface="+mn-cs"/>
+              </a:defRPr>
+            </a:lvl5pPr>
+            <a:lvl6pPr marL="2286000" algn="l" defTabSz="914400" rtl="0" eaLnBrk="1" latinLnBrk="0" hangingPunct="1">
+              <a:defRPr sz="1800" kern="1200">
+                <a:solidFill>
+                  <a:schemeClr val="lt1"/>
+                </a:solidFill>
+                <a:latin typeface="+mn-lt"/>
+                <a:ea typeface="+mn-ea"/>
+                <a:cs typeface="+mn-cs"/>
+              </a:defRPr>
+            </a:lvl6pPr>
+            <a:lvl7pPr marL="2743200" algn="l" defTabSz="914400" rtl="0" eaLnBrk="1" latinLnBrk="0" hangingPunct="1">
+              <a:defRPr sz="1800" kern="1200">
+                <a:solidFill>
+                  <a:schemeClr val="lt1"/>
+                </a:solidFill>
+                <a:latin typeface="+mn-lt"/>
+                <a:ea typeface="+mn-ea"/>
+                <a:cs typeface="+mn-cs"/>
+              </a:defRPr>
+            </a:lvl7pPr>
+            <a:lvl8pPr marL="3200400" algn="l" defTabSz="914400" rtl="0" eaLnBrk="1" latinLnBrk="0" hangingPunct="1">
+              <a:defRPr sz="1800" kern="1200">
+                <a:solidFill>
+                  <a:schemeClr val="lt1"/>
+                </a:solidFill>
+                <a:latin typeface="+mn-lt"/>
+                <a:ea typeface="+mn-ea"/>
+                <a:cs typeface="+mn-cs"/>
+              </a:defRPr>
+            </a:lvl8pPr>
+            <a:lvl9pPr marL="3657600" algn="l" defTabSz="914400" rtl="0" eaLnBrk="1" latinLnBrk="0" hangingPunct="1">
+              <a:defRPr sz="1800" kern="1200">
+                <a:solidFill>
+                  <a:schemeClr val="lt1"/>
+                </a:solidFill>
+                <a:latin typeface="+mn-lt"/>
+                <a:ea typeface="+mn-ea"/>
+                <a:cs typeface="+mn-cs"/>
+              </a:defRPr>
+            </a:lvl9pPr>
+          </a:lstStyle>
+          <a:p>
+            <a:pPr algn="ctr"/>
+            <a:r>
+              <a:rPr lang="en-US" sz="5400" dirty="0">
+                <a:solidFill>
+                  <a:schemeClr val="accent4"/>
+                </a:solidFill>
+              </a:rPr>
+              <a:t>A</a:t>
+            </a:r>
+            <a:endParaRPr lang="en-PH" sz="5400" dirty="0">
+              <a:solidFill>
+                <a:schemeClr val="accent4"/>
+              </a:solidFill>
+            </a:endParaRPr>
+          </a:p>
+        </p:txBody>
+      </p:sp>
+      <p:sp>
+        <p:nvSpPr>
+          <p:cNvPr id="5" name="Rectangle 4">
+            <a:extLst>
+              <a:ext uri="{FF2B5EF4-FFF2-40B4-BE49-F238E27FC236}">
+                <a16:creationId xmlns:a16="http://schemas.microsoft.com/office/drawing/2014/main" id="{67D3BFF2-AC0D-499C-89B8-3E199139C6A9}"/>
+              </a:ext>
+            </a:extLst>
+          </p:cNvPr>
+          <p:cNvSpPr/>
+          <p:nvPr/>
+        </p:nvSpPr>
+        <p:spPr>
+          <a:xfrm>
+            <a:off x="7626924" y="3028719"/>
+            <a:ext cx="1786597" cy="970671"/>
+          </a:xfrm>
+          <a:prstGeom prst="rect">
+            <a:avLst/>
+          </a:prstGeom>
+          <a:noFill/>
+          <a:ln>
+            <a:noFill/>
+          </a:ln>
+        </p:spPr>
+        <p:style>
+          <a:lnRef idx="2">
+            <a:schemeClr val="accent1">
+              <a:shade val="50000"/>
+            </a:schemeClr>
+          </a:lnRef>
+          <a:fillRef idx="1">
+            <a:schemeClr val="accent1"/>
+          </a:fillRef>
+          <a:effectRef idx="0">
+            <a:schemeClr val="accent1"/>
+          </a:effectRef>
+          <a:fontRef idx="minor">
+            <a:schemeClr val="lt1"/>
+          </a:fontRef>
+        </p:style>
+        <p:txBody>
+          <a:bodyPr rtlCol="0" anchor="ctr"/>
+          <a:lstStyle>
+            <a:defPPr>
+              <a:defRPr lang="en-US"/>
+            </a:defPPr>
+            <a:lvl1pPr marL="0" algn="l" defTabSz="914400" rtl="0" eaLnBrk="1" latinLnBrk="0" hangingPunct="1">
+              <a:defRPr sz="1800" kern="1200">
+                <a:solidFill>
+                  <a:schemeClr val="lt1"/>
+                </a:solidFill>
+                <a:latin typeface="+mn-lt"/>
+                <a:ea typeface="+mn-ea"/>
+                <a:cs typeface="+mn-cs"/>
+              </a:defRPr>
+            </a:lvl1pPr>
+            <a:lvl2pPr marL="457200" algn="l" defTabSz="914400" rtl="0" eaLnBrk="1" latinLnBrk="0" hangingPunct="1">
+              <a:defRPr sz="1800" kern="1200">
+                <a:solidFill>
+                  <a:schemeClr val="lt1"/>
+                </a:solidFill>
+                <a:latin typeface="+mn-lt"/>
+                <a:ea typeface="+mn-ea"/>
+                <a:cs typeface="+mn-cs"/>
+              </a:defRPr>
+            </a:lvl2pPr>
+            <a:lvl3pPr marL="914400" algn="l" defTabSz="914400" rtl="0" eaLnBrk="1" latinLnBrk="0" hangingPunct="1">
+              <a:defRPr sz="1800" kern="1200">
+                <a:solidFill>
+                  <a:schemeClr val="lt1"/>
+                </a:solidFill>
+                <a:latin typeface="+mn-lt"/>
+                <a:ea typeface="+mn-ea"/>
+                <a:cs typeface="+mn-cs"/>
+              </a:defRPr>
+            </a:lvl3pPr>
+            <a:lvl4pPr marL="1371600" algn="l" defTabSz="914400" rtl="0" eaLnBrk="1" latinLnBrk="0" hangingPunct="1">
+              <a:defRPr sz="1800" kern="1200">
+                <a:solidFill>
+                  <a:schemeClr val="lt1"/>
+                </a:solidFill>
+                <a:latin typeface="+mn-lt"/>
+                <a:ea typeface="+mn-ea"/>
+                <a:cs typeface="+mn-cs"/>
+              </a:defRPr>
+            </a:lvl4pPr>
+            <a:lvl5pPr marL="1828800" algn="l" defTabSz="914400" rtl="0" eaLnBrk="1" latinLnBrk="0" hangingPunct="1">
+              <a:defRPr sz="1800" kern="1200">
+                <a:solidFill>
+                  <a:schemeClr val="lt1"/>
+                </a:solidFill>
+                <a:latin typeface="+mn-lt"/>
+                <a:ea typeface="+mn-ea"/>
+                <a:cs typeface="+mn-cs"/>
+              </a:defRPr>
+            </a:lvl5pPr>
+            <a:lvl6pPr marL="2286000" algn="l" defTabSz="914400" rtl="0" eaLnBrk="1" latinLnBrk="0" hangingPunct="1">
+              <a:defRPr sz="1800" kern="1200">
+                <a:solidFill>
+                  <a:schemeClr val="lt1"/>
+                </a:solidFill>
+                <a:latin typeface="+mn-lt"/>
+                <a:ea typeface="+mn-ea"/>
+                <a:cs typeface="+mn-cs"/>
+              </a:defRPr>
+            </a:lvl6pPr>
+            <a:lvl7pPr marL="2743200" algn="l" defTabSz="914400" rtl="0" eaLnBrk="1" latinLnBrk="0" hangingPunct="1">
+              <a:defRPr sz="1800" kern="1200">
+                <a:solidFill>
+                  <a:schemeClr val="lt1"/>
+                </a:solidFill>
+                <a:latin typeface="+mn-lt"/>
+                <a:ea typeface="+mn-ea"/>
+                <a:cs typeface="+mn-cs"/>
+              </a:defRPr>
+            </a:lvl7pPr>
+            <a:lvl8pPr marL="3200400" algn="l" defTabSz="914400" rtl="0" eaLnBrk="1" latinLnBrk="0" hangingPunct="1">
+              <a:defRPr sz="1800" kern="1200">
+                <a:solidFill>
+                  <a:schemeClr val="lt1"/>
+                </a:solidFill>
+                <a:latin typeface="+mn-lt"/>
+                <a:ea typeface="+mn-ea"/>
+                <a:cs typeface="+mn-cs"/>
+              </a:defRPr>
+            </a:lvl8pPr>
+            <a:lvl9pPr marL="3657600" algn="l" defTabSz="914400" rtl="0" eaLnBrk="1" latinLnBrk="0" hangingPunct="1">
+              <a:defRPr sz="1800" kern="1200">
+                <a:solidFill>
+                  <a:schemeClr val="lt1"/>
+                </a:solidFill>
+                <a:latin typeface="+mn-lt"/>
+                <a:ea typeface="+mn-ea"/>
+                <a:cs typeface="+mn-cs"/>
+              </a:defRPr>
+            </a:lvl9pPr>
+          </a:lstStyle>
+          <a:p>
+            <a:pPr algn="ctr"/>
+            <a:r>
+              <a:rPr lang="en-US" sz="5400" dirty="0" err="1">
+                <a:solidFill>
+                  <a:schemeClr val="accent4"/>
+                </a:solidFill>
+              </a:rPr>
+              <a:t>F#m</a:t>
+            </a:r>
+            <a:endParaRPr lang="en-PH" sz="5400" dirty="0">
+              <a:solidFill>
+                <a:schemeClr val="accent4"/>
+              </a:solidFill>
+            </a:endParaRPr>
+          </a:p>
+        </p:txBody>
+      </p:sp>
+      <p:sp>
+        <p:nvSpPr>
+          <p:cNvPr id="7" name="Rectangle 6">
+            <a:extLst>
+              <a:ext uri="{FF2B5EF4-FFF2-40B4-BE49-F238E27FC236}">
+                <a16:creationId xmlns:a16="http://schemas.microsoft.com/office/drawing/2014/main" id="{DF789969-718E-4DB9-BAC1-8FA744A7DD4B}"/>
+              </a:ext>
+            </a:extLst>
+          </p:cNvPr>
+          <p:cNvSpPr/>
+          <p:nvPr/>
+        </p:nvSpPr>
+        <p:spPr>
+          <a:xfrm>
+            <a:off x="5819393" y="4368431"/>
+            <a:ext cx="1786597" cy="970671"/>
+          </a:xfrm>
+          <a:prstGeom prst="rect">
+            <a:avLst/>
+          </a:prstGeom>
+          <a:noFill/>
+          <a:ln>
+            <a:noFill/>
+          </a:ln>
+        </p:spPr>
+        <p:style>
+          <a:lnRef idx="2">
+            <a:schemeClr val="accent1">
+              <a:shade val="50000"/>
+            </a:schemeClr>
+          </a:lnRef>
+          <a:fillRef idx="1">
+            <a:schemeClr val="accent1"/>
+          </a:fillRef>
+          <a:effectRef idx="0">
+            <a:schemeClr val="accent1"/>
+          </a:effectRef>
+          <a:fontRef idx="minor">
+            <a:schemeClr val="lt1"/>
+          </a:fontRef>
+        </p:style>
+        <p:txBody>
+          <a:bodyPr rtlCol="0" anchor="ctr"/>
+          <a:lstStyle>
+            <a:defPPr>
+              <a:defRPr lang="en-US"/>
+            </a:defPPr>
+            <a:lvl1pPr marL="0" algn="l" defTabSz="914400" rtl="0" eaLnBrk="1" latinLnBrk="0" hangingPunct="1">
+              <a:defRPr sz="1800" kern="1200">
+                <a:solidFill>
+                  <a:schemeClr val="lt1"/>
+                </a:solidFill>
+                <a:latin typeface="+mn-lt"/>
+                <a:ea typeface="+mn-ea"/>
+                <a:cs typeface="+mn-cs"/>
+              </a:defRPr>
+            </a:lvl1pPr>
+            <a:lvl2pPr marL="457200" algn="l" defTabSz="914400" rtl="0" eaLnBrk="1" latinLnBrk="0" hangingPunct="1">
+              <a:defRPr sz="1800" kern="1200">
+                <a:solidFill>
+                  <a:schemeClr val="lt1"/>
+                </a:solidFill>
+                <a:latin typeface="+mn-lt"/>
+                <a:ea typeface="+mn-ea"/>
+                <a:cs typeface="+mn-cs"/>
+              </a:defRPr>
+            </a:lvl2pPr>
+            <a:lvl3pPr marL="914400" algn="l" defTabSz="914400" rtl="0" eaLnBrk="1" latinLnBrk="0" hangingPunct="1">
+              <a:defRPr sz="1800" kern="1200">
+                <a:solidFill>
+                  <a:schemeClr val="lt1"/>
+                </a:solidFill>
+                <a:latin typeface="+mn-lt"/>
+                <a:ea typeface="+mn-ea"/>
+                <a:cs typeface="+mn-cs"/>
+              </a:defRPr>
+            </a:lvl3pPr>
+            <a:lvl4pPr marL="1371600" algn="l" defTabSz="914400" rtl="0" eaLnBrk="1" latinLnBrk="0" hangingPunct="1">
+              <a:defRPr sz="1800" kern="1200">
+                <a:solidFill>
+                  <a:schemeClr val="lt1"/>
+                </a:solidFill>
+                <a:latin typeface="+mn-lt"/>
+                <a:ea typeface="+mn-ea"/>
+                <a:cs typeface="+mn-cs"/>
+              </a:defRPr>
+            </a:lvl4pPr>
+            <a:lvl5pPr marL="1828800" algn="l" defTabSz="914400" rtl="0" eaLnBrk="1" latinLnBrk="0" hangingPunct="1">
+              <a:defRPr sz="1800" kern="1200">
+                <a:solidFill>
+                  <a:schemeClr val="lt1"/>
+                </a:solidFill>
+                <a:latin typeface="+mn-lt"/>
+                <a:ea typeface="+mn-ea"/>
+                <a:cs typeface="+mn-cs"/>
+              </a:defRPr>
+            </a:lvl5pPr>
+            <a:lvl6pPr marL="2286000" algn="l" defTabSz="914400" rtl="0" eaLnBrk="1" latinLnBrk="0" hangingPunct="1">
+              <a:defRPr sz="1800" kern="1200">
+                <a:solidFill>
+                  <a:schemeClr val="lt1"/>
+                </a:solidFill>
+                <a:latin typeface="+mn-lt"/>
+                <a:ea typeface="+mn-ea"/>
+                <a:cs typeface="+mn-cs"/>
+              </a:defRPr>
+            </a:lvl6pPr>
+            <a:lvl7pPr marL="2743200" algn="l" defTabSz="914400" rtl="0" eaLnBrk="1" latinLnBrk="0" hangingPunct="1">
+              <a:defRPr sz="1800" kern="1200">
+                <a:solidFill>
+                  <a:schemeClr val="lt1"/>
+                </a:solidFill>
+                <a:latin typeface="+mn-lt"/>
+                <a:ea typeface="+mn-ea"/>
+                <a:cs typeface="+mn-cs"/>
+              </a:defRPr>
+            </a:lvl7pPr>
+            <a:lvl8pPr marL="3200400" algn="l" defTabSz="914400" rtl="0" eaLnBrk="1" latinLnBrk="0" hangingPunct="1">
+              <a:defRPr sz="1800" kern="1200">
+                <a:solidFill>
+                  <a:schemeClr val="lt1"/>
+                </a:solidFill>
+                <a:latin typeface="+mn-lt"/>
+                <a:ea typeface="+mn-ea"/>
+                <a:cs typeface="+mn-cs"/>
+              </a:defRPr>
+            </a:lvl8pPr>
+            <a:lvl9pPr marL="3657600" algn="l" defTabSz="914400" rtl="0" eaLnBrk="1" latinLnBrk="0" hangingPunct="1">
+              <a:defRPr sz="1800" kern="1200">
+                <a:solidFill>
+                  <a:schemeClr val="lt1"/>
+                </a:solidFill>
+                <a:latin typeface="+mn-lt"/>
+                <a:ea typeface="+mn-ea"/>
+                <a:cs typeface="+mn-cs"/>
+              </a:defRPr>
+            </a:lvl9pPr>
+          </a:lstStyle>
+          <a:p>
+            <a:pPr algn="ctr"/>
+            <a:r>
+              <a:rPr lang="en-US" sz="5400" dirty="0" err="1">
+                <a:solidFill>
+                  <a:schemeClr val="accent4"/>
+                </a:solidFill>
+              </a:rPr>
+              <a:t>Bm</a:t>
+            </a:r>
+            <a:endParaRPr lang="en-PH" sz="5400" dirty="0">
+              <a:solidFill>
+                <a:schemeClr val="accent4"/>
+              </a:solidFill>
+            </a:endParaRPr>
+          </a:p>
+        </p:txBody>
+      </p:sp>
     </p:spTree>
     <p:extLst>
       <p:ext uri="{BB962C8B-B14F-4D97-AF65-F5344CB8AC3E}">
@@ -3991,6 +5863,474 @@
           </a:p>
         </p:txBody>
       </p:sp>
+      <p:sp>
+        <p:nvSpPr>
+          <p:cNvPr id="3" name="Rectangle 2">
+            <a:extLst>
+              <a:ext uri="{FF2B5EF4-FFF2-40B4-BE49-F238E27FC236}">
+                <a16:creationId xmlns:a16="http://schemas.microsoft.com/office/drawing/2014/main" id="{66E29693-BF54-4342-BD51-E4BDC7AE6605}"/>
+              </a:ext>
+            </a:extLst>
+          </p:cNvPr>
+          <p:cNvSpPr/>
+          <p:nvPr/>
+        </p:nvSpPr>
+        <p:spPr>
+          <a:xfrm>
+            <a:off x="6542402" y="370583"/>
+            <a:ext cx="1786597" cy="970671"/>
+          </a:xfrm>
+          <a:prstGeom prst="rect">
+            <a:avLst/>
+          </a:prstGeom>
+          <a:noFill/>
+          <a:ln>
+            <a:noFill/>
+          </a:ln>
+        </p:spPr>
+        <p:style>
+          <a:lnRef idx="2">
+            <a:schemeClr val="accent1">
+              <a:shade val="50000"/>
+            </a:schemeClr>
+          </a:lnRef>
+          <a:fillRef idx="1">
+            <a:schemeClr val="accent1"/>
+          </a:fillRef>
+          <a:effectRef idx="0">
+            <a:schemeClr val="accent1"/>
+          </a:effectRef>
+          <a:fontRef idx="minor">
+            <a:schemeClr val="lt1"/>
+          </a:fontRef>
+        </p:style>
+        <p:txBody>
+          <a:bodyPr rtlCol="0" anchor="ctr"/>
+          <a:lstStyle>
+            <a:defPPr>
+              <a:defRPr lang="en-US"/>
+            </a:defPPr>
+            <a:lvl1pPr marL="0" algn="l" defTabSz="914400" rtl="0" eaLnBrk="1" latinLnBrk="0" hangingPunct="1">
+              <a:defRPr sz="1800" kern="1200">
+                <a:solidFill>
+                  <a:schemeClr val="lt1"/>
+                </a:solidFill>
+                <a:latin typeface="+mn-lt"/>
+                <a:ea typeface="+mn-ea"/>
+                <a:cs typeface="+mn-cs"/>
+              </a:defRPr>
+            </a:lvl1pPr>
+            <a:lvl2pPr marL="457200" algn="l" defTabSz="914400" rtl="0" eaLnBrk="1" latinLnBrk="0" hangingPunct="1">
+              <a:defRPr sz="1800" kern="1200">
+                <a:solidFill>
+                  <a:schemeClr val="lt1"/>
+                </a:solidFill>
+                <a:latin typeface="+mn-lt"/>
+                <a:ea typeface="+mn-ea"/>
+                <a:cs typeface="+mn-cs"/>
+              </a:defRPr>
+            </a:lvl2pPr>
+            <a:lvl3pPr marL="914400" algn="l" defTabSz="914400" rtl="0" eaLnBrk="1" latinLnBrk="0" hangingPunct="1">
+              <a:defRPr sz="1800" kern="1200">
+                <a:solidFill>
+                  <a:schemeClr val="lt1"/>
+                </a:solidFill>
+                <a:latin typeface="+mn-lt"/>
+                <a:ea typeface="+mn-ea"/>
+                <a:cs typeface="+mn-cs"/>
+              </a:defRPr>
+            </a:lvl3pPr>
+            <a:lvl4pPr marL="1371600" algn="l" defTabSz="914400" rtl="0" eaLnBrk="1" latinLnBrk="0" hangingPunct="1">
+              <a:defRPr sz="1800" kern="1200">
+                <a:solidFill>
+                  <a:schemeClr val="lt1"/>
+                </a:solidFill>
+                <a:latin typeface="+mn-lt"/>
+                <a:ea typeface="+mn-ea"/>
+                <a:cs typeface="+mn-cs"/>
+              </a:defRPr>
+            </a:lvl4pPr>
+            <a:lvl5pPr marL="1828800" algn="l" defTabSz="914400" rtl="0" eaLnBrk="1" latinLnBrk="0" hangingPunct="1">
+              <a:defRPr sz="1800" kern="1200">
+                <a:solidFill>
+                  <a:schemeClr val="lt1"/>
+                </a:solidFill>
+                <a:latin typeface="+mn-lt"/>
+                <a:ea typeface="+mn-ea"/>
+                <a:cs typeface="+mn-cs"/>
+              </a:defRPr>
+            </a:lvl5pPr>
+            <a:lvl6pPr marL="2286000" algn="l" defTabSz="914400" rtl="0" eaLnBrk="1" latinLnBrk="0" hangingPunct="1">
+              <a:defRPr sz="1800" kern="1200">
+                <a:solidFill>
+                  <a:schemeClr val="lt1"/>
+                </a:solidFill>
+                <a:latin typeface="+mn-lt"/>
+                <a:ea typeface="+mn-ea"/>
+                <a:cs typeface="+mn-cs"/>
+              </a:defRPr>
+            </a:lvl6pPr>
+            <a:lvl7pPr marL="2743200" algn="l" defTabSz="914400" rtl="0" eaLnBrk="1" latinLnBrk="0" hangingPunct="1">
+              <a:defRPr sz="1800" kern="1200">
+                <a:solidFill>
+                  <a:schemeClr val="lt1"/>
+                </a:solidFill>
+                <a:latin typeface="+mn-lt"/>
+                <a:ea typeface="+mn-ea"/>
+                <a:cs typeface="+mn-cs"/>
+              </a:defRPr>
+            </a:lvl7pPr>
+            <a:lvl8pPr marL="3200400" algn="l" defTabSz="914400" rtl="0" eaLnBrk="1" latinLnBrk="0" hangingPunct="1">
+              <a:defRPr sz="1800" kern="1200">
+                <a:solidFill>
+                  <a:schemeClr val="lt1"/>
+                </a:solidFill>
+                <a:latin typeface="+mn-lt"/>
+                <a:ea typeface="+mn-ea"/>
+                <a:cs typeface="+mn-cs"/>
+              </a:defRPr>
+            </a:lvl8pPr>
+            <a:lvl9pPr marL="3657600" algn="l" defTabSz="914400" rtl="0" eaLnBrk="1" latinLnBrk="0" hangingPunct="1">
+              <a:defRPr sz="1800" kern="1200">
+                <a:solidFill>
+                  <a:schemeClr val="lt1"/>
+                </a:solidFill>
+                <a:latin typeface="+mn-lt"/>
+                <a:ea typeface="+mn-ea"/>
+                <a:cs typeface="+mn-cs"/>
+              </a:defRPr>
+            </a:lvl9pPr>
+          </a:lstStyle>
+          <a:p>
+            <a:pPr algn="ctr"/>
+            <a:r>
+              <a:rPr lang="en-US" sz="5400" dirty="0" err="1">
+                <a:solidFill>
+                  <a:schemeClr val="accent4"/>
+                </a:solidFill>
+              </a:rPr>
+              <a:t>Em</a:t>
+            </a:r>
+            <a:endParaRPr lang="en-PH" sz="5400" dirty="0">
+              <a:solidFill>
+                <a:schemeClr val="accent4"/>
+              </a:solidFill>
+            </a:endParaRPr>
+          </a:p>
+        </p:txBody>
+      </p:sp>
+      <p:sp>
+        <p:nvSpPr>
+          <p:cNvPr id="4" name="Rectangle 3">
+            <a:extLst>
+              <a:ext uri="{FF2B5EF4-FFF2-40B4-BE49-F238E27FC236}">
+                <a16:creationId xmlns:a16="http://schemas.microsoft.com/office/drawing/2014/main" id="{83D90D43-FC0C-40C3-B37B-90D96DD247A7}"/>
+              </a:ext>
+            </a:extLst>
+          </p:cNvPr>
+          <p:cNvSpPr/>
+          <p:nvPr/>
+        </p:nvSpPr>
+        <p:spPr>
+          <a:xfrm>
+            <a:off x="7371739" y="2326978"/>
+            <a:ext cx="1786597" cy="970671"/>
+          </a:xfrm>
+          <a:prstGeom prst="rect">
+            <a:avLst/>
+          </a:prstGeom>
+          <a:noFill/>
+          <a:ln>
+            <a:noFill/>
+          </a:ln>
+        </p:spPr>
+        <p:style>
+          <a:lnRef idx="2">
+            <a:schemeClr val="accent1">
+              <a:shade val="50000"/>
+            </a:schemeClr>
+          </a:lnRef>
+          <a:fillRef idx="1">
+            <a:schemeClr val="accent1"/>
+          </a:fillRef>
+          <a:effectRef idx="0">
+            <a:schemeClr val="accent1"/>
+          </a:effectRef>
+          <a:fontRef idx="minor">
+            <a:schemeClr val="lt1"/>
+          </a:fontRef>
+        </p:style>
+        <p:txBody>
+          <a:bodyPr rtlCol="0" anchor="ctr"/>
+          <a:lstStyle>
+            <a:defPPr>
+              <a:defRPr lang="en-US"/>
+            </a:defPPr>
+            <a:lvl1pPr marL="0" algn="l" defTabSz="914400" rtl="0" eaLnBrk="1" latinLnBrk="0" hangingPunct="1">
+              <a:defRPr sz="1800" kern="1200">
+                <a:solidFill>
+                  <a:schemeClr val="lt1"/>
+                </a:solidFill>
+                <a:latin typeface="+mn-lt"/>
+                <a:ea typeface="+mn-ea"/>
+                <a:cs typeface="+mn-cs"/>
+              </a:defRPr>
+            </a:lvl1pPr>
+            <a:lvl2pPr marL="457200" algn="l" defTabSz="914400" rtl="0" eaLnBrk="1" latinLnBrk="0" hangingPunct="1">
+              <a:defRPr sz="1800" kern="1200">
+                <a:solidFill>
+                  <a:schemeClr val="lt1"/>
+                </a:solidFill>
+                <a:latin typeface="+mn-lt"/>
+                <a:ea typeface="+mn-ea"/>
+                <a:cs typeface="+mn-cs"/>
+              </a:defRPr>
+            </a:lvl2pPr>
+            <a:lvl3pPr marL="914400" algn="l" defTabSz="914400" rtl="0" eaLnBrk="1" latinLnBrk="0" hangingPunct="1">
+              <a:defRPr sz="1800" kern="1200">
+                <a:solidFill>
+                  <a:schemeClr val="lt1"/>
+                </a:solidFill>
+                <a:latin typeface="+mn-lt"/>
+                <a:ea typeface="+mn-ea"/>
+                <a:cs typeface="+mn-cs"/>
+              </a:defRPr>
+            </a:lvl3pPr>
+            <a:lvl4pPr marL="1371600" algn="l" defTabSz="914400" rtl="0" eaLnBrk="1" latinLnBrk="0" hangingPunct="1">
+              <a:defRPr sz="1800" kern="1200">
+                <a:solidFill>
+                  <a:schemeClr val="lt1"/>
+                </a:solidFill>
+                <a:latin typeface="+mn-lt"/>
+                <a:ea typeface="+mn-ea"/>
+                <a:cs typeface="+mn-cs"/>
+              </a:defRPr>
+            </a:lvl4pPr>
+            <a:lvl5pPr marL="1828800" algn="l" defTabSz="914400" rtl="0" eaLnBrk="1" latinLnBrk="0" hangingPunct="1">
+              <a:defRPr sz="1800" kern="1200">
+                <a:solidFill>
+                  <a:schemeClr val="lt1"/>
+                </a:solidFill>
+                <a:latin typeface="+mn-lt"/>
+                <a:ea typeface="+mn-ea"/>
+                <a:cs typeface="+mn-cs"/>
+              </a:defRPr>
+            </a:lvl5pPr>
+            <a:lvl6pPr marL="2286000" algn="l" defTabSz="914400" rtl="0" eaLnBrk="1" latinLnBrk="0" hangingPunct="1">
+              <a:defRPr sz="1800" kern="1200">
+                <a:solidFill>
+                  <a:schemeClr val="lt1"/>
+                </a:solidFill>
+                <a:latin typeface="+mn-lt"/>
+                <a:ea typeface="+mn-ea"/>
+                <a:cs typeface="+mn-cs"/>
+              </a:defRPr>
+            </a:lvl6pPr>
+            <a:lvl7pPr marL="2743200" algn="l" defTabSz="914400" rtl="0" eaLnBrk="1" latinLnBrk="0" hangingPunct="1">
+              <a:defRPr sz="1800" kern="1200">
+                <a:solidFill>
+                  <a:schemeClr val="lt1"/>
+                </a:solidFill>
+                <a:latin typeface="+mn-lt"/>
+                <a:ea typeface="+mn-ea"/>
+                <a:cs typeface="+mn-cs"/>
+              </a:defRPr>
+            </a:lvl7pPr>
+            <a:lvl8pPr marL="3200400" algn="l" defTabSz="914400" rtl="0" eaLnBrk="1" latinLnBrk="0" hangingPunct="1">
+              <a:defRPr sz="1800" kern="1200">
+                <a:solidFill>
+                  <a:schemeClr val="lt1"/>
+                </a:solidFill>
+                <a:latin typeface="+mn-lt"/>
+                <a:ea typeface="+mn-ea"/>
+                <a:cs typeface="+mn-cs"/>
+              </a:defRPr>
+            </a:lvl8pPr>
+            <a:lvl9pPr marL="3657600" algn="l" defTabSz="914400" rtl="0" eaLnBrk="1" latinLnBrk="0" hangingPunct="1">
+              <a:defRPr sz="1800" kern="1200">
+                <a:solidFill>
+                  <a:schemeClr val="lt1"/>
+                </a:solidFill>
+                <a:latin typeface="+mn-lt"/>
+                <a:ea typeface="+mn-ea"/>
+                <a:cs typeface="+mn-cs"/>
+              </a:defRPr>
+            </a:lvl9pPr>
+          </a:lstStyle>
+          <a:p>
+            <a:pPr algn="ctr"/>
+            <a:r>
+              <a:rPr lang="en-US" sz="5400" dirty="0">
+                <a:solidFill>
+                  <a:schemeClr val="accent4"/>
+                </a:solidFill>
+              </a:rPr>
+              <a:t>A</a:t>
+            </a:r>
+            <a:endParaRPr lang="en-PH" sz="5400" dirty="0">
+              <a:solidFill>
+                <a:schemeClr val="accent4"/>
+              </a:solidFill>
+            </a:endParaRPr>
+          </a:p>
+        </p:txBody>
+      </p:sp>
+      <p:sp>
+        <p:nvSpPr>
+          <p:cNvPr id="5" name="Rectangle 4">
+            <a:extLst>
+              <a:ext uri="{FF2B5EF4-FFF2-40B4-BE49-F238E27FC236}">
+                <a16:creationId xmlns:a16="http://schemas.microsoft.com/office/drawing/2014/main" id="{312DD285-1326-4E0C-AA55-0AD6227DB50C}"/>
+              </a:ext>
+            </a:extLst>
+          </p:cNvPr>
+          <p:cNvSpPr/>
+          <p:nvPr/>
+        </p:nvSpPr>
+        <p:spPr>
+          <a:xfrm>
+            <a:off x="5883193" y="3687943"/>
+            <a:ext cx="1786597" cy="970671"/>
+          </a:xfrm>
+          <a:prstGeom prst="rect">
+            <a:avLst/>
+          </a:prstGeom>
+          <a:noFill/>
+          <a:ln>
+            <a:noFill/>
+          </a:ln>
+        </p:spPr>
+        <p:style>
+          <a:lnRef idx="2">
+            <a:schemeClr val="accent1">
+              <a:shade val="50000"/>
+            </a:schemeClr>
+          </a:lnRef>
+          <a:fillRef idx="1">
+            <a:schemeClr val="accent1"/>
+          </a:fillRef>
+          <a:effectRef idx="0">
+            <a:schemeClr val="accent1"/>
+          </a:effectRef>
+          <a:fontRef idx="minor">
+            <a:schemeClr val="lt1"/>
+          </a:fontRef>
+        </p:style>
+        <p:txBody>
+          <a:bodyPr rtlCol="0" anchor="ctr"/>
+          <a:lstStyle>
+            <a:defPPr>
+              <a:defRPr lang="en-US"/>
+            </a:defPPr>
+            <a:lvl1pPr marL="0" algn="l" defTabSz="914400" rtl="0" eaLnBrk="1" latinLnBrk="0" hangingPunct="1">
+              <a:defRPr sz="1800" kern="1200">
+                <a:solidFill>
+                  <a:schemeClr val="lt1"/>
+                </a:solidFill>
+                <a:latin typeface="+mn-lt"/>
+                <a:ea typeface="+mn-ea"/>
+                <a:cs typeface="+mn-cs"/>
+              </a:defRPr>
+            </a:lvl1pPr>
+            <a:lvl2pPr marL="457200" algn="l" defTabSz="914400" rtl="0" eaLnBrk="1" latinLnBrk="0" hangingPunct="1">
+              <a:defRPr sz="1800" kern="1200">
+                <a:solidFill>
+                  <a:schemeClr val="lt1"/>
+                </a:solidFill>
+                <a:latin typeface="+mn-lt"/>
+                <a:ea typeface="+mn-ea"/>
+                <a:cs typeface="+mn-cs"/>
+              </a:defRPr>
+            </a:lvl2pPr>
+            <a:lvl3pPr marL="914400" algn="l" defTabSz="914400" rtl="0" eaLnBrk="1" latinLnBrk="0" hangingPunct="1">
+              <a:defRPr sz="1800" kern="1200">
+                <a:solidFill>
+                  <a:schemeClr val="lt1"/>
+                </a:solidFill>
+                <a:latin typeface="+mn-lt"/>
+                <a:ea typeface="+mn-ea"/>
+                <a:cs typeface="+mn-cs"/>
+              </a:defRPr>
+            </a:lvl3pPr>
+            <a:lvl4pPr marL="1371600" algn="l" defTabSz="914400" rtl="0" eaLnBrk="1" latinLnBrk="0" hangingPunct="1">
+              <a:defRPr sz="1800" kern="1200">
+                <a:solidFill>
+                  <a:schemeClr val="lt1"/>
+                </a:solidFill>
+                <a:latin typeface="+mn-lt"/>
+                <a:ea typeface="+mn-ea"/>
+                <a:cs typeface="+mn-cs"/>
+              </a:defRPr>
+            </a:lvl4pPr>
+            <a:lvl5pPr marL="1828800" algn="l" defTabSz="914400" rtl="0" eaLnBrk="1" latinLnBrk="0" hangingPunct="1">
+              <a:defRPr sz="1800" kern="1200">
+                <a:solidFill>
+                  <a:schemeClr val="lt1"/>
+                </a:solidFill>
+                <a:latin typeface="+mn-lt"/>
+                <a:ea typeface="+mn-ea"/>
+                <a:cs typeface="+mn-cs"/>
+              </a:defRPr>
+            </a:lvl5pPr>
+            <a:lvl6pPr marL="2286000" algn="l" defTabSz="914400" rtl="0" eaLnBrk="1" latinLnBrk="0" hangingPunct="1">
+              <a:defRPr sz="1800" kern="1200">
+                <a:solidFill>
+                  <a:schemeClr val="lt1"/>
+                </a:solidFill>
+                <a:latin typeface="+mn-lt"/>
+                <a:ea typeface="+mn-ea"/>
+                <a:cs typeface="+mn-cs"/>
+              </a:defRPr>
+            </a:lvl6pPr>
+            <a:lvl7pPr marL="2743200" algn="l" defTabSz="914400" rtl="0" eaLnBrk="1" latinLnBrk="0" hangingPunct="1">
+              <a:defRPr sz="1800" kern="1200">
+                <a:solidFill>
+                  <a:schemeClr val="lt1"/>
+                </a:solidFill>
+                <a:latin typeface="+mn-lt"/>
+                <a:ea typeface="+mn-ea"/>
+                <a:cs typeface="+mn-cs"/>
+              </a:defRPr>
+            </a:lvl7pPr>
+            <a:lvl8pPr marL="3200400" algn="l" defTabSz="914400" rtl="0" eaLnBrk="1" latinLnBrk="0" hangingPunct="1">
+              <a:defRPr sz="1800" kern="1200">
+                <a:solidFill>
+                  <a:schemeClr val="lt1"/>
+                </a:solidFill>
+                <a:latin typeface="+mn-lt"/>
+                <a:ea typeface="+mn-ea"/>
+                <a:cs typeface="+mn-cs"/>
+              </a:defRPr>
+            </a:lvl8pPr>
+            <a:lvl9pPr marL="3657600" algn="l" defTabSz="914400" rtl="0" eaLnBrk="1" latinLnBrk="0" hangingPunct="1">
+              <a:defRPr sz="1800" kern="1200">
+                <a:solidFill>
+                  <a:schemeClr val="lt1"/>
+                </a:solidFill>
+                <a:latin typeface="+mn-lt"/>
+                <a:ea typeface="+mn-ea"/>
+                <a:cs typeface="+mn-cs"/>
+              </a:defRPr>
+            </a:lvl9pPr>
+          </a:lstStyle>
+          <a:p>
+            <a:pPr algn="ctr"/>
+            <a:r>
+              <a:rPr lang="en-US" sz="5400" dirty="0">
+                <a:solidFill>
+                  <a:schemeClr val="accent4"/>
+                </a:solidFill>
+              </a:rPr>
+              <a:t>D</a:t>
+            </a:r>
+            <a:endParaRPr lang="en-PH" sz="5400" dirty="0">
+              <a:solidFill>
+                <a:schemeClr val="accent4"/>
+              </a:solidFill>
+            </a:endParaRPr>
+          </a:p>
+        </p:txBody>
+      </p:sp>
     </p:spTree>
     <p:extLst>
       <p:ext uri="{BB962C8B-B14F-4D97-AF65-F5344CB8AC3E}">
@@ -4043,9 +6383,13 @@
           </a:bodyPr>
           <a:lstStyle/>
           <a:p>
-            <a:pPr algn="ctr"/>
-            <a:r>
-              <a:rPr lang="en-US" sz="8800" dirty="0">
+            <a:pPr algn="ctr">
+              <a:lnSpc>
+                <a:spcPct val="150000"/>
+              </a:lnSpc>
+            </a:pPr>
+            <a:r>
+              <a:rPr lang="en-US" sz="8000" dirty="0">
                 <a:solidFill>
                   <a:schemeClr val="bg1"/>
                 </a:solidFill>
@@ -4055,7 +6399,7 @@
               <a:t>In Your time, in Your time,</a:t>
             </a:r>
             <a:br>
-              <a:rPr lang="en-US" sz="8800" dirty="0">
+              <a:rPr lang="en-US" sz="8000" dirty="0">
                 <a:solidFill>
                   <a:schemeClr val="bg1"/>
                 </a:solidFill>
@@ -4064,7 +6408,7 @@
               </a:rPr>
             </a:br>
             <a:r>
-              <a:rPr lang="en-US" sz="8800" dirty="0">
+              <a:rPr lang="en-US" sz="8000" dirty="0">
                 <a:solidFill>
                   <a:schemeClr val="bg1"/>
                 </a:solidFill>
@@ -4074,7 +6418,7 @@
               <a:t>You make all things beautiful in Your time.</a:t>
             </a:r>
             <a:br>
-              <a:rPr lang="en-US" sz="8800" dirty="0">
+              <a:rPr lang="en-US" sz="8000" dirty="0">
                 <a:solidFill>
                   <a:schemeClr val="bg1"/>
                 </a:solidFill>
@@ -4083,7 +6427,7 @@
               </a:rPr>
             </a:br>
             <a:r>
-              <a:rPr lang="en-US" sz="8800" dirty="0">
+              <a:rPr lang="en-US" sz="8000" dirty="0">
                 <a:solidFill>
                   <a:schemeClr val="bg1"/>
                 </a:solidFill>
@@ -4092,6 +6436,1566 @@
               </a:rPr>
               <a:t>Lord, my life to You I bring,</a:t>
             </a:r>
+          </a:p>
+        </p:txBody>
+      </p:sp>
+      <p:sp>
+        <p:nvSpPr>
+          <p:cNvPr id="3" name="Rectangle 2">
+            <a:extLst>
+              <a:ext uri="{FF2B5EF4-FFF2-40B4-BE49-F238E27FC236}">
+                <a16:creationId xmlns:a16="http://schemas.microsoft.com/office/drawing/2014/main" id="{492E6963-E578-4091-A707-0AEB997B527B}"/>
+              </a:ext>
+            </a:extLst>
+          </p:cNvPr>
+          <p:cNvSpPr/>
+          <p:nvPr/>
+        </p:nvSpPr>
+        <p:spPr>
+          <a:xfrm>
+            <a:off x="-28507" y="-224837"/>
+            <a:ext cx="1786597" cy="970671"/>
+          </a:xfrm>
+          <a:prstGeom prst="rect">
+            <a:avLst/>
+          </a:prstGeom>
+          <a:noFill/>
+          <a:ln>
+            <a:noFill/>
+          </a:ln>
+        </p:spPr>
+        <p:style>
+          <a:lnRef idx="2">
+            <a:schemeClr val="accent1">
+              <a:shade val="50000"/>
+            </a:schemeClr>
+          </a:lnRef>
+          <a:fillRef idx="1">
+            <a:schemeClr val="accent1"/>
+          </a:fillRef>
+          <a:effectRef idx="0">
+            <a:schemeClr val="accent1"/>
+          </a:effectRef>
+          <a:fontRef idx="minor">
+            <a:schemeClr val="lt1"/>
+          </a:fontRef>
+        </p:style>
+        <p:txBody>
+          <a:bodyPr rtlCol="0" anchor="ctr"/>
+          <a:lstStyle>
+            <a:defPPr>
+              <a:defRPr lang="en-US"/>
+            </a:defPPr>
+            <a:lvl1pPr marL="0" algn="l" defTabSz="914400" rtl="0" eaLnBrk="1" latinLnBrk="0" hangingPunct="1">
+              <a:defRPr sz="1800" kern="1200">
+                <a:solidFill>
+                  <a:schemeClr val="lt1"/>
+                </a:solidFill>
+                <a:latin typeface="+mn-lt"/>
+                <a:ea typeface="+mn-ea"/>
+                <a:cs typeface="+mn-cs"/>
+              </a:defRPr>
+            </a:lvl1pPr>
+            <a:lvl2pPr marL="457200" algn="l" defTabSz="914400" rtl="0" eaLnBrk="1" latinLnBrk="0" hangingPunct="1">
+              <a:defRPr sz="1800" kern="1200">
+                <a:solidFill>
+                  <a:schemeClr val="lt1"/>
+                </a:solidFill>
+                <a:latin typeface="+mn-lt"/>
+                <a:ea typeface="+mn-ea"/>
+                <a:cs typeface="+mn-cs"/>
+              </a:defRPr>
+            </a:lvl2pPr>
+            <a:lvl3pPr marL="914400" algn="l" defTabSz="914400" rtl="0" eaLnBrk="1" latinLnBrk="0" hangingPunct="1">
+              <a:defRPr sz="1800" kern="1200">
+                <a:solidFill>
+                  <a:schemeClr val="lt1"/>
+                </a:solidFill>
+                <a:latin typeface="+mn-lt"/>
+                <a:ea typeface="+mn-ea"/>
+                <a:cs typeface="+mn-cs"/>
+              </a:defRPr>
+            </a:lvl3pPr>
+            <a:lvl4pPr marL="1371600" algn="l" defTabSz="914400" rtl="0" eaLnBrk="1" latinLnBrk="0" hangingPunct="1">
+              <a:defRPr sz="1800" kern="1200">
+                <a:solidFill>
+                  <a:schemeClr val="lt1"/>
+                </a:solidFill>
+                <a:latin typeface="+mn-lt"/>
+                <a:ea typeface="+mn-ea"/>
+                <a:cs typeface="+mn-cs"/>
+              </a:defRPr>
+            </a:lvl4pPr>
+            <a:lvl5pPr marL="1828800" algn="l" defTabSz="914400" rtl="0" eaLnBrk="1" latinLnBrk="0" hangingPunct="1">
+              <a:defRPr sz="1800" kern="1200">
+                <a:solidFill>
+                  <a:schemeClr val="lt1"/>
+                </a:solidFill>
+                <a:latin typeface="+mn-lt"/>
+                <a:ea typeface="+mn-ea"/>
+                <a:cs typeface="+mn-cs"/>
+              </a:defRPr>
+            </a:lvl5pPr>
+            <a:lvl6pPr marL="2286000" algn="l" defTabSz="914400" rtl="0" eaLnBrk="1" latinLnBrk="0" hangingPunct="1">
+              <a:defRPr sz="1800" kern="1200">
+                <a:solidFill>
+                  <a:schemeClr val="lt1"/>
+                </a:solidFill>
+                <a:latin typeface="+mn-lt"/>
+                <a:ea typeface="+mn-ea"/>
+                <a:cs typeface="+mn-cs"/>
+              </a:defRPr>
+            </a:lvl6pPr>
+            <a:lvl7pPr marL="2743200" algn="l" defTabSz="914400" rtl="0" eaLnBrk="1" latinLnBrk="0" hangingPunct="1">
+              <a:defRPr sz="1800" kern="1200">
+                <a:solidFill>
+                  <a:schemeClr val="lt1"/>
+                </a:solidFill>
+                <a:latin typeface="+mn-lt"/>
+                <a:ea typeface="+mn-ea"/>
+                <a:cs typeface="+mn-cs"/>
+              </a:defRPr>
+            </a:lvl7pPr>
+            <a:lvl8pPr marL="3200400" algn="l" defTabSz="914400" rtl="0" eaLnBrk="1" latinLnBrk="0" hangingPunct="1">
+              <a:defRPr sz="1800" kern="1200">
+                <a:solidFill>
+                  <a:schemeClr val="lt1"/>
+                </a:solidFill>
+                <a:latin typeface="+mn-lt"/>
+                <a:ea typeface="+mn-ea"/>
+                <a:cs typeface="+mn-cs"/>
+              </a:defRPr>
+            </a:lvl8pPr>
+            <a:lvl9pPr marL="3657600" algn="l" defTabSz="914400" rtl="0" eaLnBrk="1" latinLnBrk="0" hangingPunct="1">
+              <a:defRPr sz="1800" kern="1200">
+                <a:solidFill>
+                  <a:schemeClr val="lt1"/>
+                </a:solidFill>
+                <a:latin typeface="+mn-lt"/>
+                <a:ea typeface="+mn-ea"/>
+                <a:cs typeface="+mn-cs"/>
+              </a:defRPr>
+            </a:lvl9pPr>
+          </a:lstStyle>
+          <a:p>
+            <a:pPr algn="ctr"/>
+            <a:r>
+              <a:rPr lang="en-US" sz="5400" dirty="0">
+                <a:solidFill>
+                  <a:schemeClr val="accent4"/>
+                </a:solidFill>
+              </a:rPr>
+              <a:t>D</a:t>
+            </a:r>
+            <a:endParaRPr lang="en-PH" sz="5400" dirty="0">
+              <a:solidFill>
+                <a:schemeClr val="accent4"/>
+              </a:solidFill>
+            </a:endParaRPr>
+          </a:p>
+        </p:txBody>
+      </p:sp>
+      <p:sp>
+        <p:nvSpPr>
+          <p:cNvPr id="4" name="Rectangle 3">
+            <a:extLst>
+              <a:ext uri="{FF2B5EF4-FFF2-40B4-BE49-F238E27FC236}">
+                <a16:creationId xmlns:a16="http://schemas.microsoft.com/office/drawing/2014/main" id="{66E0E45E-EE0F-4F0D-957B-1165D24CB9B0}"/>
+              </a:ext>
+            </a:extLst>
+          </p:cNvPr>
+          <p:cNvSpPr/>
+          <p:nvPr/>
+        </p:nvSpPr>
+        <p:spPr>
+          <a:xfrm>
+            <a:off x="3632634" y="-221292"/>
+            <a:ext cx="1786597" cy="970671"/>
+          </a:xfrm>
+          <a:prstGeom prst="rect">
+            <a:avLst/>
+          </a:prstGeom>
+          <a:noFill/>
+          <a:ln>
+            <a:noFill/>
+          </a:ln>
+        </p:spPr>
+        <p:style>
+          <a:lnRef idx="2">
+            <a:schemeClr val="accent1">
+              <a:shade val="50000"/>
+            </a:schemeClr>
+          </a:lnRef>
+          <a:fillRef idx="1">
+            <a:schemeClr val="accent1"/>
+          </a:fillRef>
+          <a:effectRef idx="0">
+            <a:schemeClr val="accent1"/>
+          </a:effectRef>
+          <a:fontRef idx="minor">
+            <a:schemeClr val="lt1"/>
+          </a:fontRef>
+        </p:style>
+        <p:txBody>
+          <a:bodyPr rtlCol="0" anchor="ctr"/>
+          <a:lstStyle>
+            <a:defPPr>
+              <a:defRPr lang="en-US"/>
+            </a:defPPr>
+            <a:lvl1pPr marL="0" algn="l" defTabSz="914400" rtl="0" eaLnBrk="1" latinLnBrk="0" hangingPunct="1">
+              <a:defRPr sz="1800" kern="1200">
+                <a:solidFill>
+                  <a:schemeClr val="lt1"/>
+                </a:solidFill>
+                <a:latin typeface="+mn-lt"/>
+                <a:ea typeface="+mn-ea"/>
+                <a:cs typeface="+mn-cs"/>
+              </a:defRPr>
+            </a:lvl1pPr>
+            <a:lvl2pPr marL="457200" algn="l" defTabSz="914400" rtl="0" eaLnBrk="1" latinLnBrk="0" hangingPunct="1">
+              <a:defRPr sz="1800" kern="1200">
+                <a:solidFill>
+                  <a:schemeClr val="lt1"/>
+                </a:solidFill>
+                <a:latin typeface="+mn-lt"/>
+                <a:ea typeface="+mn-ea"/>
+                <a:cs typeface="+mn-cs"/>
+              </a:defRPr>
+            </a:lvl2pPr>
+            <a:lvl3pPr marL="914400" algn="l" defTabSz="914400" rtl="0" eaLnBrk="1" latinLnBrk="0" hangingPunct="1">
+              <a:defRPr sz="1800" kern="1200">
+                <a:solidFill>
+                  <a:schemeClr val="lt1"/>
+                </a:solidFill>
+                <a:latin typeface="+mn-lt"/>
+                <a:ea typeface="+mn-ea"/>
+                <a:cs typeface="+mn-cs"/>
+              </a:defRPr>
+            </a:lvl3pPr>
+            <a:lvl4pPr marL="1371600" algn="l" defTabSz="914400" rtl="0" eaLnBrk="1" latinLnBrk="0" hangingPunct="1">
+              <a:defRPr sz="1800" kern="1200">
+                <a:solidFill>
+                  <a:schemeClr val="lt1"/>
+                </a:solidFill>
+                <a:latin typeface="+mn-lt"/>
+                <a:ea typeface="+mn-ea"/>
+                <a:cs typeface="+mn-cs"/>
+              </a:defRPr>
+            </a:lvl4pPr>
+            <a:lvl5pPr marL="1828800" algn="l" defTabSz="914400" rtl="0" eaLnBrk="1" latinLnBrk="0" hangingPunct="1">
+              <a:defRPr sz="1800" kern="1200">
+                <a:solidFill>
+                  <a:schemeClr val="lt1"/>
+                </a:solidFill>
+                <a:latin typeface="+mn-lt"/>
+                <a:ea typeface="+mn-ea"/>
+                <a:cs typeface="+mn-cs"/>
+              </a:defRPr>
+            </a:lvl5pPr>
+            <a:lvl6pPr marL="2286000" algn="l" defTabSz="914400" rtl="0" eaLnBrk="1" latinLnBrk="0" hangingPunct="1">
+              <a:defRPr sz="1800" kern="1200">
+                <a:solidFill>
+                  <a:schemeClr val="lt1"/>
+                </a:solidFill>
+                <a:latin typeface="+mn-lt"/>
+                <a:ea typeface="+mn-ea"/>
+                <a:cs typeface="+mn-cs"/>
+              </a:defRPr>
+            </a:lvl6pPr>
+            <a:lvl7pPr marL="2743200" algn="l" defTabSz="914400" rtl="0" eaLnBrk="1" latinLnBrk="0" hangingPunct="1">
+              <a:defRPr sz="1800" kern="1200">
+                <a:solidFill>
+                  <a:schemeClr val="lt1"/>
+                </a:solidFill>
+                <a:latin typeface="+mn-lt"/>
+                <a:ea typeface="+mn-ea"/>
+                <a:cs typeface="+mn-cs"/>
+              </a:defRPr>
+            </a:lvl7pPr>
+            <a:lvl8pPr marL="3200400" algn="l" defTabSz="914400" rtl="0" eaLnBrk="1" latinLnBrk="0" hangingPunct="1">
+              <a:defRPr sz="1800" kern="1200">
+                <a:solidFill>
+                  <a:schemeClr val="lt1"/>
+                </a:solidFill>
+                <a:latin typeface="+mn-lt"/>
+                <a:ea typeface="+mn-ea"/>
+                <a:cs typeface="+mn-cs"/>
+              </a:defRPr>
+            </a:lvl8pPr>
+            <a:lvl9pPr marL="3657600" algn="l" defTabSz="914400" rtl="0" eaLnBrk="1" latinLnBrk="0" hangingPunct="1">
+              <a:defRPr sz="1800" kern="1200">
+                <a:solidFill>
+                  <a:schemeClr val="lt1"/>
+                </a:solidFill>
+                <a:latin typeface="+mn-lt"/>
+                <a:ea typeface="+mn-ea"/>
+                <a:cs typeface="+mn-cs"/>
+              </a:defRPr>
+            </a:lvl9pPr>
+          </a:lstStyle>
+          <a:p>
+            <a:pPr algn="ctr"/>
+            <a:r>
+              <a:rPr lang="en-US" sz="5400" dirty="0" err="1">
+                <a:solidFill>
+                  <a:schemeClr val="accent4"/>
+                </a:solidFill>
+              </a:rPr>
+              <a:t>Em</a:t>
+            </a:r>
+            <a:endParaRPr lang="en-PH" sz="5400" dirty="0">
+              <a:solidFill>
+                <a:schemeClr val="accent4"/>
+              </a:solidFill>
+            </a:endParaRPr>
+          </a:p>
+        </p:txBody>
+      </p:sp>
+      <p:sp>
+        <p:nvSpPr>
+          <p:cNvPr id="5" name="Rectangle 4">
+            <a:extLst>
+              <a:ext uri="{FF2B5EF4-FFF2-40B4-BE49-F238E27FC236}">
+                <a16:creationId xmlns:a16="http://schemas.microsoft.com/office/drawing/2014/main" id="{C0A67F10-FFC1-4498-83A6-5ACE006DA85B}"/>
+              </a:ext>
+            </a:extLst>
+          </p:cNvPr>
+          <p:cNvSpPr/>
+          <p:nvPr/>
+        </p:nvSpPr>
+        <p:spPr>
+          <a:xfrm>
+            <a:off x="5567762" y="-200027"/>
+            <a:ext cx="1786597" cy="970671"/>
+          </a:xfrm>
+          <a:prstGeom prst="rect">
+            <a:avLst/>
+          </a:prstGeom>
+          <a:noFill/>
+          <a:ln>
+            <a:noFill/>
+          </a:ln>
+        </p:spPr>
+        <p:style>
+          <a:lnRef idx="2">
+            <a:schemeClr val="accent1">
+              <a:shade val="50000"/>
+            </a:schemeClr>
+          </a:lnRef>
+          <a:fillRef idx="1">
+            <a:schemeClr val="accent1"/>
+          </a:fillRef>
+          <a:effectRef idx="0">
+            <a:schemeClr val="accent1"/>
+          </a:effectRef>
+          <a:fontRef idx="minor">
+            <a:schemeClr val="lt1"/>
+          </a:fontRef>
+        </p:style>
+        <p:txBody>
+          <a:bodyPr rtlCol="0" anchor="ctr"/>
+          <a:lstStyle>
+            <a:defPPr>
+              <a:defRPr lang="en-US"/>
+            </a:defPPr>
+            <a:lvl1pPr marL="0" algn="l" defTabSz="914400" rtl="0" eaLnBrk="1" latinLnBrk="0" hangingPunct="1">
+              <a:defRPr sz="1800" kern="1200">
+                <a:solidFill>
+                  <a:schemeClr val="lt1"/>
+                </a:solidFill>
+                <a:latin typeface="+mn-lt"/>
+                <a:ea typeface="+mn-ea"/>
+                <a:cs typeface="+mn-cs"/>
+              </a:defRPr>
+            </a:lvl1pPr>
+            <a:lvl2pPr marL="457200" algn="l" defTabSz="914400" rtl="0" eaLnBrk="1" latinLnBrk="0" hangingPunct="1">
+              <a:defRPr sz="1800" kern="1200">
+                <a:solidFill>
+                  <a:schemeClr val="lt1"/>
+                </a:solidFill>
+                <a:latin typeface="+mn-lt"/>
+                <a:ea typeface="+mn-ea"/>
+                <a:cs typeface="+mn-cs"/>
+              </a:defRPr>
+            </a:lvl2pPr>
+            <a:lvl3pPr marL="914400" algn="l" defTabSz="914400" rtl="0" eaLnBrk="1" latinLnBrk="0" hangingPunct="1">
+              <a:defRPr sz="1800" kern="1200">
+                <a:solidFill>
+                  <a:schemeClr val="lt1"/>
+                </a:solidFill>
+                <a:latin typeface="+mn-lt"/>
+                <a:ea typeface="+mn-ea"/>
+                <a:cs typeface="+mn-cs"/>
+              </a:defRPr>
+            </a:lvl3pPr>
+            <a:lvl4pPr marL="1371600" algn="l" defTabSz="914400" rtl="0" eaLnBrk="1" latinLnBrk="0" hangingPunct="1">
+              <a:defRPr sz="1800" kern="1200">
+                <a:solidFill>
+                  <a:schemeClr val="lt1"/>
+                </a:solidFill>
+                <a:latin typeface="+mn-lt"/>
+                <a:ea typeface="+mn-ea"/>
+                <a:cs typeface="+mn-cs"/>
+              </a:defRPr>
+            </a:lvl4pPr>
+            <a:lvl5pPr marL="1828800" algn="l" defTabSz="914400" rtl="0" eaLnBrk="1" latinLnBrk="0" hangingPunct="1">
+              <a:defRPr sz="1800" kern="1200">
+                <a:solidFill>
+                  <a:schemeClr val="lt1"/>
+                </a:solidFill>
+                <a:latin typeface="+mn-lt"/>
+                <a:ea typeface="+mn-ea"/>
+                <a:cs typeface="+mn-cs"/>
+              </a:defRPr>
+            </a:lvl5pPr>
+            <a:lvl6pPr marL="2286000" algn="l" defTabSz="914400" rtl="0" eaLnBrk="1" latinLnBrk="0" hangingPunct="1">
+              <a:defRPr sz="1800" kern="1200">
+                <a:solidFill>
+                  <a:schemeClr val="lt1"/>
+                </a:solidFill>
+                <a:latin typeface="+mn-lt"/>
+                <a:ea typeface="+mn-ea"/>
+                <a:cs typeface="+mn-cs"/>
+              </a:defRPr>
+            </a:lvl6pPr>
+            <a:lvl7pPr marL="2743200" algn="l" defTabSz="914400" rtl="0" eaLnBrk="1" latinLnBrk="0" hangingPunct="1">
+              <a:defRPr sz="1800" kern="1200">
+                <a:solidFill>
+                  <a:schemeClr val="lt1"/>
+                </a:solidFill>
+                <a:latin typeface="+mn-lt"/>
+                <a:ea typeface="+mn-ea"/>
+                <a:cs typeface="+mn-cs"/>
+              </a:defRPr>
+            </a:lvl7pPr>
+            <a:lvl8pPr marL="3200400" algn="l" defTabSz="914400" rtl="0" eaLnBrk="1" latinLnBrk="0" hangingPunct="1">
+              <a:defRPr sz="1800" kern="1200">
+                <a:solidFill>
+                  <a:schemeClr val="lt1"/>
+                </a:solidFill>
+                <a:latin typeface="+mn-lt"/>
+                <a:ea typeface="+mn-ea"/>
+                <a:cs typeface="+mn-cs"/>
+              </a:defRPr>
+            </a:lvl8pPr>
+            <a:lvl9pPr marL="3657600" algn="l" defTabSz="914400" rtl="0" eaLnBrk="1" latinLnBrk="0" hangingPunct="1">
+              <a:defRPr sz="1800" kern="1200">
+                <a:solidFill>
+                  <a:schemeClr val="lt1"/>
+                </a:solidFill>
+                <a:latin typeface="+mn-lt"/>
+                <a:ea typeface="+mn-ea"/>
+                <a:cs typeface="+mn-cs"/>
+              </a:defRPr>
+            </a:lvl9pPr>
+          </a:lstStyle>
+          <a:p>
+            <a:pPr algn="ctr"/>
+            <a:r>
+              <a:rPr lang="en-US" sz="5400" dirty="0">
+                <a:solidFill>
+                  <a:schemeClr val="accent4"/>
+                </a:solidFill>
+              </a:rPr>
+              <a:t>A</a:t>
+            </a:r>
+            <a:endParaRPr lang="en-PH" sz="5400" dirty="0">
+              <a:solidFill>
+                <a:schemeClr val="accent4"/>
+              </a:solidFill>
+            </a:endParaRPr>
+          </a:p>
+        </p:txBody>
+      </p:sp>
+      <p:sp>
+        <p:nvSpPr>
+          <p:cNvPr id="7" name="Rectangle 6">
+            <a:extLst>
+              <a:ext uri="{FF2B5EF4-FFF2-40B4-BE49-F238E27FC236}">
+                <a16:creationId xmlns:a16="http://schemas.microsoft.com/office/drawing/2014/main" id="{4B63619C-1112-42B0-A54B-3D291B074D93}"/>
+              </a:ext>
+            </a:extLst>
+          </p:cNvPr>
+          <p:cNvSpPr/>
+          <p:nvPr/>
+        </p:nvSpPr>
+        <p:spPr>
+          <a:xfrm>
+            <a:off x="10270894" y="-175217"/>
+            <a:ext cx="1786597" cy="970671"/>
+          </a:xfrm>
+          <a:prstGeom prst="rect">
+            <a:avLst/>
+          </a:prstGeom>
+          <a:noFill/>
+          <a:ln>
+            <a:noFill/>
+          </a:ln>
+        </p:spPr>
+        <p:style>
+          <a:lnRef idx="2">
+            <a:schemeClr val="accent1">
+              <a:shade val="50000"/>
+            </a:schemeClr>
+          </a:lnRef>
+          <a:fillRef idx="1">
+            <a:schemeClr val="accent1"/>
+          </a:fillRef>
+          <a:effectRef idx="0">
+            <a:schemeClr val="accent1"/>
+          </a:effectRef>
+          <a:fontRef idx="minor">
+            <a:schemeClr val="lt1"/>
+          </a:fontRef>
+        </p:style>
+        <p:txBody>
+          <a:bodyPr rtlCol="0" anchor="ctr"/>
+          <a:lstStyle>
+            <a:defPPr>
+              <a:defRPr lang="en-US"/>
+            </a:defPPr>
+            <a:lvl1pPr marL="0" algn="l" defTabSz="914400" rtl="0" eaLnBrk="1" latinLnBrk="0" hangingPunct="1">
+              <a:defRPr sz="1800" kern="1200">
+                <a:solidFill>
+                  <a:schemeClr val="lt1"/>
+                </a:solidFill>
+                <a:latin typeface="+mn-lt"/>
+                <a:ea typeface="+mn-ea"/>
+                <a:cs typeface="+mn-cs"/>
+              </a:defRPr>
+            </a:lvl1pPr>
+            <a:lvl2pPr marL="457200" algn="l" defTabSz="914400" rtl="0" eaLnBrk="1" latinLnBrk="0" hangingPunct="1">
+              <a:defRPr sz="1800" kern="1200">
+                <a:solidFill>
+                  <a:schemeClr val="lt1"/>
+                </a:solidFill>
+                <a:latin typeface="+mn-lt"/>
+                <a:ea typeface="+mn-ea"/>
+                <a:cs typeface="+mn-cs"/>
+              </a:defRPr>
+            </a:lvl2pPr>
+            <a:lvl3pPr marL="914400" algn="l" defTabSz="914400" rtl="0" eaLnBrk="1" latinLnBrk="0" hangingPunct="1">
+              <a:defRPr sz="1800" kern="1200">
+                <a:solidFill>
+                  <a:schemeClr val="lt1"/>
+                </a:solidFill>
+                <a:latin typeface="+mn-lt"/>
+                <a:ea typeface="+mn-ea"/>
+                <a:cs typeface="+mn-cs"/>
+              </a:defRPr>
+            </a:lvl3pPr>
+            <a:lvl4pPr marL="1371600" algn="l" defTabSz="914400" rtl="0" eaLnBrk="1" latinLnBrk="0" hangingPunct="1">
+              <a:defRPr sz="1800" kern="1200">
+                <a:solidFill>
+                  <a:schemeClr val="lt1"/>
+                </a:solidFill>
+                <a:latin typeface="+mn-lt"/>
+                <a:ea typeface="+mn-ea"/>
+                <a:cs typeface="+mn-cs"/>
+              </a:defRPr>
+            </a:lvl4pPr>
+            <a:lvl5pPr marL="1828800" algn="l" defTabSz="914400" rtl="0" eaLnBrk="1" latinLnBrk="0" hangingPunct="1">
+              <a:defRPr sz="1800" kern="1200">
+                <a:solidFill>
+                  <a:schemeClr val="lt1"/>
+                </a:solidFill>
+                <a:latin typeface="+mn-lt"/>
+                <a:ea typeface="+mn-ea"/>
+                <a:cs typeface="+mn-cs"/>
+              </a:defRPr>
+            </a:lvl5pPr>
+            <a:lvl6pPr marL="2286000" algn="l" defTabSz="914400" rtl="0" eaLnBrk="1" latinLnBrk="0" hangingPunct="1">
+              <a:defRPr sz="1800" kern="1200">
+                <a:solidFill>
+                  <a:schemeClr val="lt1"/>
+                </a:solidFill>
+                <a:latin typeface="+mn-lt"/>
+                <a:ea typeface="+mn-ea"/>
+                <a:cs typeface="+mn-cs"/>
+              </a:defRPr>
+            </a:lvl6pPr>
+            <a:lvl7pPr marL="2743200" algn="l" defTabSz="914400" rtl="0" eaLnBrk="1" latinLnBrk="0" hangingPunct="1">
+              <a:defRPr sz="1800" kern="1200">
+                <a:solidFill>
+                  <a:schemeClr val="lt1"/>
+                </a:solidFill>
+                <a:latin typeface="+mn-lt"/>
+                <a:ea typeface="+mn-ea"/>
+                <a:cs typeface="+mn-cs"/>
+              </a:defRPr>
+            </a:lvl7pPr>
+            <a:lvl8pPr marL="3200400" algn="l" defTabSz="914400" rtl="0" eaLnBrk="1" latinLnBrk="0" hangingPunct="1">
+              <a:defRPr sz="1800" kern="1200">
+                <a:solidFill>
+                  <a:schemeClr val="lt1"/>
+                </a:solidFill>
+                <a:latin typeface="+mn-lt"/>
+                <a:ea typeface="+mn-ea"/>
+                <a:cs typeface="+mn-cs"/>
+              </a:defRPr>
+            </a:lvl8pPr>
+            <a:lvl9pPr marL="3657600" algn="l" defTabSz="914400" rtl="0" eaLnBrk="1" latinLnBrk="0" hangingPunct="1">
+              <a:defRPr sz="1800" kern="1200">
+                <a:solidFill>
+                  <a:schemeClr val="lt1"/>
+                </a:solidFill>
+                <a:latin typeface="+mn-lt"/>
+                <a:ea typeface="+mn-ea"/>
+                <a:cs typeface="+mn-cs"/>
+              </a:defRPr>
+            </a:lvl9pPr>
+          </a:lstStyle>
+          <a:p>
+            <a:pPr algn="ctr"/>
+            <a:r>
+              <a:rPr lang="en-US" sz="5400" dirty="0">
+                <a:solidFill>
+                  <a:schemeClr val="accent4"/>
+                </a:solidFill>
+              </a:rPr>
+              <a:t>D</a:t>
+            </a:r>
+            <a:endParaRPr lang="en-PH" sz="5400" dirty="0">
+              <a:solidFill>
+                <a:schemeClr val="accent4"/>
+              </a:solidFill>
+            </a:endParaRPr>
+          </a:p>
+        </p:txBody>
+      </p:sp>
+      <p:sp>
+        <p:nvSpPr>
+          <p:cNvPr id="8" name="Rectangle 7">
+            <a:extLst>
+              <a:ext uri="{FF2B5EF4-FFF2-40B4-BE49-F238E27FC236}">
+                <a16:creationId xmlns:a16="http://schemas.microsoft.com/office/drawing/2014/main" id="{FC942C8F-2A8C-4B43-83C3-870272DDFE29}"/>
+              </a:ext>
+            </a:extLst>
+          </p:cNvPr>
+          <p:cNvSpPr/>
+          <p:nvPr/>
+        </p:nvSpPr>
+        <p:spPr>
+          <a:xfrm>
+            <a:off x="1555745" y="1550801"/>
+            <a:ext cx="1786597" cy="970671"/>
+          </a:xfrm>
+          <a:prstGeom prst="rect">
+            <a:avLst/>
+          </a:prstGeom>
+          <a:noFill/>
+          <a:ln>
+            <a:noFill/>
+          </a:ln>
+        </p:spPr>
+        <p:style>
+          <a:lnRef idx="2">
+            <a:schemeClr val="accent1">
+              <a:shade val="50000"/>
+            </a:schemeClr>
+          </a:lnRef>
+          <a:fillRef idx="1">
+            <a:schemeClr val="accent1"/>
+          </a:fillRef>
+          <a:effectRef idx="0">
+            <a:schemeClr val="accent1"/>
+          </a:effectRef>
+          <a:fontRef idx="minor">
+            <a:schemeClr val="lt1"/>
+          </a:fontRef>
+        </p:style>
+        <p:txBody>
+          <a:bodyPr rtlCol="0" anchor="ctr"/>
+          <a:lstStyle>
+            <a:defPPr>
+              <a:defRPr lang="en-US"/>
+            </a:defPPr>
+            <a:lvl1pPr marL="0" algn="l" defTabSz="914400" rtl="0" eaLnBrk="1" latinLnBrk="0" hangingPunct="1">
+              <a:defRPr sz="1800" kern="1200">
+                <a:solidFill>
+                  <a:schemeClr val="lt1"/>
+                </a:solidFill>
+                <a:latin typeface="+mn-lt"/>
+                <a:ea typeface="+mn-ea"/>
+                <a:cs typeface="+mn-cs"/>
+              </a:defRPr>
+            </a:lvl1pPr>
+            <a:lvl2pPr marL="457200" algn="l" defTabSz="914400" rtl="0" eaLnBrk="1" latinLnBrk="0" hangingPunct="1">
+              <a:defRPr sz="1800" kern="1200">
+                <a:solidFill>
+                  <a:schemeClr val="lt1"/>
+                </a:solidFill>
+                <a:latin typeface="+mn-lt"/>
+                <a:ea typeface="+mn-ea"/>
+                <a:cs typeface="+mn-cs"/>
+              </a:defRPr>
+            </a:lvl2pPr>
+            <a:lvl3pPr marL="914400" algn="l" defTabSz="914400" rtl="0" eaLnBrk="1" latinLnBrk="0" hangingPunct="1">
+              <a:defRPr sz="1800" kern="1200">
+                <a:solidFill>
+                  <a:schemeClr val="lt1"/>
+                </a:solidFill>
+                <a:latin typeface="+mn-lt"/>
+                <a:ea typeface="+mn-ea"/>
+                <a:cs typeface="+mn-cs"/>
+              </a:defRPr>
+            </a:lvl3pPr>
+            <a:lvl4pPr marL="1371600" algn="l" defTabSz="914400" rtl="0" eaLnBrk="1" latinLnBrk="0" hangingPunct="1">
+              <a:defRPr sz="1800" kern="1200">
+                <a:solidFill>
+                  <a:schemeClr val="lt1"/>
+                </a:solidFill>
+                <a:latin typeface="+mn-lt"/>
+                <a:ea typeface="+mn-ea"/>
+                <a:cs typeface="+mn-cs"/>
+              </a:defRPr>
+            </a:lvl4pPr>
+            <a:lvl5pPr marL="1828800" algn="l" defTabSz="914400" rtl="0" eaLnBrk="1" latinLnBrk="0" hangingPunct="1">
+              <a:defRPr sz="1800" kern="1200">
+                <a:solidFill>
+                  <a:schemeClr val="lt1"/>
+                </a:solidFill>
+                <a:latin typeface="+mn-lt"/>
+                <a:ea typeface="+mn-ea"/>
+                <a:cs typeface="+mn-cs"/>
+              </a:defRPr>
+            </a:lvl5pPr>
+            <a:lvl6pPr marL="2286000" algn="l" defTabSz="914400" rtl="0" eaLnBrk="1" latinLnBrk="0" hangingPunct="1">
+              <a:defRPr sz="1800" kern="1200">
+                <a:solidFill>
+                  <a:schemeClr val="lt1"/>
+                </a:solidFill>
+                <a:latin typeface="+mn-lt"/>
+                <a:ea typeface="+mn-ea"/>
+                <a:cs typeface="+mn-cs"/>
+              </a:defRPr>
+            </a:lvl6pPr>
+            <a:lvl7pPr marL="2743200" algn="l" defTabSz="914400" rtl="0" eaLnBrk="1" latinLnBrk="0" hangingPunct="1">
+              <a:defRPr sz="1800" kern="1200">
+                <a:solidFill>
+                  <a:schemeClr val="lt1"/>
+                </a:solidFill>
+                <a:latin typeface="+mn-lt"/>
+                <a:ea typeface="+mn-ea"/>
+                <a:cs typeface="+mn-cs"/>
+              </a:defRPr>
+            </a:lvl7pPr>
+            <a:lvl8pPr marL="3200400" algn="l" defTabSz="914400" rtl="0" eaLnBrk="1" latinLnBrk="0" hangingPunct="1">
+              <a:defRPr sz="1800" kern="1200">
+                <a:solidFill>
+                  <a:schemeClr val="lt1"/>
+                </a:solidFill>
+                <a:latin typeface="+mn-lt"/>
+                <a:ea typeface="+mn-ea"/>
+                <a:cs typeface="+mn-cs"/>
+              </a:defRPr>
+            </a:lvl8pPr>
+            <a:lvl9pPr marL="3657600" algn="l" defTabSz="914400" rtl="0" eaLnBrk="1" latinLnBrk="0" hangingPunct="1">
+              <a:defRPr sz="1800" kern="1200">
+                <a:solidFill>
+                  <a:schemeClr val="lt1"/>
+                </a:solidFill>
+                <a:latin typeface="+mn-lt"/>
+                <a:ea typeface="+mn-ea"/>
+                <a:cs typeface="+mn-cs"/>
+              </a:defRPr>
+            </a:lvl9pPr>
+          </a:lstStyle>
+          <a:p>
+            <a:pPr algn="ctr"/>
+            <a:r>
+              <a:rPr lang="en-US" sz="5400" dirty="0" err="1">
+                <a:solidFill>
+                  <a:schemeClr val="accent4"/>
+                </a:solidFill>
+              </a:rPr>
+              <a:t>Bm</a:t>
+            </a:r>
+            <a:endParaRPr lang="en-PH" sz="5400" dirty="0">
+              <a:solidFill>
+                <a:schemeClr val="accent4"/>
+              </a:solidFill>
+            </a:endParaRPr>
+          </a:p>
+        </p:txBody>
+      </p:sp>
+      <p:sp>
+        <p:nvSpPr>
+          <p:cNvPr id="9" name="Rectangle 8">
+            <a:extLst>
+              <a:ext uri="{FF2B5EF4-FFF2-40B4-BE49-F238E27FC236}">
+                <a16:creationId xmlns:a16="http://schemas.microsoft.com/office/drawing/2014/main" id="{1765A32E-423C-430F-831B-8BCC898E5105}"/>
+              </a:ext>
+            </a:extLst>
+          </p:cNvPr>
+          <p:cNvSpPr/>
+          <p:nvPr/>
+        </p:nvSpPr>
+        <p:spPr>
+          <a:xfrm>
+            <a:off x="5936355" y="1487002"/>
+            <a:ext cx="1786597" cy="970671"/>
+          </a:xfrm>
+          <a:prstGeom prst="rect">
+            <a:avLst/>
+          </a:prstGeom>
+          <a:noFill/>
+          <a:ln>
+            <a:noFill/>
+          </a:ln>
+        </p:spPr>
+        <p:style>
+          <a:lnRef idx="2">
+            <a:schemeClr val="accent1">
+              <a:shade val="50000"/>
+            </a:schemeClr>
+          </a:lnRef>
+          <a:fillRef idx="1">
+            <a:schemeClr val="accent1"/>
+          </a:fillRef>
+          <a:effectRef idx="0">
+            <a:schemeClr val="accent1"/>
+          </a:effectRef>
+          <a:fontRef idx="minor">
+            <a:schemeClr val="lt1"/>
+          </a:fontRef>
+        </p:style>
+        <p:txBody>
+          <a:bodyPr rtlCol="0" anchor="ctr"/>
+          <a:lstStyle>
+            <a:defPPr>
+              <a:defRPr lang="en-US"/>
+            </a:defPPr>
+            <a:lvl1pPr marL="0" algn="l" defTabSz="914400" rtl="0" eaLnBrk="1" latinLnBrk="0" hangingPunct="1">
+              <a:defRPr sz="1800" kern="1200">
+                <a:solidFill>
+                  <a:schemeClr val="lt1"/>
+                </a:solidFill>
+                <a:latin typeface="+mn-lt"/>
+                <a:ea typeface="+mn-ea"/>
+                <a:cs typeface="+mn-cs"/>
+              </a:defRPr>
+            </a:lvl1pPr>
+            <a:lvl2pPr marL="457200" algn="l" defTabSz="914400" rtl="0" eaLnBrk="1" latinLnBrk="0" hangingPunct="1">
+              <a:defRPr sz="1800" kern="1200">
+                <a:solidFill>
+                  <a:schemeClr val="lt1"/>
+                </a:solidFill>
+                <a:latin typeface="+mn-lt"/>
+                <a:ea typeface="+mn-ea"/>
+                <a:cs typeface="+mn-cs"/>
+              </a:defRPr>
+            </a:lvl2pPr>
+            <a:lvl3pPr marL="914400" algn="l" defTabSz="914400" rtl="0" eaLnBrk="1" latinLnBrk="0" hangingPunct="1">
+              <a:defRPr sz="1800" kern="1200">
+                <a:solidFill>
+                  <a:schemeClr val="lt1"/>
+                </a:solidFill>
+                <a:latin typeface="+mn-lt"/>
+                <a:ea typeface="+mn-ea"/>
+                <a:cs typeface="+mn-cs"/>
+              </a:defRPr>
+            </a:lvl3pPr>
+            <a:lvl4pPr marL="1371600" algn="l" defTabSz="914400" rtl="0" eaLnBrk="1" latinLnBrk="0" hangingPunct="1">
+              <a:defRPr sz="1800" kern="1200">
+                <a:solidFill>
+                  <a:schemeClr val="lt1"/>
+                </a:solidFill>
+                <a:latin typeface="+mn-lt"/>
+                <a:ea typeface="+mn-ea"/>
+                <a:cs typeface="+mn-cs"/>
+              </a:defRPr>
+            </a:lvl4pPr>
+            <a:lvl5pPr marL="1828800" algn="l" defTabSz="914400" rtl="0" eaLnBrk="1" latinLnBrk="0" hangingPunct="1">
+              <a:defRPr sz="1800" kern="1200">
+                <a:solidFill>
+                  <a:schemeClr val="lt1"/>
+                </a:solidFill>
+                <a:latin typeface="+mn-lt"/>
+                <a:ea typeface="+mn-ea"/>
+                <a:cs typeface="+mn-cs"/>
+              </a:defRPr>
+            </a:lvl5pPr>
+            <a:lvl6pPr marL="2286000" algn="l" defTabSz="914400" rtl="0" eaLnBrk="1" latinLnBrk="0" hangingPunct="1">
+              <a:defRPr sz="1800" kern="1200">
+                <a:solidFill>
+                  <a:schemeClr val="lt1"/>
+                </a:solidFill>
+                <a:latin typeface="+mn-lt"/>
+                <a:ea typeface="+mn-ea"/>
+                <a:cs typeface="+mn-cs"/>
+              </a:defRPr>
+            </a:lvl6pPr>
+            <a:lvl7pPr marL="2743200" algn="l" defTabSz="914400" rtl="0" eaLnBrk="1" latinLnBrk="0" hangingPunct="1">
+              <a:defRPr sz="1800" kern="1200">
+                <a:solidFill>
+                  <a:schemeClr val="lt1"/>
+                </a:solidFill>
+                <a:latin typeface="+mn-lt"/>
+                <a:ea typeface="+mn-ea"/>
+                <a:cs typeface="+mn-cs"/>
+              </a:defRPr>
+            </a:lvl7pPr>
+            <a:lvl8pPr marL="3200400" algn="l" defTabSz="914400" rtl="0" eaLnBrk="1" latinLnBrk="0" hangingPunct="1">
+              <a:defRPr sz="1800" kern="1200">
+                <a:solidFill>
+                  <a:schemeClr val="lt1"/>
+                </a:solidFill>
+                <a:latin typeface="+mn-lt"/>
+                <a:ea typeface="+mn-ea"/>
+                <a:cs typeface="+mn-cs"/>
+              </a:defRPr>
+            </a:lvl8pPr>
+            <a:lvl9pPr marL="3657600" algn="l" defTabSz="914400" rtl="0" eaLnBrk="1" latinLnBrk="0" hangingPunct="1">
+              <a:defRPr sz="1800" kern="1200">
+                <a:solidFill>
+                  <a:schemeClr val="lt1"/>
+                </a:solidFill>
+                <a:latin typeface="+mn-lt"/>
+                <a:ea typeface="+mn-ea"/>
+                <a:cs typeface="+mn-cs"/>
+              </a:defRPr>
+            </a:lvl9pPr>
+          </a:lstStyle>
+          <a:p>
+            <a:pPr algn="ctr"/>
+            <a:r>
+              <a:rPr lang="en-US" sz="5400" dirty="0" err="1">
+                <a:solidFill>
+                  <a:schemeClr val="accent4"/>
+                </a:solidFill>
+              </a:rPr>
+              <a:t>Em</a:t>
+            </a:r>
+            <a:endParaRPr lang="en-PH" sz="5400" dirty="0">
+              <a:solidFill>
+                <a:schemeClr val="accent4"/>
+              </a:solidFill>
+            </a:endParaRPr>
+          </a:p>
+        </p:txBody>
+      </p:sp>
+      <p:sp>
+        <p:nvSpPr>
+          <p:cNvPr id="10" name="Rectangle 9">
+            <a:extLst>
+              <a:ext uri="{FF2B5EF4-FFF2-40B4-BE49-F238E27FC236}">
+                <a16:creationId xmlns:a16="http://schemas.microsoft.com/office/drawing/2014/main" id="{2F6B371A-9175-40BA-8227-633F7EEEDA93}"/>
+              </a:ext>
+            </a:extLst>
+          </p:cNvPr>
+          <p:cNvSpPr/>
+          <p:nvPr/>
+        </p:nvSpPr>
+        <p:spPr>
+          <a:xfrm>
+            <a:off x="3256953" y="3337070"/>
+            <a:ext cx="1786597" cy="970671"/>
+          </a:xfrm>
+          <a:prstGeom prst="rect">
+            <a:avLst/>
+          </a:prstGeom>
+          <a:noFill/>
+          <a:ln>
+            <a:noFill/>
+          </a:ln>
+        </p:spPr>
+        <p:style>
+          <a:lnRef idx="2">
+            <a:schemeClr val="accent1">
+              <a:shade val="50000"/>
+            </a:schemeClr>
+          </a:lnRef>
+          <a:fillRef idx="1">
+            <a:schemeClr val="accent1"/>
+          </a:fillRef>
+          <a:effectRef idx="0">
+            <a:schemeClr val="accent1"/>
+          </a:effectRef>
+          <a:fontRef idx="minor">
+            <a:schemeClr val="lt1"/>
+          </a:fontRef>
+        </p:style>
+        <p:txBody>
+          <a:bodyPr rtlCol="0" anchor="ctr"/>
+          <a:lstStyle>
+            <a:defPPr>
+              <a:defRPr lang="en-US"/>
+            </a:defPPr>
+            <a:lvl1pPr marL="0" algn="l" defTabSz="914400" rtl="0" eaLnBrk="1" latinLnBrk="0" hangingPunct="1">
+              <a:defRPr sz="1800" kern="1200">
+                <a:solidFill>
+                  <a:schemeClr val="lt1"/>
+                </a:solidFill>
+                <a:latin typeface="+mn-lt"/>
+                <a:ea typeface="+mn-ea"/>
+                <a:cs typeface="+mn-cs"/>
+              </a:defRPr>
+            </a:lvl1pPr>
+            <a:lvl2pPr marL="457200" algn="l" defTabSz="914400" rtl="0" eaLnBrk="1" latinLnBrk="0" hangingPunct="1">
+              <a:defRPr sz="1800" kern="1200">
+                <a:solidFill>
+                  <a:schemeClr val="lt1"/>
+                </a:solidFill>
+                <a:latin typeface="+mn-lt"/>
+                <a:ea typeface="+mn-ea"/>
+                <a:cs typeface="+mn-cs"/>
+              </a:defRPr>
+            </a:lvl2pPr>
+            <a:lvl3pPr marL="914400" algn="l" defTabSz="914400" rtl="0" eaLnBrk="1" latinLnBrk="0" hangingPunct="1">
+              <a:defRPr sz="1800" kern="1200">
+                <a:solidFill>
+                  <a:schemeClr val="lt1"/>
+                </a:solidFill>
+                <a:latin typeface="+mn-lt"/>
+                <a:ea typeface="+mn-ea"/>
+                <a:cs typeface="+mn-cs"/>
+              </a:defRPr>
+            </a:lvl3pPr>
+            <a:lvl4pPr marL="1371600" algn="l" defTabSz="914400" rtl="0" eaLnBrk="1" latinLnBrk="0" hangingPunct="1">
+              <a:defRPr sz="1800" kern="1200">
+                <a:solidFill>
+                  <a:schemeClr val="lt1"/>
+                </a:solidFill>
+                <a:latin typeface="+mn-lt"/>
+                <a:ea typeface="+mn-ea"/>
+                <a:cs typeface="+mn-cs"/>
+              </a:defRPr>
+            </a:lvl4pPr>
+            <a:lvl5pPr marL="1828800" algn="l" defTabSz="914400" rtl="0" eaLnBrk="1" latinLnBrk="0" hangingPunct="1">
+              <a:defRPr sz="1800" kern="1200">
+                <a:solidFill>
+                  <a:schemeClr val="lt1"/>
+                </a:solidFill>
+                <a:latin typeface="+mn-lt"/>
+                <a:ea typeface="+mn-ea"/>
+                <a:cs typeface="+mn-cs"/>
+              </a:defRPr>
+            </a:lvl5pPr>
+            <a:lvl6pPr marL="2286000" algn="l" defTabSz="914400" rtl="0" eaLnBrk="1" latinLnBrk="0" hangingPunct="1">
+              <a:defRPr sz="1800" kern="1200">
+                <a:solidFill>
+                  <a:schemeClr val="lt1"/>
+                </a:solidFill>
+                <a:latin typeface="+mn-lt"/>
+                <a:ea typeface="+mn-ea"/>
+                <a:cs typeface="+mn-cs"/>
+              </a:defRPr>
+            </a:lvl6pPr>
+            <a:lvl7pPr marL="2743200" algn="l" defTabSz="914400" rtl="0" eaLnBrk="1" latinLnBrk="0" hangingPunct="1">
+              <a:defRPr sz="1800" kern="1200">
+                <a:solidFill>
+                  <a:schemeClr val="lt1"/>
+                </a:solidFill>
+                <a:latin typeface="+mn-lt"/>
+                <a:ea typeface="+mn-ea"/>
+                <a:cs typeface="+mn-cs"/>
+              </a:defRPr>
+            </a:lvl7pPr>
+            <a:lvl8pPr marL="3200400" algn="l" defTabSz="914400" rtl="0" eaLnBrk="1" latinLnBrk="0" hangingPunct="1">
+              <a:defRPr sz="1800" kern="1200">
+                <a:solidFill>
+                  <a:schemeClr val="lt1"/>
+                </a:solidFill>
+                <a:latin typeface="+mn-lt"/>
+                <a:ea typeface="+mn-ea"/>
+                <a:cs typeface="+mn-cs"/>
+              </a:defRPr>
+            </a:lvl8pPr>
+            <a:lvl9pPr marL="3657600" algn="l" defTabSz="914400" rtl="0" eaLnBrk="1" latinLnBrk="0" hangingPunct="1">
+              <a:defRPr sz="1800" kern="1200">
+                <a:solidFill>
+                  <a:schemeClr val="lt1"/>
+                </a:solidFill>
+                <a:latin typeface="+mn-lt"/>
+                <a:ea typeface="+mn-ea"/>
+                <a:cs typeface="+mn-cs"/>
+              </a:defRPr>
+            </a:lvl9pPr>
+          </a:lstStyle>
+          <a:p>
+            <a:pPr algn="ctr"/>
+            <a:r>
+              <a:rPr lang="en-US" sz="5400" dirty="0">
+                <a:solidFill>
+                  <a:schemeClr val="accent4"/>
+                </a:solidFill>
+              </a:rPr>
+              <a:t>A</a:t>
+            </a:r>
+            <a:endParaRPr lang="en-PH" sz="5400" dirty="0">
+              <a:solidFill>
+                <a:schemeClr val="accent4"/>
+              </a:solidFill>
+            </a:endParaRPr>
+          </a:p>
+        </p:txBody>
+      </p:sp>
+      <p:sp>
+        <p:nvSpPr>
+          <p:cNvPr id="11" name="Rectangle 10">
+            <a:extLst>
+              <a:ext uri="{FF2B5EF4-FFF2-40B4-BE49-F238E27FC236}">
+                <a16:creationId xmlns:a16="http://schemas.microsoft.com/office/drawing/2014/main" id="{2BA7D81C-4BD6-4ACB-8E40-877622CAC94B}"/>
+              </a:ext>
+            </a:extLst>
+          </p:cNvPr>
+          <p:cNvSpPr/>
+          <p:nvPr/>
+        </p:nvSpPr>
+        <p:spPr>
+          <a:xfrm>
+            <a:off x="8105405" y="3443398"/>
+            <a:ext cx="1786597" cy="970671"/>
+          </a:xfrm>
+          <a:prstGeom prst="rect">
+            <a:avLst/>
+          </a:prstGeom>
+          <a:noFill/>
+          <a:ln>
+            <a:noFill/>
+          </a:ln>
+        </p:spPr>
+        <p:style>
+          <a:lnRef idx="2">
+            <a:schemeClr val="accent1">
+              <a:shade val="50000"/>
+            </a:schemeClr>
+          </a:lnRef>
+          <a:fillRef idx="1">
+            <a:schemeClr val="accent1"/>
+          </a:fillRef>
+          <a:effectRef idx="0">
+            <a:schemeClr val="accent1"/>
+          </a:effectRef>
+          <a:fontRef idx="minor">
+            <a:schemeClr val="lt1"/>
+          </a:fontRef>
+        </p:style>
+        <p:txBody>
+          <a:bodyPr rtlCol="0" anchor="ctr"/>
+          <a:lstStyle>
+            <a:defPPr>
+              <a:defRPr lang="en-US"/>
+            </a:defPPr>
+            <a:lvl1pPr marL="0" algn="l" defTabSz="914400" rtl="0" eaLnBrk="1" latinLnBrk="0" hangingPunct="1">
+              <a:defRPr sz="1800" kern="1200">
+                <a:solidFill>
+                  <a:schemeClr val="lt1"/>
+                </a:solidFill>
+                <a:latin typeface="+mn-lt"/>
+                <a:ea typeface="+mn-ea"/>
+                <a:cs typeface="+mn-cs"/>
+              </a:defRPr>
+            </a:lvl1pPr>
+            <a:lvl2pPr marL="457200" algn="l" defTabSz="914400" rtl="0" eaLnBrk="1" latinLnBrk="0" hangingPunct="1">
+              <a:defRPr sz="1800" kern="1200">
+                <a:solidFill>
+                  <a:schemeClr val="lt1"/>
+                </a:solidFill>
+                <a:latin typeface="+mn-lt"/>
+                <a:ea typeface="+mn-ea"/>
+                <a:cs typeface="+mn-cs"/>
+              </a:defRPr>
+            </a:lvl2pPr>
+            <a:lvl3pPr marL="914400" algn="l" defTabSz="914400" rtl="0" eaLnBrk="1" latinLnBrk="0" hangingPunct="1">
+              <a:defRPr sz="1800" kern="1200">
+                <a:solidFill>
+                  <a:schemeClr val="lt1"/>
+                </a:solidFill>
+                <a:latin typeface="+mn-lt"/>
+                <a:ea typeface="+mn-ea"/>
+                <a:cs typeface="+mn-cs"/>
+              </a:defRPr>
+            </a:lvl3pPr>
+            <a:lvl4pPr marL="1371600" algn="l" defTabSz="914400" rtl="0" eaLnBrk="1" latinLnBrk="0" hangingPunct="1">
+              <a:defRPr sz="1800" kern="1200">
+                <a:solidFill>
+                  <a:schemeClr val="lt1"/>
+                </a:solidFill>
+                <a:latin typeface="+mn-lt"/>
+                <a:ea typeface="+mn-ea"/>
+                <a:cs typeface="+mn-cs"/>
+              </a:defRPr>
+            </a:lvl4pPr>
+            <a:lvl5pPr marL="1828800" algn="l" defTabSz="914400" rtl="0" eaLnBrk="1" latinLnBrk="0" hangingPunct="1">
+              <a:defRPr sz="1800" kern="1200">
+                <a:solidFill>
+                  <a:schemeClr val="lt1"/>
+                </a:solidFill>
+                <a:latin typeface="+mn-lt"/>
+                <a:ea typeface="+mn-ea"/>
+                <a:cs typeface="+mn-cs"/>
+              </a:defRPr>
+            </a:lvl5pPr>
+            <a:lvl6pPr marL="2286000" algn="l" defTabSz="914400" rtl="0" eaLnBrk="1" latinLnBrk="0" hangingPunct="1">
+              <a:defRPr sz="1800" kern="1200">
+                <a:solidFill>
+                  <a:schemeClr val="lt1"/>
+                </a:solidFill>
+                <a:latin typeface="+mn-lt"/>
+                <a:ea typeface="+mn-ea"/>
+                <a:cs typeface="+mn-cs"/>
+              </a:defRPr>
+            </a:lvl6pPr>
+            <a:lvl7pPr marL="2743200" algn="l" defTabSz="914400" rtl="0" eaLnBrk="1" latinLnBrk="0" hangingPunct="1">
+              <a:defRPr sz="1800" kern="1200">
+                <a:solidFill>
+                  <a:schemeClr val="lt1"/>
+                </a:solidFill>
+                <a:latin typeface="+mn-lt"/>
+                <a:ea typeface="+mn-ea"/>
+                <a:cs typeface="+mn-cs"/>
+              </a:defRPr>
+            </a:lvl7pPr>
+            <a:lvl8pPr marL="3200400" algn="l" defTabSz="914400" rtl="0" eaLnBrk="1" latinLnBrk="0" hangingPunct="1">
+              <a:defRPr sz="1800" kern="1200">
+                <a:solidFill>
+                  <a:schemeClr val="lt1"/>
+                </a:solidFill>
+                <a:latin typeface="+mn-lt"/>
+                <a:ea typeface="+mn-ea"/>
+                <a:cs typeface="+mn-cs"/>
+              </a:defRPr>
+            </a:lvl8pPr>
+            <a:lvl9pPr marL="3657600" algn="l" defTabSz="914400" rtl="0" eaLnBrk="1" latinLnBrk="0" hangingPunct="1">
+              <a:defRPr sz="1800" kern="1200">
+                <a:solidFill>
+                  <a:schemeClr val="lt1"/>
+                </a:solidFill>
+                <a:latin typeface="+mn-lt"/>
+                <a:ea typeface="+mn-ea"/>
+                <a:cs typeface="+mn-cs"/>
+              </a:defRPr>
+            </a:lvl9pPr>
+          </a:lstStyle>
+          <a:p>
+            <a:pPr algn="ctr"/>
+            <a:r>
+              <a:rPr lang="en-US" sz="5400" dirty="0">
+                <a:solidFill>
+                  <a:schemeClr val="accent4"/>
+                </a:solidFill>
+              </a:rPr>
+              <a:t>D</a:t>
+            </a:r>
+            <a:endParaRPr lang="en-PH" sz="5400" dirty="0">
+              <a:solidFill>
+                <a:schemeClr val="accent4"/>
+              </a:solidFill>
+            </a:endParaRPr>
+          </a:p>
+        </p:txBody>
+      </p:sp>
+      <p:sp>
+        <p:nvSpPr>
+          <p:cNvPr id="12" name="Rectangle 11">
+            <a:extLst>
+              <a:ext uri="{FF2B5EF4-FFF2-40B4-BE49-F238E27FC236}">
+                <a16:creationId xmlns:a16="http://schemas.microsoft.com/office/drawing/2014/main" id="{38BE5A83-4238-40D1-BFA4-C935B516DAE8}"/>
+              </a:ext>
+            </a:extLst>
+          </p:cNvPr>
+          <p:cNvSpPr/>
+          <p:nvPr/>
+        </p:nvSpPr>
+        <p:spPr>
+          <a:xfrm>
+            <a:off x="3632634" y="5123339"/>
+            <a:ext cx="1786597" cy="970671"/>
+          </a:xfrm>
+          <a:prstGeom prst="rect">
+            <a:avLst/>
+          </a:prstGeom>
+          <a:noFill/>
+          <a:ln>
+            <a:noFill/>
+          </a:ln>
+        </p:spPr>
+        <p:style>
+          <a:lnRef idx="2">
+            <a:schemeClr val="accent1">
+              <a:shade val="50000"/>
+            </a:schemeClr>
+          </a:lnRef>
+          <a:fillRef idx="1">
+            <a:schemeClr val="accent1"/>
+          </a:fillRef>
+          <a:effectRef idx="0">
+            <a:schemeClr val="accent1"/>
+          </a:effectRef>
+          <a:fontRef idx="minor">
+            <a:schemeClr val="lt1"/>
+          </a:fontRef>
+        </p:style>
+        <p:txBody>
+          <a:bodyPr rtlCol="0" anchor="ctr"/>
+          <a:lstStyle>
+            <a:defPPr>
+              <a:defRPr lang="en-US"/>
+            </a:defPPr>
+            <a:lvl1pPr marL="0" algn="l" defTabSz="914400" rtl="0" eaLnBrk="1" latinLnBrk="0" hangingPunct="1">
+              <a:defRPr sz="1800" kern="1200">
+                <a:solidFill>
+                  <a:schemeClr val="lt1"/>
+                </a:solidFill>
+                <a:latin typeface="+mn-lt"/>
+                <a:ea typeface="+mn-ea"/>
+                <a:cs typeface="+mn-cs"/>
+              </a:defRPr>
+            </a:lvl1pPr>
+            <a:lvl2pPr marL="457200" algn="l" defTabSz="914400" rtl="0" eaLnBrk="1" latinLnBrk="0" hangingPunct="1">
+              <a:defRPr sz="1800" kern="1200">
+                <a:solidFill>
+                  <a:schemeClr val="lt1"/>
+                </a:solidFill>
+                <a:latin typeface="+mn-lt"/>
+                <a:ea typeface="+mn-ea"/>
+                <a:cs typeface="+mn-cs"/>
+              </a:defRPr>
+            </a:lvl2pPr>
+            <a:lvl3pPr marL="914400" algn="l" defTabSz="914400" rtl="0" eaLnBrk="1" latinLnBrk="0" hangingPunct="1">
+              <a:defRPr sz="1800" kern="1200">
+                <a:solidFill>
+                  <a:schemeClr val="lt1"/>
+                </a:solidFill>
+                <a:latin typeface="+mn-lt"/>
+                <a:ea typeface="+mn-ea"/>
+                <a:cs typeface="+mn-cs"/>
+              </a:defRPr>
+            </a:lvl3pPr>
+            <a:lvl4pPr marL="1371600" algn="l" defTabSz="914400" rtl="0" eaLnBrk="1" latinLnBrk="0" hangingPunct="1">
+              <a:defRPr sz="1800" kern="1200">
+                <a:solidFill>
+                  <a:schemeClr val="lt1"/>
+                </a:solidFill>
+                <a:latin typeface="+mn-lt"/>
+                <a:ea typeface="+mn-ea"/>
+                <a:cs typeface="+mn-cs"/>
+              </a:defRPr>
+            </a:lvl4pPr>
+            <a:lvl5pPr marL="1828800" algn="l" defTabSz="914400" rtl="0" eaLnBrk="1" latinLnBrk="0" hangingPunct="1">
+              <a:defRPr sz="1800" kern="1200">
+                <a:solidFill>
+                  <a:schemeClr val="lt1"/>
+                </a:solidFill>
+                <a:latin typeface="+mn-lt"/>
+                <a:ea typeface="+mn-ea"/>
+                <a:cs typeface="+mn-cs"/>
+              </a:defRPr>
+            </a:lvl5pPr>
+            <a:lvl6pPr marL="2286000" algn="l" defTabSz="914400" rtl="0" eaLnBrk="1" latinLnBrk="0" hangingPunct="1">
+              <a:defRPr sz="1800" kern="1200">
+                <a:solidFill>
+                  <a:schemeClr val="lt1"/>
+                </a:solidFill>
+                <a:latin typeface="+mn-lt"/>
+                <a:ea typeface="+mn-ea"/>
+                <a:cs typeface="+mn-cs"/>
+              </a:defRPr>
+            </a:lvl6pPr>
+            <a:lvl7pPr marL="2743200" algn="l" defTabSz="914400" rtl="0" eaLnBrk="1" latinLnBrk="0" hangingPunct="1">
+              <a:defRPr sz="1800" kern="1200">
+                <a:solidFill>
+                  <a:schemeClr val="lt1"/>
+                </a:solidFill>
+                <a:latin typeface="+mn-lt"/>
+                <a:ea typeface="+mn-ea"/>
+                <a:cs typeface="+mn-cs"/>
+              </a:defRPr>
+            </a:lvl7pPr>
+            <a:lvl8pPr marL="3200400" algn="l" defTabSz="914400" rtl="0" eaLnBrk="1" latinLnBrk="0" hangingPunct="1">
+              <a:defRPr sz="1800" kern="1200">
+                <a:solidFill>
+                  <a:schemeClr val="lt1"/>
+                </a:solidFill>
+                <a:latin typeface="+mn-lt"/>
+                <a:ea typeface="+mn-ea"/>
+                <a:cs typeface="+mn-cs"/>
+              </a:defRPr>
+            </a:lvl8pPr>
+            <a:lvl9pPr marL="3657600" algn="l" defTabSz="914400" rtl="0" eaLnBrk="1" latinLnBrk="0" hangingPunct="1">
+              <a:defRPr sz="1800" kern="1200">
+                <a:solidFill>
+                  <a:schemeClr val="lt1"/>
+                </a:solidFill>
+                <a:latin typeface="+mn-lt"/>
+                <a:ea typeface="+mn-ea"/>
+                <a:cs typeface="+mn-cs"/>
+              </a:defRPr>
+            </a:lvl9pPr>
+          </a:lstStyle>
+          <a:p>
+            <a:pPr algn="ctr"/>
+            <a:r>
+              <a:rPr lang="en-US" sz="5400" dirty="0">
+                <a:solidFill>
+                  <a:schemeClr val="accent4"/>
+                </a:solidFill>
+              </a:rPr>
+              <a:t>G</a:t>
+            </a:r>
+            <a:endParaRPr lang="en-PH" sz="5400" dirty="0">
+              <a:solidFill>
+                <a:schemeClr val="accent4"/>
+              </a:solidFill>
+            </a:endParaRPr>
+          </a:p>
+        </p:txBody>
+      </p:sp>
+      <p:sp>
+        <p:nvSpPr>
+          <p:cNvPr id="13" name="Rectangle 12">
+            <a:extLst>
+              <a:ext uri="{FF2B5EF4-FFF2-40B4-BE49-F238E27FC236}">
+                <a16:creationId xmlns:a16="http://schemas.microsoft.com/office/drawing/2014/main" id="{65B4E792-3B8C-4B5D-8302-930B25866F3B}"/>
+              </a:ext>
+            </a:extLst>
+          </p:cNvPr>
+          <p:cNvSpPr/>
+          <p:nvPr/>
+        </p:nvSpPr>
+        <p:spPr>
+          <a:xfrm>
+            <a:off x="9979727" y="5165868"/>
+            <a:ext cx="1786597" cy="970671"/>
+          </a:xfrm>
+          <a:prstGeom prst="rect">
+            <a:avLst/>
+          </a:prstGeom>
+          <a:noFill/>
+          <a:ln>
+            <a:noFill/>
+          </a:ln>
+        </p:spPr>
+        <p:style>
+          <a:lnRef idx="2">
+            <a:schemeClr val="accent1">
+              <a:shade val="50000"/>
+            </a:schemeClr>
+          </a:lnRef>
+          <a:fillRef idx="1">
+            <a:schemeClr val="accent1"/>
+          </a:fillRef>
+          <a:effectRef idx="0">
+            <a:schemeClr val="accent1"/>
+          </a:effectRef>
+          <a:fontRef idx="minor">
+            <a:schemeClr val="lt1"/>
+          </a:fontRef>
+        </p:style>
+        <p:txBody>
+          <a:bodyPr rtlCol="0" anchor="ctr"/>
+          <a:lstStyle>
+            <a:defPPr>
+              <a:defRPr lang="en-US"/>
+            </a:defPPr>
+            <a:lvl1pPr marL="0" algn="l" defTabSz="914400" rtl="0" eaLnBrk="1" latinLnBrk="0" hangingPunct="1">
+              <a:defRPr sz="1800" kern="1200">
+                <a:solidFill>
+                  <a:schemeClr val="lt1"/>
+                </a:solidFill>
+                <a:latin typeface="+mn-lt"/>
+                <a:ea typeface="+mn-ea"/>
+                <a:cs typeface="+mn-cs"/>
+              </a:defRPr>
+            </a:lvl1pPr>
+            <a:lvl2pPr marL="457200" algn="l" defTabSz="914400" rtl="0" eaLnBrk="1" latinLnBrk="0" hangingPunct="1">
+              <a:defRPr sz="1800" kern="1200">
+                <a:solidFill>
+                  <a:schemeClr val="lt1"/>
+                </a:solidFill>
+                <a:latin typeface="+mn-lt"/>
+                <a:ea typeface="+mn-ea"/>
+                <a:cs typeface="+mn-cs"/>
+              </a:defRPr>
+            </a:lvl2pPr>
+            <a:lvl3pPr marL="914400" algn="l" defTabSz="914400" rtl="0" eaLnBrk="1" latinLnBrk="0" hangingPunct="1">
+              <a:defRPr sz="1800" kern="1200">
+                <a:solidFill>
+                  <a:schemeClr val="lt1"/>
+                </a:solidFill>
+                <a:latin typeface="+mn-lt"/>
+                <a:ea typeface="+mn-ea"/>
+                <a:cs typeface="+mn-cs"/>
+              </a:defRPr>
+            </a:lvl3pPr>
+            <a:lvl4pPr marL="1371600" algn="l" defTabSz="914400" rtl="0" eaLnBrk="1" latinLnBrk="0" hangingPunct="1">
+              <a:defRPr sz="1800" kern="1200">
+                <a:solidFill>
+                  <a:schemeClr val="lt1"/>
+                </a:solidFill>
+                <a:latin typeface="+mn-lt"/>
+                <a:ea typeface="+mn-ea"/>
+                <a:cs typeface="+mn-cs"/>
+              </a:defRPr>
+            </a:lvl4pPr>
+            <a:lvl5pPr marL="1828800" algn="l" defTabSz="914400" rtl="0" eaLnBrk="1" latinLnBrk="0" hangingPunct="1">
+              <a:defRPr sz="1800" kern="1200">
+                <a:solidFill>
+                  <a:schemeClr val="lt1"/>
+                </a:solidFill>
+                <a:latin typeface="+mn-lt"/>
+                <a:ea typeface="+mn-ea"/>
+                <a:cs typeface="+mn-cs"/>
+              </a:defRPr>
+            </a:lvl5pPr>
+            <a:lvl6pPr marL="2286000" algn="l" defTabSz="914400" rtl="0" eaLnBrk="1" latinLnBrk="0" hangingPunct="1">
+              <a:defRPr sz="1800" kern="1200">
+                <a:solidFill>
+                  <a:schemeClr val="lt1"/>
+                </a:solidFill>
+                <a:latin typeface="+mn-lt"/>
+                <a:ea typeface="+mn-ea"/>
+                <a:cs typeface="+mn-cs"/>
+              </a:defRPr>
+            </a:lvl6pPr>
+            <a:lvl7pPr marL="2743200" algn="l" defTabSz="914400" rtl="0" eaLnBrk="1" latinLnBrk="0" hangingPunct="1">
+              <a:defRPr sz="1800" kern="1200">
+                <a:solidFill>
+                  <a:schemeClr val="lt1"/>
+                </a:solidFill>
+                <a:latin typeface="+mn-lt"/>
+                <a:ea typeface="+mn-ea"/>
+                <a:cs typeface="+mn-cs"/>
+              </a:defRPr>
+            </a:lvl7pPr>
+            <a:lvl8pPr marL="3200400" algn="l" defTabSz="914400" rtl="0" eaLnBrk="1" latinLnBrk="0" hangingPunct="1">
+              <a:defRPr sz="1800" kern="1200">
+                <a:solidFill>
+                  <a:schemeClr val="lt1"/>
+                </a:solidFill>
+                <a:latin typeface="+mn-lt"/>
+                <a:ea typeface="+mn-ea"/>
+                <a:cs typeface="+mn-cs"/>
+              </a:defRPr>
+            </a:lvl8pPr>
+            <a:lvl9pPr marL="3657600" algn="l" defTabSz="914400" rtl="0" eaLnBrk="1" latinLnBrk="0" hangingPunct="1">
+              <a:defRPr sz="1800" kern="1200">
+                <a:solidFill>
+                  <a:schemeClr val="lt1"/>
+                </a:solidFill>
+                <a:latin typeface="+mn-lt"/>
+                <a:ea typeface="+mn-ea"/>
+                <a:cs typeface="+mn-cs"/>
+              </a:defRPr>
+            </a:lvl9pPr>
+          </a:lstStyle>
+          <a:p>
+            <a:pPr algn="ctr"/>
+            <a:r>
+              <a:rPr lang="en-US" sz="5400" dirty="0">
+                <a:solidFill>
+                  <a:schemeClr val="accent4"/>
+                </a:solidFill>
+              </a:rPr>
+              <a:t>A</a:t>
+            </a:r>
+            <a:endParaRPr lang="en-PH" sz="5400" dirty="0">
+              <a:solidFill>
+                <a:schemeClr val="accent4"/>
+              </a:solidFill>
+            </a:endParaRPr>
           </a:p>
         </p:txBody>
       </p:sp>
@@ -4147,9 +8051,13 @@
           </a:bodyPr>
           <a:lstStyle/>
           <a:p>
-            <a:pPr algn="ctr"/>
-            <a:r>
-              <a:rPr lang="en-US" sz="9600" dirty="0">
+            <a:pPr algn="ctr">
+              <a:lnSpc>
+                <a:spcPct val="100000"/>
+              </a:lnSpc>
+            </a:pPr>
+            <a:r>
+              <a:rPr lang="en-US" sz="8800" dirty="0">
                 <a:solidFill>
                   <a:schemeClr val="bg1"/>
                 </a:solidFill>
@@ -4159,7 +8067,7 @@
               <a:t>May Each Song I Have To Sing</a:t>
             </a:r>
             <a:br>
-              <a:rPr lang="en-US" sz="9600" dirty="0">
+              <a:rPr lang="en-US" sz="8800" dirty="0">
                 <a:solidFill>
                   <a:schemeClr val="bg1"/>
                 </a:solidFill>
@@ -4168,7 +8076,7 @@
               </a:rPr>
             </a:br>
             <a:r>
-              <a:rPr lang="en-US" sz="9600" dirty="0">
+              <a:rPr lang="en-US" sz="8800" dirty="0">
                 <a:solidFill>
                   <a:schemeClr val="bg1"/>
                 </a:solidFill>
@@ -4178,7 +8086,7 @@
               <a:t>Be To You A Lovely Thing</a:t>
             </a:r>
             <a:br>
-              <a:rPr lang="en-US" sz="9600" dirty="0">
+              <a:rPr lang="en-US" sz="8800" dirty="0">
                 <a:solidFill>
                   <a:schemeClr val="bg1"/>
                 </a:solidFill>
@@ -4187,7 +8095,7 @@
               </a:rPr>
             </a:br>
             <a:r>
-              <a:rPr lang="en-US" sz="9600" dirty="0">
+              <a:rPr lang="en-US" sz="8800" dirty="0">
                 <a:solidFill>
                   <a:schemeClr val="bg1"/>
                 </a:solidFill>
@@ -4196,6 +8104,786 @@
               </a:rPr>
               <a:t>In Your Time.</a:t>
             </a:r>
+          </a:p>
+        </p:txBody>
+      </p:sp>
+      <p:sp>
+        <p:nvSpPr>
+          <p:cNvPr id="3" name="Rectangle 2">
+            <a:extLst>
+              <a:ext uri="{FF2B5EF4-FFF2-40B4-BE49-F238E27FC236}">
+                <a16:creationId xmlns:a16="http://schemas.microsoft.com/office/drawing/2014/main" id="{261CC349-0BD3-4D1D-8452-F9289E6311D0}"/>
+              </a:ext>
+            </a:extLst>
+          </p:cNvPr>
+          <p:cNvSpPr/>
+          <p:nvPr/>
+        </p:nvSpPr>
+        <p:spPr>
+          <a:xfrm>
+            <a:off x="5486247" y="-260277"/>
+            <a:ext cx="1786597" cy="970671"/>
+          </a:xfrm>
+          <a:prstGeom prst="rect">
+            <a:avLst/>
+          </a:prstGeom>
+          <a:noFill/>
+          <a:ln>
+            <a:noFill/>
+          </a:ln>
+        </p:spPr>
+        <p:style>
+          <a:lnRef idx="2">
+            <a:schemeClr val="accent1">
+              <a:shade val="50000"/>
+            </a:schemeClr>
+          </a:lnRef>
+          <a:fillRef idx="1">
+            <a:schemeClr val="accent1"/>
+          </a:fillRef>
+          <a:effectRef idx="0">
+            <a:schemeClr val="accent1"/>
+          </a:effectRef>
+          <a:fontRef idx="minor">
+            <a:schemeClr val="lt1"/>
+          </a:fontRef>
+        </p:style>
+        <p:txBody>
+          <a:bodyPr rtlCol="0" anchor="ctr"/>
+          <a:lstStyle>
+            <a:defPPr>
+              <a:defRPr lang="en-US"/>
+            </a:defPPr>
+            <a:lvl1pPr marL="0" algn="l" defTabSz="914400" rtl="0" eaLnBrk="1" latinLnBrk="0" hangingPunct="1">
+              <a:defRPr sz="1800" kern="1200">
+                <a:solidFill>
+                  <a:schemeClr val="lt1"/>
+                </a:solidFill>
+                <a:latin typeface="+mn-lt"/>
+                <a:ea typeface="+mn-ea"/>
+                <a:cs typeface="+mn-cs"/>
+              </a:defRPr>
+            </a:lvl1pPr>
+            <a:lvl2pPr marL="457200" algn="l" defTabSz="914400" rtl="0" eaLnBrk="1" latinLnBrk="0" hangingPunct="1">
+              <a:defRPr sz="1800" kern="1200">
+                <a:solidFill>
+                  <a:schemeClr val="lt1"/>
+                </a:solidFill>
+                <a:latin typeface="+mn-lt"/>
+                <a:ea typeface="+mn-ea"/>
+                <a:cs typeface="+mn-cs"/>
+              </a:defRPr>
+            </a:lvl2pPr>
+            <a:lvl3pPr marL="914400" algn="l" defTabSz="914400" rtl="0" eaLnBrk="1" latinLnBrk="0" hangingPunct="1">
+              <a:defRPr sz="1800" kern="1200">
+                <a:solidFill>
+                  <a:schemeClr val="lt1"/>
+                </a:solidFill>
+                <a:latin typeface="+mn-lt"/>
+                <a:ea typeface="+mn-ea"/>
+                <a:cs typeface="+mn-cs"/>
+              </a:defRPr>
+            </a:lvl3pPr>
+            <a:lvl4pPr marL="1371600" algn="l" defTabSz="914400" rtl="0" eaLnBrk="1" latinLnBrk="0" hangingPunct="1">
+              <a:defRPr sz="1800" kern="1200">
+                <a:solidFill>
+                  <a:schemeClr val="lt1"/>
+                </a:solidFill>
+                <a:latin typeface="+mn-lt"/>
+                <a:ea typeface="+mn-ea"/>
+                <a:cs typeface="+mn-cs"/>
+              </a:defRPr>
+            </a:lvl4pPr>
+            <a:lvl5pPr marL="1828800" algn="l" defTabSz="914400" rtl="0" eaLnBrk="1" latinLnBrk="0" hangingPunct="1">
+              <a:defRPr sz="1800" kern="1200">
+                <a:solidFill>
+                  <a:schemeClr val="lt1"/>
+                </a:solidFill>
+                <a:latin typeface="+mn-lt"/>
+                <a:ea typeface="+mn-ea"/>
+                <a:cs typeface="+mn-cs"/>
+              </a:defRPr>
+            </a:lvl5pPr>
+            <a:lvl6pPr marL="2286000" algn="l" defTabSz="914400" rtl="0" eaLnBrk="1" latinLnBrk="0" hangingPunct="1">
+              <a:defRPr sz="1800" kern="1200">
+                <a:solidFill>
+                  <a:schemeClr val="lt1"/>
+                </a:solidFill>
+                <a:latin typeface="+mn-lt"/>
+                <a:ea typeface="+mn-ea"/>
+                <a:cs typeface="+mn-cs"/>
+              </a:defRPr>
+            </a:lvl6pPr>
+            <a:lvl7pPr marL="2743200" algn="l" defTabSz="914400" rtl="0" eaLnBrk="1" latinLnBrk="0" hangingPunct="1">
+              <a:defRPr sz="1800" kern="1200">
+                <a:solidFill>
+                  <a:schemeClr val="lt1"/>
+                </a:solidFill>
+                <a:latin typeface="+mn-lt"/>
+                <a:ea typeface="+mn-ea"/>
+                <a:cs typeface="+mn-cs"/>
+              </a:defRPr>
+            </a:lvl7pPr>
+            <a:lvl8pPr marL="3200400" algn="l" defTabSz="914400" rtl="0" eaLnBrk="1" latinLnBrk="0" hangingPunct="1">
+              <a:defRPr sz="1800" kern="1200">
+                <a:solidFill>
+                  <a:schemeClr val="lt1"/>
+                </a:solidFill>
+                <a:latin typeface="+mn-lt"/>
+                <a:ea typeface="+mn-ea"/>
+                <a:cs typeface="+mn-cs"/>
+              </a:defRPr>
+            </a:lvl8pPr>
+            <a:lvl9pPr marL="3657600" algn="l" defTabSz="914400" rtl="0" eaLnBrk="1" latinLnBrk="0" hangingPunct="1">
+              <a:defRPr sz="1800" kern="1200">
+                <a:solidFill>
+                  <a:schemeClr val="lt1"/>
+                </a:solidFill>
+                <a:latin typeface="+mn-lt"/>
+                <a:ea typeface="+mn-ea"/>
+                <a:cs typeface="+mn-cs"/>
+              </a:defRPr>
+            </a:lvl9pPr>
+          </a:lstStyle>
+          <a:p>
+            <a:pPr algn="ctr"/>
+            <a:r>
+              <a:rPr lang="en-US" sz="5400" dirty="0" err="1">
+                <a:solidFill>
+                  <a:schemeClr val="accent4"/>
+                </a:solidFill>
+              </a:rPr>
+              <a:t>F#m</a:t>
+            </a:r>
+            <a:endParaRPr lang="en-PH" sz="5400" dirty="0">
+              <a:solidFill>
+                <a:schemeClr val="accent4"/>
+              </a:solidFill>
+            </a:endParaRPr>
+          </a:p>
+        </p:txBody>
+      </p:sp>
+      <p:sp>
+        <p:nvSpPr>
+          <p:cNvPr id="4" name="Rectangle 3">
+            <a:extLst>
+              <a:ext uri="{FF2B5EF4-FFF2-40B4-BE49-F238E27FC236}">
+                <a16:creationId xmlns:a16="http://schemas.microsoft.com/office/drawing/2014/main" id="{B8E0EC46-FD27-488A-9FF2-E4390245DAC0}"/>
+              </a:ext>
+            </a:extLst>
+          </p:cNvPr>
+          <p:cNvSpPr/>
+          <p:nvPr/>
+        </p:nvSpPr>
+        <p:spPr>
+          <a:xfrm>
+            <a:off x="6209261" y="973100"/>
+            <a:ext cx="1786597" cy="970671"/>
+          </a:xfrm>
+          <a:prstGeom prst="rect">
+            <a:avLst/>
+          </a:prstGeom>
+          <a:noFill/>
+          <a:ln>
+            <a:noFill/>
+          </a:ln>
+        </p:spPr>
+        <p:style>
+          <a:lnRef idx="2">
+            <a:schemeClr val="accent1">
+              <a:shade val="50000"/>
+            </a:schemeClr>
+          </a:lnRef>
+          <a:fillRef idx="1">
+            <a:schemeClr val="accent1"/>
+          </a:fillRef>
+          <a:effectRef idx="0">
+            <a:schemeClr val="accent1"/>
+          </a:effectRef>
+          <a:fontRef idx="minor">
+            <a:schemeClr val="lt1"/>
+          </a:fontRef>
+        </p:style>
+        <p:txBody>
+          <a:bodyPr rtlCol="0" anchor="ctr"/>
+          <a:lstStyle>
+            <a:defPPr>
+              <a:defRPr lang="en-US"/>
+            </a:defPPr>
+            <a:lvl1pPr marL="0" algn="l" defTabSz="914400" rtl="0" eaLnBrk="1" latinLnBrk="0" hangingPunct="1">
+              <a:defRPr sz="1800" kern="1200">
+                <a:solidFill>
+                  <a:schemeClr val="lt1"/>
+                </a:solidFill>
+                <a:latin typeface="+mn-lt"/>
+                <a:ea typeface="+mn-ea"/>
+                <a:cs typeface="+mn-cs"/>
+              </a:defRPr>
+            </a:lvl1pPr>
+            <a:lvl2pPr marL="457200" algn="l" defTabSz="914400" rtl="0" eaLnBrk="1" latinLnBrk="0" hangingPunct="1">
+              <a:defRPr sz="1800" kern="1200">
+                <a:solidFill>
+                  <a:schemeClr val="lt1"/>
+                </a:solidFill>
+                <a:latin typeface="+mn-lt"/>
+                <a:ea typeface="+mn-ea"/>
+                <a:cs typeface="+mn-cs"/>
+              </a:defRPr>
+            </a:lvl2pPr>
+            <a:lvl3pPr marL="914400" algn="l" defTabSz="914400" rtl="0" eaLnBrk="1" latinLnBrk="0" hangingPunct="1">
+              <a:defRPr sz="1800" kern="1200">
+                <a:solidFill>
+                  <a:schemeClr val="lt1"/>
+                </a:solidFill>
+                <a:latin typeface="+mn-lt"/>
+                <a:ea typeface="+mn-ea"/>
+                <a:cs typeface="+mn-cs"/>
+              </a:defRPr>
+            </a:lvl3pPr>
+            <a:lvl4pPr marL="1371600" algn="l" defTabSz="914400" rtl="0" eaLnBrk="1" latinLnBrk="0" hangingPunct="1">
+              <a:defRPr sz="1800" kern="1200">
+                <a:solidFill>
+                  <a:schemeClr val="lt1"/>
+                </a:solidFill>
+                <a:latin typeface="+mn-lt"/>
+                <a:ea typeface="+mn-ea"/>
+                <a:cs typeface="+mn-cs"/>
+              </a:defRPr>
+            </a:lvl4pPr>
+            <a:lvl5pPr marL="1828800" algn="l" defTabSz="914400" rtl="0" eaLnBrk="1" latinLnBrk="0" hangingPunct="1">
+              <a:defRPr sz="1800" kern="1200">
+                <a:solidFill>
+                  <a:schemeClr val="lt1"/>
+                </a:solidFill>
+                <a:latin typeface="+mn-lt"/>
+                <a:ea typeface="+mn-ea"/>
+                <a:cs typeface="+mn-cs"/>
+              </a:defRPr>
+            </a:lvl5pPr>
+            <a:lvl6pPr marL="2286000" algn="l" defTabSz="914400" rtl="0" eaLnBrk="1" latinLnBrk="0" hangingPunct="1">
+              <a:defRPr sz="1800" kern="1200">
+                <a:solidFill>
+                  <a:schemeClr val="lt1"/>
+                </a:solidFill>
+                <a:latin typeface="+mn-lt"/>
+                <a:ea typeface="+mn-ea"/>
+                <a:cs typeface="+mn-cs"/>
+              </a:defRPr>
+            </a:lvl6pPr>
+            <a:lvl7pPr marL="2743200" algn="l" defTabSz="914400" rtl="0" eaLnBrk="1" latinLnBrk="0" hangingPunct="1">
+              <a:defRPr sz="1800" kern="1200">
+                <a:solidFill>
+                  <a:schemeClr val="lt1"/>
+                </a:solidFill>
+                <a:latin typeface="+mn-lt"/>
+                <a:ea typeface="+mn-ea"/>
+                <a:cs typeface="+mn-cs"/>
+              </a:defRPr>
+            </a:lvl7pPr>
+            <a:lvl8pPr marL="3200400" algn="l" defTabSz="914400" rtl="0" eaLnBrk="1" latinLnBrk="0" hangingPunct="1">
+              <a:defRPr sz="1800" kern="1200">
+                <a:solidFill>
+                  <a:schemeClr val="lt1"/>
+                </a:solidFill>
+                <a:latin typeface="+mn-lt"/>
+                <a:ea typeface="+mn-ea"/>
+                <a:cs typeface="+mn-cs"/>
+              </a:defRPr>
+            </a:lvl8pPr>
+            <a:lvl9pPr marL="3657600" algn="l" defTabSz="914400" rtl="0" eaLnBrk="1" latinLnBrk="0" hangingPunct="1">
+              <a:defRPr sz="1800" kern="1200">
+                <a:solidFill>
+                  <a:schemeClr val="lt1"/>
+                </a:solidFill>
+                <a:latin typeface="+mn-lt"/>
+                <a:ea typeface="+mn-ea"/>
+                <a:cs typeface="+mn-cs"/>
+              </a:defRPr>
+            </a:lvl9pPr>
+          </a:lstStyle>
+          <a:p>
+            <a:pPr algn="ctr"/>
+            <a:r>
+              <a:rPr lang="en-US" sz="5400" dirty="0" err="1">
+                <a:solidFill>
+                  <a:schemeClr val="accent4"/>
+                </a:solidFill>
+              </a:rPr>
+              <a:t>Bm</a:t>
+            </a:r>
+            <a:endParaRPr lang="en-PH" sz="5400" dirty="0">
+              <a:solidFill>
+                <a:schemeClr val="accent4"/>
+              </a:solidFill>
+            </a:endParaRPr>
+          </a:p>
+        </p:txBody>
+      </p:sp>
+      <p:sp>
+        <p:nvSpPr>
+          <p:cNvPr id="5" name="Rectangle 4">
+            <a:extLst>
+              <a:ext uri="{FF2B5EF4-FFF2-40B4-BE49-F238E27FC236}">
+                <a16:creationId xmlns:a16="http://schemas.microsoft.com/office/drawing/2014/main" id="{94A47F6B-9EF2-4EAD-817B-13EED624B660}"/>
+              </a:ext>
+            </a:extLst>
+          </p:cNvPr>
+          <p:cNvSpPr/>
+          <p:nvPr/>
+        </p:nvSpPr>
+        <p:spPr>
+          <a:xfrm>
+            <a:off x="3955157" y="2270272"/>
+            <a:ext cx="1786597" cy="970671"/>
+          </a:xfrm>
+          <a:prstGeom prst="rect">
+            <a:avLst/>
+          </a:prstGeom>
+          <a:noFill/>
+          <a:ln>
+            <a:noFill/>
+          </a:ln>
+        </p:spPr>
+        <p:style>
+          <a:lnRef idx="2">
+            <a:schemeClr val="accent1">
+              <a:shade val="50000"/>
+            </a:schemeClr>
+          </a:lnRef>
+          <a:fillRef idx="1">
+            <a:schemeClr val="accent1"/>
+          </a:fillRef>
+          <a:effectRef idx="0">
+            <a:schemeClr val="accent1"/>
+          </a:effectRef>
+          <a:fontRef idx="minor">
+            <a:schemeClr val="lt1"/>
+          </a:fontRef>
+        </p:style>
+        <p:txBody>
+          <a:bodyPr rtlCol="0" anchor="ctr"/>
+          <a:lstStyle>
+            <a:defPPr>
+              <a:defRPr lang="en-US"/>
+            </a:defPPr>
+            <a:lvl1pPr marL="0" algn="l" defTabSz="914400" rtl="0" eaLnBrk="1" latinLnBrk="0" hangingPunct="1">
+              <a:defRPr sz="1800" kern="1200">
+                <a:solidFill>
+                  <a:schemeClr val="lt1"/>
+                </a:solidFill>
+                <a:latin typeface="+mn-lt"/>
+                <a:ea typeface="+mn-ea"/>
+                <a:cs typeface="+mn-cs"/>
+              </a:defRPr>
+            </a:lvl1pPr>
+            <a:lvl2pPr marL="457200" algn="l" defTabSz="914400" rtl="0" eaLnBrk="1" latinLnBrk="0" hangingPunct="1">
+              <a:defRPr sz="1800" kern="1200">
+                <a:solidFill>
+                  <a:schemeClr val="lt1"/>
+                </a:solidFill>
+                <a:latin typeface="+mn-lt"/>
+                <a:ea typeface="+mn-ea"/>
+                <a:cs typeface="+mn-cs"/>
+              </a:defRPr>
+            </a:lvl2pPr>
+            <a:lvl3pPr marL="914400" algn="l" defTabSz="914400" rtl="0" eaLnBrk="1" latinLnBrk="0" hangingPunct="1">
+              <a:defRPr sz="1800" kern="1200">
+                <a:solidFill>
+                  <a:schemeClr val="lt1"/>
+                </a:solidFill>
+                <a:latin typeface="+mn-lt"/>
+                <a:ea typeface="+mn-ea"/>
+                <a:cs typeface="+mn-cs"/>
+              </a:defRPr>
+            </a:lvl3pPr>
+            <a:lvl4pPr marL="1371600" algn="l" defTabSz="914400" rtl="0" eaLnBrk="1" latinLnBrk="0" hangingPunct="1">
+              <a:defRPr sz="1800" kern="1200">
+                <a:solidFill>
+                  <a:schemeClr val="lt1"/>
+                </a:solidFill>
+                <a:latin typeface="+mn-lt"/>
+                <a:ea typeface="+mn-ea"/>
+                <a:cs typeface="+mn-cs"/>
+              </a:defRPr>
+            </a:lvl4pPr>
+            <a:lvl5pPr marL="1828800" algn="l" defTabSz="914400" rtl="0" eaLnBrk="1" latinLnBrk="0" hangingPunct="1">
+              <a:defRPr sz="1800" kern="1200">
+                <a:solidFill>
+                  <a:schemeClr val="lt1"/>
+                </a:solidFill>
+                <a:latin typeface="+mn-lt"/>
+                <a:ea typeface="+mn-ea"/>
+                <a:cs typeface="+mn-cs"/>
+              </a:defRPr>
+            </a:lvl5pPr>
+            <a:lvl6pPr marL="2286000" algn="l" defTabSz="914400" rtl="0" eaLnBrk="1" latinLnBrk="0" hangingPunct="1">
+              <a:defRPr sz="1800" kern="1200">
+                <a:solidFill>
+                  <a:schemeClr val="lt1"/>
+                </a:solidFill>
+                <a:latin typeface="+mn-lt"/>
+                <a:ea typeface="+mn-ea"/>
+                <a:cs typeface="+mn-cs"/>
+              </a:defRPr>
+            </a:lvl6pPr>
+            <a:lvl7pPr marL="2743200" algn="l" defTabSz="914400" rtl="0" eaLnBrk="1" latinLnBrk="0" hangingPunct="1">
+              <a:defRPr sz="1800" kern="1200">
+                <a:solidFill>
+                  <a:schemeClr val="lt1"/>
+                </a:solidFill>
+                <a:latin typeface="+mn-lt"/>
+                <a:ea typeface="+mn-ea"/>
+                <a:cs typeface="+mn-cs"/>
+              </a:defRPr>
+            </a:lvl7pPr>
+            <a:lvl8pPr marL="3200400" algn="l" defTabSz="914400" rtl="0" eaLnBrk="1" latinLnBrk="0" hangingPunct="1">
+              <a:defRPr sz="1800" kern="1200">
+                <a:solidFill>
+                  <a:schemeClr val="lt1"/>
+                </a:solidFill>
+                <a:latin typeface="+mn-lt"/>
+                <a:ea typeface="+mn-ea"/>
+                <a:cs typeface="+mn-cs"/>
+              </a:defRPr>
+            </a:lvl8pPr>
+            <a:lvl9pPr marL="3657600" algn="l" defTabSz="914400" rtl="0" eaLnBrk="1" latinLnBrk="0" hangingPunct="1">
+              <a:defRPr sz="1800" kern="1200">
+                <a:solidFill>
+                  <a:schemeClr val="lt1"/>
+                </a:solidFill>
+                <a:latin typeface="+mn-lt"/>
+                <a:ea typeface="+mn-ea"/>
+                <a:cs typeface="+mn-cs"/>
+              </a:defRPr>
+            </a:lvl9pPr>
+          </a:lstStyle>
+          <a:p>
+            <a:pPr algn="ctr"/>
+            <a:r>
+              <a:rPr lang="en-US" sz="5400" dirty="0" err="1">
+                <a:solidFill>
+                  <a:schemeClr val="accent4"/>
+                </a:solidFill>
+              </a:rPr>
+              <a:t>Em</a:t>
+            </a:r>
+            <a:endParaRPr lang="en-PH" sz="5400" dirty="0">
+              <a:solidFill>
+                <a:schemeClr val="accent4"/>
+              </a:solidFill>
+            </a:endParaRPr>
+          </a:p>
+        </p:txBody>
+      </p:sp>
+      <p:sp>
+        <p:nvSpPr>
+          <p:cNvPr id="7" name="Rectangle 6">
+            <a:extLst>
+              <a:ext uri="{FF2B5EF4-FFF2-40B4-BE49-F238E27FC236}">
+                <a16:creationId xmlns:a16="http://schemas.microsoft.com/office/drawing/2014/main" id="{AD8132A8-94ED-4408-9B49-57C05492D139}"/>
+              </a:ext>
+            </a:extLst>
+          </p:cNvPr>
+          <p:cNvSpPr/>
+          <p:nvPr/>
+        </p:nvSpPr>
+        <p:spPr>
+          <a:xfrm>
+            <a:off x="4210341" y="3609973"/>
+            <a:ext cx="1786597" cy="970671"/>
+          </a:xfrm>
+          <a:prstGeom prst="rect">
+            <a:avLst/>
+          </a:prstGeom>
+          <a:noFill/>
+          <a:ln>
+            <a:noFill/>
+          </a:ln>
+        </p:spPr>
+        <p:style>
+          <a:lnRef idx="2">
+            <a:schemeClr val="accent1">
+              <a:shade val="50000"/>
+            </a:schemeClr>
+          </a:lnRef>
+          <a:fillRef idx="1">
+            <a:schemeClr val="accent1"/>
+          </a:fillRef>
+          <a:effectRef idx="0">
+            <a:schemeClr val="accent1"/>
+          </a:effectRef>
+          <a:fontRef idx="minor">
+            <a:schemeClr val="lt1"/>
+          </a:fontRef>
+        </p:style>
+        <p:txBody>
+          <a:bodyPr rtlCol="0" anchor="ctr"/>
+          <a:lstStyle>
+            <a:defPPr>
+              <a:defRPr lang="en-US"/>
+            </a:defPPr>
+            <a:lvl1pPr marL="0" algn="l" defTabSz="914400" rtl="0" eaLnBrk="1" latinLnBrk="0" hangingPunct="1">
+              <a:defRPr sz="1800" kern="1200">
+                <a:solidFill>
+                  <a:schemeClr val="lt1"/>
+                </a:solidFill>
+                <a:latin typeface="+mn-lt"/>
+                <a:ea typeface="+mn-ea"/>
+                <a:cs typeface="+mn-cs"/>
+              </a:defRPr>
+            </a:lvl1pPr>
+            <a:lvl2pPr marL="457200" algn="l" defTabSz="914400" rtl="0" eaLnBrk="1" latinLnBrk="0" hangingPunct="1">
+              <a:defRPr sz="1800" kern="1200">
+                <a:solidFill>
+                  <a:schemeClr val="lt1"/>
+                </a:solidFill>
+                <a:latin typeface="+mn-lt"/>
+                <a:ea typeface="+mn-ea"/>
+                <a:cs typeface="+mn-cs"/>
+              </a:defRPr>
+            </a:lvl2pPr>
+            <a:lvl3pPr marL="914400" algn="l" defTabSz="914400" rtl="0" eaLnBrk="1" latinLnBrk="0" hangingPunct="1">
+              <a:defRPr sz="1800" kern="1200">
+                <a:solidFill>
+                  <a:schemeClr val="lt1"/>
+                </a:solidFill>
+                <a:latin typeface="+mn-lt"/>
+                <a:ea typeface="+mn-ea"/>
+                <a:cs typeface="+mn-cs"/>
+              </a:defRPr>
+            </a:lvl3pPr>
+            <a:lvl4pPr marL="1371600" algn="l" defTabSz="914400" rtl="0" eaLnBrk="1" latinLnBrk="0" hangingPunct="1">
+              <a:defRPr sz="1800" kern="1200">
+                <a:solidFill>
+                  <a:schemeClr val="lt1"/>
+                </a:solidFill>
+                <a:latin typeface="+mn-lt"/>
+                <a:ea typeface="+mn-ea"/>
+                <a:cs typeface="+mn-cs"/>
+              </a:defRPr>
+            </a:lvl4pPr>
+            <a:lvl5pPr marL="1828800" algn="l" defTabSz="914400" rtl="0" eaLnBrk="1" latinLnBrk="0" hangingPunct="1">
+              <a:defRPr sz="1800" kern="1200">
+                <a:solidFill>
+                  <a:schemeClr val="lt1"/>
+                </a:solidFill>
+                <a:latin typeface="+mn-lt"/>
+                <a:ea typeface="+mn-ea"/>
+                <a:cs typeface="+mn-cs"/>
+              </a:defRPr>
+            </a:lvl5pPr>
+            <a:lvl6pPr marL="2286000" algn="l" defTabSz="914400" rtl="0" eaLnBrk="1" latinLnBrk="0" hangingPunct="1">
+              <a:defRPr sz="1800" kern="1200">
+                <a:solidFill>
+                  <a:schemeClr val="lt1"/>
+                </a:solidFill>
+                <a:latin typeface="+mn-lt"/>
+                <a:ea typeface="+mn-ea"/>
+                <a:cs typeface="+mn-cs"/>
+              </a:defRPr>
+            </a:lvl6pPr>
+            <a:lvl7pPr marL="2743200" algn="l" defTabSz="914400" rtl="0" eaLnBrk="1" latinLnBrk="0" hangingPunct="1">
+              <a:defRPr sz="1800" kern="1200">
+                <a:solidFill>
+                  <a:schemeClr val="lt1"/>
+                </a:solidFill>
+                <a:latin typeface="+mn-lt"/>
+                <a:ea typeface="+mn-ea"/>
+                <a:cs typeface="+mn-cs"/>
+              </a:defRPr>
+            </a:lvl7pPr>
+            <a:lvl8pPr marL="3200400" algn="l" defTabSz="914400" rtl="0" eaLnBrk="1" latinLnBrk="0" hangingPunct="1">
+              <a:defRPr sz="1800" kern="1200">
+                <a:solidFill>
+                  <a:schemeClr val="lt1"/>
+                </a:solidFill>
+                <a:latin typeface="+mn-lt"/>
+                <a:ea typeface="+mn-ea"/>
+                <a:cs typeface="+mn-cs"/>
+              </a:defRPr>
+            </a:lvl8pPr>
+            <a:lvl9pPr marL="3657600" algn="l" defTabSz="914400" rtl="0" eaLnBrk="1" latinLnBrk="0" hangingPunct="1">
+              <a:defRPr sz="1800" kern="1200">
+                <a:solidFill>
+                  <a:schemeClr val="lt1"/>
+                </a:solidFill>
+                <a:latin typeface="+mn-lt"/>
+                <a:ea typeface="+mn-ea"/>
+                <a:cs typeface="+mn-cs"/>
+              </a:defRPr>
+            </a:lvl9pPr>
+          </a:lstStyle>
+          <a:p>
+            <a:pPr algn="ctr"/>
+            <a:r>
+              <a:rPr lang="en-US" sz="5400" dirty="0">
+                <a:solidFill>
+                  <a:schemeClr val="accent4"/>
+                </a:solidFill>
+              </a:rPr>
+              <a:t>A</a:t>
+            </a:r>
+            <a:endParaRPr lang="en-PH" sz="5400" dirty="0">
+              <a:solidFill>
+                <a:schemeClr val="accent4"/>
+              </a:solidFill>
+            </a:endParaRPr>
+          </a:p>
+        </p:txBody>
+      </p:sp>
+      <p:sp>
+        <p:nvSpPr>
+          <p:cNvPr id="8" name="Rectangle 7">
+            <a:extLst>
+              <a:ext uri="{FF2B5EF4-FFF2-40B4-BE49-F238E27FC236}">
+                <a16:creationId xmlns:a16="http://schemas.microsoft.com/office/drawing/2014/main" id="{CA5D756F-68A4-4529-8E59-9C75EFAF32D9}"/>
+              </a:ext>
+            </a:extLst>
+          </p:cNvPr>
+          <p:cNvSpPr/>
+          <p:nvPr/>
+        </p:nvSpPr>
+        <p:spPr>
+          <a:xfrm>
+            <a:off x="6634561" y="4999289"/>
+            <a:ext cx="1786597" cy="970671"/>
+          </a:xfrm>
+          <a:prstGeom prst="rect">
+            <a:avLst/>
+          </a:prstGeom>
+          <a:noFill/>
+          <a:ln>
+            <a:noFill/>
+          </a:ln>
+        </p:spPr>
+        <p:style>
+          <a:lnRef idx="2">
+            <a:schemeClr val="accent1">
+              <a:shade val="50000"/>
+            </a:schemeClr>
+          </a:lnRef>
+          <a:fillRef idx="1">
+            <a:schemeClr val="accent1"/>
+          </a:fillRef>
+          <a:effectRef idx="0">
+            <a:schemeClr val="accent1"/>
+          </a:effectRef>
+          <a:fontRef idx="minor">
+            <a:schemeClr val="lt1"/>
+          </a:fontRef>
+        </p:style>
+        <p:txBody>
+          <a:bodyPr rtlCol="0" anchor="ctr"/>
+          <a:lstStyle>
+            <a:defPPr>
+              <a:defRPr lang="en-US"/>
+            </a:defPPr>
+            <a:lvl1pPr marL="0" algn="l" defTabSz="914400" rtl="0" eaLnBrk="1" latinLnBrk="0" hangingPunct="1">
+              <a:defRPr sz="1800" kern="1200">
+                <a:solidFill>
+                  <a:schemeClr val="lt1"/>
+                </a:solidFill>
+                <a:latin typeface="+mn-lt"/>
+                <a:ea typeface="+mn-ea"/>
+                <a:cs typeface="+mn-cs"/>
+              </a:defRPr>
+            </a:lvl1pPr>
+            <a:lvl2pPr marL="457200" algn="l" defTabSz="914400" rtl="0" eaLnBrk="1" latinLnBrk="0" hangingPunct="1">
+              <a:defRPr sz="1800" kern="1200">
+                <a:solidFill>
+                  <a:schemeClr val="lt1"/>
+                </a:solidFill>
+                <a:latin typeface="+mn-lt"/>
+                <a:ea typeface="+mn-ea"/>
+                <a:cs typeface="+mn-cs"/>
+              </a:defRPr>
+            </a:lvl2pPr>
+            <a:lvl3pPr marL="914400" algn="l" defTabSz="914400" rtl="0" eaLnBrk="1" latinLnBrk="0" hangingPunct="1">
+              <a:defRPr sz="1800" kern="1200">
+                <a:solidFill>
+                  <a:schemeClr val="lt1"/>
+                </a:solidFill>
+                <a:latin typeface="+mn-lt"/>
+                <a:ea typeface="+mn-ea"/>
+                <a:cs typeface="+mn-cs"/>
+              </a:defRPr>
+            </a:lvl3pPr>
+            <a:lvl4pPr marL="1371600" algn="l" defTabSz="914400" rtl="0" eaLnBrk="1" latinLnBrk="0" hangingPunct="1">
+              <a:defRPr sz="1800" kern="1200">
+                <a:solidFill>
+                  <a:schemeClr val="lt1"/>
+                </a:solidFill>
+                <a:latin typeface="+mn-lt"/>
+                <a:ea typeface="+mn-ea"/>
+                <a:cs typeface="+mn-cs"/>
+              </a:defRPr>
+            </a:lvl4pPr>
+            <a:lvl5pPr marL="1828800" algn="l" defTabSz="914400" rtl="0" eaLnBrk="1" latinLnBrk="0" hangingPunct="1">
+              <a:defRPr sz="1800" kern="1200">
+                <a:solidFill>
+                  <a:schemeClr val="lt1"/>
+                </a:solidFill>
+                <a:latin typeface="+mn-lt"/>
+                <a:ea typeface="+mn-ea"/>
+                <a:cs typeface="+mn-cs"/>
+              </a:defRPr>
+            </a:lvl5pPr>
+            <a:lvl6pPr marL="2286000" algn="l" defTabSz="914400" rtl="0" eaLnBrk="1" latinLnBrk="0" hangingPunct="1">
+              <a:defRPr sz="1800" kern="1200">
+                <a:solidFill>
+                  <a:schemeClr val="lt1"/>
+                </a:solidFill>
+                <a:latin typeface="+mn-lt"/>
+                <a:ea typeface="+mn-ea"/>
+                <a:cs typeface="+mn-cs"/>
+              </a:defRPr>
+            </a:lvl6pPr>
+            <a:lvl7pPr marL="2743200" algn="l" defTabSz="914400" rtl="0" eaLnBrk="1" latinLnBrk="0" hangingPunct="1">
+              <a:defRPr sz="1800" kern="1200">
+                <a:solidFill>
+                  <a:schemeClr val="lt1"/>
+                </a:solidFill>
+                <a:latin typeface="+mn-lt"/>
+                <a:ea typeface="+mn-ea"/>
+                <a:cs typeface="+mn-cs"/>
+              </a:defRPr>
+            </a:lvl7pPr>
+            <a:lvl8pPr marL="3200400" algn="l" defTabSz="914400" rtl="0" eaLnBrk="1" latinLnBrk="0" hangingPunct="1">
+              <a:defRPr sz="1800" kern="1200">
+                <a:solidFill>
+                  <a:schemeClr val="lt1"/>
+                </a:solidFill>
+                <a:latin typeface="+mn-lt"/>
+                <a:ea typeface="+mn-ea"/>
+                <a:cs typeface="+mn-cs"/>
+              </a:defRPr>
+            </a:lvl8pPr>
+            <a:lvl9pPr marL="3657600" algn="l" defTabSz="914400" rtl="0" eaLnBrk="1" latinLnBrk="0" hangingPunct="1">
+              <a:defRPr sz="1800" kern="1200">
+                <a:solidFill>
+                  <a:schemeClr val="lt1"/>
+                </a:solidFill>
+                <a:latin typeface="+mn-lt"/>
+                <a:ea typeface="+mn-ea"/>
+                <a:cs typeface="+mn-cs"/>
+              </a:defRPr>
+            </a:lvl9pPr>
+          </a:lstStyle>
+          <a:p>
+            <a:pPr algn="ctr"/>
+            <a:r>
+              <a:rPr lang="en-US" sz="5400" dirty="0">
+                <a:solidFill>
+                  <a:schemeClr val="accent4"/>
+                </a:solidFill>
+              </a:rPr>
+              <a:t>D</a:t>
+            </a:r>
+            <a:endParaRPr lang="en-PH" sz="5400" dirty="0">
+              <a:solidFill>
+                <a:schemeClr val="accent4"/>
+              </a:solidFill>
+            </a:endParaRPr>
           </a:p>
         </p:txBody>
       </p:sp>
@@ -4253,17 +8941,17 @@
           <a:p>
             <a:pPr algn="ctr"/>
             <a:r>
-              <a:rPr lang="en-US" sz="11500" dirty="0">
+              <a:rPr lang="en-US" sz="9800" dirty="0">
                 <a:solidFill>
                   <a:schemeClr val="bg1"/>
                 </a:solidFill>
                 <a:latin typeface="Times New Roman" panose="02020603050405020304" pitchFamily="18" charset="0"/>
                 <a:cs typeface="Times New Roman" panose="02020603050405020304" pitchFamily="18" charset="0"/>
               </a:rPr>
-              <a:t>Lord Please Show Me Everyday</a:t>
+              <a:t>Lord, please show me everyday</a:t>
             </a:r>
             <a:br>
-              <a:rPr lang="en-US" sz="11500" dirty="0">
+              <a:rPr lang="en-US" sz="9800" dirty="0">
                 <a:solidFill>
                   <a:schemeClr val="bg1"/>
                 </a:solidFill>
@@ -4272,22 +8960,646 @@
               </a:rPr>
             </a:br>
             <a:r>
-              <a:rPr lang="en-US" sz="11500" dirty="0">
+              <a:rPr lang="en-US" sz="9800" dirty="0">
                 <a:solidFill>
                   <a:schemeClr val="bg1"/>
                 </a:solidFill>
                 <a:latin typeface="Times New Roman" panose="02020603050405020304" pitchFamily="18" charset="0"/>
                 <a:cs typeface="Times New Roman" panose="02020603050405020304" pitchFamily="18" charset="0"/>
               </a:rPr>
-              <a:t>As You're Teaching Me Your Way</a:t>
-            </a:r>
+              <a:t>As You’re teaching me Your way,</a:t>
+            </a:r>
+          </a:p>
+        </p:txBody>
+      </p:sp>
+      <p:sp>
+        <p:nvSpPr>
+          <p:cNvPr id="3" name="Rectangle 2">
+            <a:extLst>
+              <a:ext uri="{FF2B5EF4-FFF2-40B4-BE49-F238E27FC236}">
+                <a16:creationId xmlns:a16="http://schemas.microsoft.com/office/drawing/2014/main" id="{EE5961DF-945A-4835-A093-E105BCB0EBEC}"/>
+              </a:ext>
+            </a:extLst>
+          </p:cNvPr>
+          <p:cNvSpPr/>
+          <p:nvPr/>
+        </p:nvSpPr>
+        <p:spPr>
+          <a:xfrm>
+            <a:off x="6457344" y="157933"/>
+            <a:ext cx="1786597" cy="970671"/>
+          </a:xfrm>
+          <a:prstGeom prst="rect">
+            <a:avLst/>
+          </a:prstGeom>
+          <a:noFill/>
+          <a:ln>
+            <a:noFill/>
+          </a:ln>
+        </p:spPr>
+        <p:style>
+          <a:lnRef idx="2">
+            <a:schemeClr val="accent1">
+              <a:shade val="50000"/>
+            </a:schemeClr>
+          </a:lnRef>
+          <a:fillRef idx="1">
+            <a:schemeClr val="accent1"/>
+          </a:fillRef>
+          <a:effectRef idx="0">
+            <a:schemeClr val="accent1"/>
+          </a:effectRef>
+          <a:fontRef idx="minor">
+            <a:schemeClr val="lt1"/>
+          </a:fontRef>
+        </p:style>
+        <p:txBody>
+          <a:bodyPr rtlCol="0" anchor="ctr"/>
+          <a:lstStyle>
+            <a:defPPr>
+              <a:defRPr lang="en-US"/>
+            </a:defPPr>
+            <a:lvl1pPr marL="0" algn="l" defTabSz="914400" rtl="0" eaLnBrk="1" latinLnBrk="0" hangingPunct="1">
+              <a:defRPr sz="1800" kern="1200">
+                <a:solidFill>
+                  <a:schemeClr val="lt1"/>
+                </a:solidFill>
+                <a:latin typeface="+mn-lt"/>
+                <a:ea typeface="+mn-ea"/>
+                <a:cs typeface="+mn-cs"/>
+              </a:defRPr>
+            </a:lvl1pPr>
+            <a:lvl2pPr marL="457200" algn="l" defTabSz="914400" rtl="0" eaLnBrk="1" latinLnBrk="0" hangingPunct="1">
+              <a:defRPr sz="1800" kern="1200">
+                <a:solidFill>
+                  <a:schemeClr val="lt1"/>
+                </a:solidFill>
+                <a:latin typeface="+mn-lt"/>
+                <a:ea typeface="+mn-ea"/>
+                <a:cs typeface="+mn-cs"/>
+              </a:defRPr>
+            </a:lvl2pPr>
+            <a:lvl3pPr marL="914400" algn="l" defTabSz="914400" rtl="0" eaLnBrk="1" latinLnBrk="0" hangingPunct="1">
+              <a:defRPr sz="1800" kern="1200">
+                <a:solidFill>
+                  <a:schemeClr val="lt1"/>
+                </a:solidFill>
+                <a:latin typeface="+mn-lt"/>
+                <a:ea typeface="+mn-ea"/>
+                <a:cs typeface="+mn-cs"/>
+              </a:defRPr>
+            </a:lvl3pPr>
+            <a:lvl4pPr marL="1371600" algn="l" defTabSz="914400" rtl="0" eaLnBrk="1" latinLnBrk="0" hangingPunct="1">
+              <a:defRPr sz="1800" kern="1200">
+                <a:solidFill>
+                  <a:schemeClr val="lt1"/>
+                </a:solidFill>
+                <a:latin typeface="+mn-lt"/>
+                <a:ea typeface="+mn-ea"/>
+                <a:cs typeface="+mn-cs"/>
+              </a:defRPr>
+            </a:lvl4pPr>
+            <a:lvl5pPr marL="1828800" algn="l" defTabSz="914400" rtl="0" eaLnBrk="1" latinLnBrk="0" hangingPunct="1">
+              <a:defRPr sz="1800" kern="1200">
+                <a:solidFill>
+                  <a:schemeClr val="lt1"/>
+                </a:solidFill>
+                <a:latin typeface="+mn-lt"/>
+                <a:ea typeface="+mn-ea"/>
+                <a:cs typeface="+mn-cs"/>
+              </a:defRPr>
+            </a:lvl5pPr>
+            <a:lvl6pPr marL="2286000" algn="l" defTabSz="914400" rtl="0" eaLnBrk="1" latinLnBrk="0" hangingPunct="1">
+              <a:defRPr sz="1800" kern="1200">
+                <a:solidFill>
+                  <a:schemeClr val="lt1"/>
+                </a:solidFill>
+                <a:latin typeface="+mn-lt"/>
+                <a:ea typeface="+mn-ea"/>
+                <a:cs typeface="+mn-cs"/>
+              </a:defRPr>
+            </a:lvl6pPr>
+            <a:lvl7pPr marL="2743200" algn="l" defTabSz="914400" rtl="0" eaLnBrk="1" latinLnBrk="0" hangingPunct="1">
+              <a:defRPr sz="1800" kern="1200">
+                <a:solidFill>
+                  <a:schemeClr val="lt1"/>
+                </a:solidFill>
+                <a:latin typeface="+mn-lt"/>
+                <a:ea typeface="+mn-ea"/>
+                <a:cs typeface="+mn-cs"/>
+              </a:defRPr>
+            </a:lvl7pPr>
+            <a:lvl8pPr marL="3200400" algn="l" defTabSz="914400" rtl="0" eaLnBrk="1" latinLnBrk="0" hangingPunct="1">
+              <a:defRPr sz="1800" kern="1200">
+                <a:solidFill>
+                  <a:schemeClr val="lt1"/>
+                </a:solidFill>
+                <a:latin typeface="+mn-lt"/>
+                <a:ea typeface="+mn-ea"/>
+                <a:cs typeface="+mn-cs"/>
+              </a:defRPr>
+            </a:lvl8pPr>
+            <a:lvl9pPr marL="3657600" algn="l" defTabSz="914400" rtl="0" eaLnBrk="1" latinLnBrk="0" hangingPunct="1">
+              <a:defRPr sz="1800" kern="1200">
+                <a:solidFill>
+                  <a:schemeClr val="lt1"/>
+                </a:solidFill>
+                <a:latin typeface="+mn-lt"/>
+                <a:ea typeface="+mn-ea"/>
+                <a:cs typeface="+mn-cs"/>
+              </a:defRPr>
+            </a:lvl9pPr>
+          </a:lstStyle>
+          <a:p>
+            <a:pPr algn="ctr"/>
+            <a:r>
+              <a:rPr lang="en-US" sz="5400" dirty="0">
+                <a:solidFill>
+                  <a:schemeClr val="accent4"/>
+                </a:solidFill>
+              </a:rPr>
+              <a:t>G</a:t>
+            </a:r>
+            <a:endParaRPr lang="en-PH" sz="5400" dirty="0">
+              <a:solidFill>
+                <a:schemeClr val="accent4"/>
+              </a:solidFill>
+            </a:endParaRPr>
+          </a:p>
+        </p:txBody>
+      </p:sp>
+      <p:sp>
+        <p:nvSpPr>
+          <p:cNvPr id="4" name="Rectangle 3">
+            <a:extLst>
+              <a:ext uri="{FF2B5EF4-FFF2-40B4-BE49-F238E27FC236}">
+                <a16:creationId xmlns:a16="http://schemas.microsoft.com/office/drawing/2014/main" id="{8BDADAD3-7B26-4E7D-B657-11DFB416A661}"/>
+              </a:ext>
+            </a:extLst>
+          </p:cNvPr>
+          <p:cNvSpPr/>
+          <p:nvPr/>
+        </p:nvSpPr>
+        <p:spPr>
+          <a:xfrm>
+            <a:off x="6032043" y="1497629"/>
+            <a:ext cx="1786597" cy="970671"/>
+          </a:xfrm>
+          <a:prstGeom prst="rect">
+            <a:avLst/>
+          </a:prstGeom>
+          <a:noFill/>
+          <a:ln>
+            <a:noFill/>
+          </a:ln>
+        </p:spPr>
+        <p:style>
+          <a:lnRef idx="2">
+            <a:schemeClr val="accent1">
+              <a:shade val="50000"/>
+            </a:schemeClr>
+          </a:lnRef>
+          <a:fillRef idx="1">
+            <a:schemeClr val="accent1"/>
+          </a:fillRef>
+          <a:effectRef idx="0">
+            <a:schemeClr val="accent1"/>
+          </a:effectRef>
+          <a:fontRef idx="minor">
+            <a:schemeClr val="lt1"/>
+          </a:fontRef>
+        </p:style>
+        <p:txBody>
+          <a:bodyPr rtlCol="0" anchor="ctr"/>
+          <a:lstStyle>
+            <a:defPPr>
+              <a:defRPr lang="en-US"/>
+            </a:defPPr>
+            <a:lvl1pPr marL="0" algn="l" defTabSz="914400" rtl="0" eaLnBrk="1" latinLnBrk="0" hangingPunct="1">
+              <a:defRPr sz="1800" kern="1200">
+                <a:solidFill>
+                  <a:schemeClr val="lt1"/>
+                </a:solidFill>
+                <a:latin typeface="+mn-lt"/>
+                <a:ea typeface="+mn-ea"/>
+                <a:cs typeface="+mn-cs"/>
+              </a:defRPr>
+            </a:lvl1pPr>
+            <a:lvl2pPr marL="457200" algn="l" defTabSz="914400" rtl="0" eaLnBrk="1" latinLnBrk="0" hangingPunct="1">
+              <a:defRPr sz="1800" kern="1200">
+                <a:solidFill>
+                  <a:schemeClr val="lt1"/>
+                </a:solidFill>
+                <a:latin typeface="+mn-lt"/>
+                <a:ea typeface="+mn-ea"/>
+                <a:cs typeface="+mn-cs"/>
+              </a:defRPr>
+            </a:lvl2pPr>
+            <a:lvl3pPr marL="914400" algn="l" defTabSz="914400" rtl="0" eaLnBrk="1" latinLnBrk="0" hangingPunct="1">
+              <a:defRPr sz="1800" kern="1200">
+                <a:solidFill>
+                  <a:schemeClr val="lt1"/>
+                </a:solidFill>
+                <a:latin typeface="+mn-lt"/>
+                <a:ea typeface="+mn-ea"/>
+                <a:cs typeface="+mn-cs"/>
+              </a:defRPr>
+            </a:lvl3pPr>
+            <a:lvl4pPr marL="1371600" algn="l" defTabSz="914400" rtl="0" eaLnBrk="1" latinLnBrk="0" hangingPunct="1">
+              <a:defRPr sz="1800" kern="1200">
+                <a:solidFill>
+                  <a:schemeClr val="lt1"/>
+                </a:solidFill>
+                <a:latin typeface="+mn-lt"/>
+                <a:ea typeface="+mn-ea"/>
+                <a:cs typeface="+mn-cs"/>
+              </a:defRPr>
+            </a:lvl4pPr>
+            <a:lvl5pPr marL="1828800" algn="l" defTabSz="914400" rtl="0" eaLnBrk="1" latinLnBrk="0" hangingPunct="1">
+              <a:defRPr sz="1800" kern="1200">
+                <a:solidFill>
+                  <a:schemeClr val="lt1"/>
+                </a:solidFill>
+                <a:latin typeface="+mn-lt"/>
+                <a:ea typeface="+mn-ea"/>
+                <a:cs typeface="+mn-cs"/>
+              </a:defRPr>
+            </a:lvl5pPr>
+            <a:lvl6pPr marL="2286000" algn="l" defTabSz="914400" rtl="0" eaLnBrk="1" latinLnBrk="0" hangingPunct="1">
+              <a:defRPr sz="1800" kern="1200">
+                <a:solidFill>
+                  <a:schemeClr val="lt1"/>
+                </a:solidFill>
+                <a:latin typeface="+mn-lt"/>
+                <a:ea typeface="+mn-ea"/>
+                <a:cs typeface="+mn-cs"/>
+              </a:defRPr>
+            </a:lvl6pPr>
+            <a:lvl7pPr marL="2743200" algn="l" defTabSz="914400" rtl="0" eaLnBrk="1" latinLnBrk="0" hangingPunct="1">
+              <a:defRPr sz="1800" kern="1200">
+                <a:solidFill>
+                  <a:schemeClr val="lt1"/>
+                </a:solidFill>
+                <a:latin typeface="+mn-lt"/>
+                <a:ea typeface="+mn-ea"/>
+                <a:cs typeface="+mn-cs"/>
+              </a:defRPr>
+            </a:lvl7pPr>
+            <a:lvl8pPr marL="3200400" algn="l" defTabSz="914400" rtl="0" eaLnBrk="1" latinLnBrk="0" hangingPunct="1">
+              <a:defRPr sz="1800" kern="1200">
+                <a:solidFill>
+                  <a:schemeClr val="lt1"/>
+                </a:solidFill>
+                <a:latin typeface="+mn-lt"/>
+                <a:ea typeface="+mn-ea"/>
+                <a:cs typeface="+mn-cs"/>
+              </a:defRPr>
+            </a:lvl8pPr>
+            <a:lvl9pPr marL="3657600" algn="l" defTabSz="914400" rtl="0" eaLnBrk="1" latinLnBrk="0" hangingPunct="1">
+              <a:defRPr sz="1800" kern="1200">
+                <a:solidFill>
+                  <a:schemeClr val="lt1"/>
+                </a:solidFill>
+                <a:latin typeface="+mn-lt"/>
+                <a:ea typeface="+mn-ea"/>
+                <a:cs typeface="+mn-cs"/>
+              </a:defRPr>
+            </a:lvl9pPr>
+          </a:lstStyle>
+          <a:p>
+            <a:pPr algn="ctr"/>
+            <a:r>
+              <a:rPr lang="en-US" sz="5400" dirty="0">
+                <a:solidFill>
+                  <a:schemeClr val="accent4"/>
+                </a:solidFill>
+              </a:rPr>
+              <a:t>A</a:t>
+            </a:r>
+            <a:endParaRPr lang="en-PH" sz="5400" dirty="0">
+              <a:solidFill>
+                <a:schemeClr val="accent4"/>
+              </a:solidFill>
+            </a:endParaRPr>
+          </a:p>
+        </p:txBody>
+      </p:sp>
+      <p:sp>
+        <p:nvSpPr>
+          <p:cNvPr id="5" name="Rectangle 4">
+            <a:extLst>
+              <a:ext uri="{FF2B5EF4-FFF2-40B4-BE49-F238E27FC236}">
+                <a16:creationId xmlns:a16="http://schemas.microsoft.com/office/drawing/2014/main" id="{67D3BFF2-AC0D-499C-89B8-3E199139C6A9}"/>
+              </a:ext>
+            </a:extLst>
+          </p:cNvPr>
+          <p:cNvSpPr/>
+          <p:nvPr/>
+        </p:nvSpPr>
+        <p:spPr>
+          <a:xfrm>
+            <a:off x="7626924" y="3028719"/>
+            <a:ext cx="1786597" cy="970671"/>
+          </a:xfrm>
+          <a:prstGeom prst="rect">
+            <a:avLst/>
+          </a:prstGeom>
+          <a:noFill/>
+          <a:ln>
+            <a:noFill/>
+          </a:ln>
+        </p:spPr>
+        <p:style>
+          <a:lnRef idx="2">
+            <a:schemeClr val="accent1">
+              <a:shade val="50000"/>
+            </a:schemeClr>
+          </a:lnRef>
+          <a:fillRef idx="1">
+            <a:schemeClr val="accent1"/>
+          </a:fillRef>
+          <a:effectRef idx="0">
+            <a:schemeClr val="accent1"/>
+          </a:effectRef>
+          <a:fontRef idx="minor">
+            <a:schemeClr val="lt1"/>
+          </a:fontRef>
+        </p:style>
+        <p:txBody>
+          <a:bodyPr rtlCol="0" anchor="ctr"/>
+          <a:lstStyle>
+            <a:defPPr>
+              <a:defRPr lang="en-US"/>
+            </a:defPPr>
+            <a:lvl1pPr marL="0" algn="l" defTabSz="914400" rtl="0" eaLnBrk="1" latinLnBrk="0" hangingPunct="1">
+              <a:defRPr sz="1800" kern="1200">
+                <a:solidFill>
+                  <a:schemeClr val="lt1"/>
+                </a:solidFill>
+                <a:latin typeface="+mn-lt"/>
+                <a:ea typeface="+mn-ea"/>
+                <a:cs typeface="+mn-cs"/>
+              </a:defRPr>
+            </a:lvl1pPr>
+            <a:lvl2pPr marL="457200" algn="l" defTabSz="914400" rtl="0" eaLnBrk="1" latinLnBrk="0" hangingPunct="1">
+              <a:defRPr sz="1800" kern="1200">
+                <a:solidFill>
+                  <a:schemeClr val="lt1"/>
+                </a:solidFill>
+                <a:latin typeface="+mn-lt"/>
+                <a:ea typeface="+mn-ea"/>
+                <a:cs typeface="+mn-cs"/>
+              </a:defRPr>
+            </a:lvl2pPr>
+            <a:lvl3pPr marL="914400" algn="l" defTabSz="914400" rtl="0" eaLnBrk="1" latinLnBrk="0" hangingPunct="1">
+              <a:defRPr sz="1800" kern="1200">
+                <a:solidFill>
+                  <a:schemeClr val="lt1"/>
+                </a:solidFill>
+                <a:latin typeface="+mn-lt"/>
+                <a:ea typeface="+mn-ea"/>
+                <a:cs typeface="+mn-cs"/>
+              </a:defRPr>
+            </a:lvl3pPr>
+            <a:lvl4pPr marL="1371600" algn="l" defTabSz="914400" rtl="0" eaLnBrk="1" latinLnBrk="0" hangingPunct="1">
+              <a:defRPr sz="1800" kern="1200">
+                <a:solidFill>
+                  <a:schemeClr val="lt1"/>
+                </a:solidFill>
+                <a:latin typeface="+mn-lt"/>
+                <a:ea typeface="+mn-ea"/>
+                <a:cs typeface="+mn-cs"/>
+              </a:defRPr>
+            </a:lvl4pPr>
+            <a:lvl5pPr marL="1828800" algn="l" defTabSz="914400" rtl="0" eaLnBrk="1" latinLnBrk="0" hangingPunct="1">
+              <a:defRPr sz="1800" kern="1200">
+                <a:solidFill>
+                  <a:schemeClr val="lt1"/>
+                </a:solidFill>
+                <a:latin typeface="+mn-lt"/>
+                <a:ea typeface="+mn-ea"/>
+                <a:cs typeface="+mn-cs"/>
+              </a:defRPr>
+            </a:lvl5pPr>
+            <a:lvl6pPr marL="2286000" algn="l" defTabSz="914400" rtl="0" eaLnBrk="1" latinLnBrk="0" hangingPunct="1">
+              <a:defRPr sz="1800" kern="1200">
+                <a:solidFill>
+                  <a:schemeClr val="lt1"/>
+                </a:solidFill>
+                <a:latin typeface="+mn-lt"/>
+                <a:ea typeface="+mn-ea"/>
+                <a:cs typeface="+mn-cs"/>
+              </a:defRPr>
+            </a:lvl6pPr>
+            <a:lvl7pPr marL="2743200" algn="l" defTabSz="914400" rtl="0" eaLnBrk="1" latinLnBrk="0" hangingPunct="1">
+              <a:defRPr sz="1800" kern="1200">
+                <a:solidFill>
+                  <a:schemeClr val="lt1"/>
+                </a:solidFill>
+                <a:latin typeface="+mn-lt"/>
+                <a:ea typeface="+mn-ea"/>
+                <a:cs typeface="+mn-cs"/>
+              </a:defRPr>
+            </a:lvl7pPr>
+            <a:lvl8pPr marL="3200400" algn="l" defTabSz="914400" rtl="0" eaLnBrk="1" latinLnBrk="0" hangingPunct="1">
+              <a:defRPr sz="1800" kern="1200">
+                <a:solidFill>
+                  <a:schemeClr val="lt1"/>
+                </a:solidFill>
+                <a:latin typeface="+mn-lt"/>
+                <a:ea typeface="+mn-ea"/>
+                <a:cs typeface="+mn-cs"/>
+              </a:defRPr>
+            </a:lvl8pPr>
+            <a:lvl9pPr marL="3657600" algn="l" defTabSz="914400" rtl="0" eaLnBrk="1" latinLnBrk="0" hangingPunct="1">
+              <a:defRPr sz="1800" kern="1200">
+                <a:solidFill>
+                  <a:schemeClr val="lt1"/>
+                </a:solidFill>
+                <a:latin typeface="+mn-lt"/>
+                <a:ea typeface="+mn-ea"/>
+                <a:cs typeface="+mn-cs"/>
+              </a:defRPr>
+            </a:lvl9pPr>
+          </a:lstStyle>
+          <a:p>
+            <a:pPr algn="ctr"/>
+            <a:r>
+              <a:rPr lang="en-US" sz="5400" dirty="0" err="1">
+                <a:solidFill>
+                  <a:schemeClr val="accent4"/>
+                </a:solidFill>
+              </a:rPr>
+              <a:t>F#m</a:t>
+            </a:r>
+            <a:endParaRPr lang="en-PH" sz="5400" dirty="0">
+              <a:solidFill>
+                <a:schemeClr val="accent4"/>
+              </a:solidFill>
+            </a:endParaRPr>
+          </a:p>
+        </p:txBody>
+      </p:sp>
+      <p:sp>
+        <p:nvSpPr>
+          <p:cNvPr id="7" name="Rectangle 6">
+            <a:extLst>
+              <a:ext uri="{FF2B5EF4-FFF2-40B4-BE49-F238E27FC236}">
+                <a16:creationId xmlns:a16="http://schemas.microsoft.com/office/drawing/2014/main" id="{DF789969-718E-4DB9-BAC1-8FA744A7DD4B}"/>
+              </a:ext>
+            </a:extLst>
+          </p:cNvPr>
+          <p:cNvSpPr/>
+          <p:nvPr/>
+        </p:nvSpPr>
+        <p:spPr>
+          <a:xfrm>
+            <a:off x="5819393" y="4368431"/>
+            <a:ext cx="1786597" cy="970671"/>
+          </a:xfrm>
+          <a:prstGeom prst="rect">
+            <a:avLst/>
+          </a:prstGeom>
+          <a:noFill/>
+          <a:ln>
+            <a:noFill/>
+          </a:ln>
+        </p:spPr>
+        <p:style>
+          <a:lnRef idx="2">
+            <a:schemeClr val="accent1">
+              <a:shade val="50000"/>
+            </a:schemeClr>
+          </a:lnRef>
+          <a:fillRef idx="1">
+            <a:schemeClr val="accent1"/>
+          </a:fillRef>
+          <a:effectRef idx="0">
+            <a:schemeClr val="accent1"/>
+          </a:effectRef>
+          <a:fontRef idx="minor">
+            <a:schemeClr val="lt1"/>
+          </a:fontRef>
+        </p:style>
+        <p:txBody>
+          <a:bodyPr rtlCol="0" anchor="ctr"/>
+          <a:lstStyle>
+            <a:defPPr>
+              <a:defRPr lang="en-US"/>
+            </a:defPPr>
+            <a:lvl1pPr marL="0" algn="l" defTabSz="914400" rtl="0" eaLnBrk="1" latinLnBrk="0" hangingPunct="1">
+              <a:defRPr sz="1800" kern="1200">
+                <a:solidFill>
+                  <a:schemeClr val="lt1"/>
+                </a:solidFill>
+                <a:latin typeface="+mn-lt"/>
+                <a:ea typeface="+mn-ea"/>
+                <a:cs typeface="+mn-cs"/>
+              </a:defRPr>
+            </a:lvl1pPr>
+            <a:lvl2pPr marL="457200" algn="l" defTabSz="914400" rtl="0" eaLnBrk="1" latinLnBrk="0" hangingPunct="1">
+              <a:defRPr sz="1800" kern="1200">
+                <a:solidFill>
+                  <a:schemeClr val="lt1"/>
+                </a:solidFill>
+                <a:latin typeface="+mn-lt"/>
+                <a:ea typeface="+mn-ea"/>
+                <a:cs typeface="+mn-cs"/>
+              </a:defRPr>
+            </a:lvl2pPr>
+            <a:lvl3pPr marL="914400" algn="l" defTabSz="914400" rtl="0" eaLnBrk="1" latinLnBrk="0" hangingPunct="1">
+              <a:defRPr sz="1800" kern="1200">
+                <a:solidFill>
+                  <a:schemeClr val="lt1"/>
+                </a:solidFill>
+                <a:latin typeface="+mn-lt"/>
+                <a:ea typeface="+mn-ea"/>
+                <a:cs typeface="+mn-cs"/>
+              </a:defRPr>
+            </a:lvl3pPr>
+            <a:lvl4pPr marL="1371600" algn="l" defTabSz="914400" rtl="0" eaLnBrk="1" latinLnBrk="0" hangingPunct="1">
+              <a:defRPr sz="1800" kern="1200">
+                <a:solidFill>
+                  <a:schemeClr val="lt1"/>
+                </a:solidFill>
+                <a:latin typeface="+mn-lt"/>
+                <a:ea typeface="+mn-ea"/>
+                <a:cs typeface="+mn-cs"/>
+              </a:defRPr>
+            </a:lvl4pPr>
+            <a:lvl5pPr marL="1828800" algn="l" defTabSz="914400" rtl="0" eaLnBrk="1" latinLnBrk="0" hangingPunct="1">
+              <a:defRPr sz="1800" kern="1200">
+                <a:solidFill>
+                  <a:schemeClr val="lt1"/>
+                </a:solidFill>
+                <a:latin typeface="+mn-lt"/>
+                <a:ea typeface="+mn-ea"/>
+                <a:cs typeface="+mn-cs"/>
+              </a:defRPr>
+            </a:lvl5pPr>
+            <a:lvl6pPr marL="2286000" algn="l" defTabSz="914400" rtl="0" eaLnBrk="1" latinLnBrk="0" hangingPunct="1">
+              <a:defRPr sz="1800" kern="1200">
+                <a:solidFill>
+                  <a:schemeClr val="lt1"/>
+                </a:solidFill>
+                <a:latin typeface="+mn-lt"/>
+                <a:ea typeface="+mn-ea"/>
+                <a:cs typeface="+mn-cs"/>
+              </a:defRPr>
+            </a:lvl6pPr>
+            <a:lvl7pPr marL="2743200" algn="l" defTabSz="914400" rtl="0" eaLnBrk="1" latinLnBrk="0" hangingPunct="1">
+              <a:defRPr sz="1800" kern="1200">
+                <a:solidFill>
+                  <a:schemeClr val="lt1"/>
+                </a:solidFill>
+                <a:latin typeface="+mn-lt"/>
+                <a:ea typeface="+mn-ea"/>
+                <a:cs typeface="+mn-cs"/>
+              </a:defRPr>
+            </a:lvl7pPr>
+            <a:lvl8pPr marL="3200400" algn="l" defTabSz="914400" rtl="0" eaLnBrk="1" latinLnBrk="0" hangingPunct="1">
+              <a:defRPr sz="1800" kern="1200">
+                <a:solidFill>
+                  <a:schemeClr val="lt1"/>
+                </a:solidFill>
+                <a:latin typeface="+mn-lt"/>
+                <a:ea typeface="+mn-ea"/>
+                <a:cs typeface="+mn-cs"/>
+              </a:defRPr>
+            </a:lvl8pPr>
+            <a:lvl9pPr marL="3657600" algn="l" defTabSz="914400" rtl="0" eaLnBrk="1" latinLnBrk="0" hangingPunct="1">
+              <a:defRPr sz="1800" kern="1200">
+                <a:solidFill>
+                  <a:schemeClr val="lt1"/>
+                </a:solidFill>
+                <a:latin typeface="+mn-lt"/>
+                <a:ea typeface="+mn-ea"/>
+                <a:cs typeface="+mn-cs"/>
+              </a:defRPr>
+            </a:lvl9pPr>
+          </a:lstStyle>
+          <a:p>
+            <a:pPr algn="ctr"/>
+            <a:r>
+              <a:rPr lang="en-US" sz="5400" dirty="0" err="1">
+                <a:solidFill>
+                  <a:schemeClr val="accent4"/>
+                </a:solidFill>
+              </a:rPr>
+              <a:t>Bm</a:t>
+            </a:r>
+            <a:endParaRPr lang="en-PH" sz="5400" dirty="0">
+              <a:solidFill>
+                <a:schemeClr val="accent4"/>
+              </a:solidFill>
+            </a:endParaRPr>
           </a:p>
         </p:txBody>
       </p:sp>
     </p:spTree>
     <p:extLst>
       <p:ext uri="{BB962C8B-B14F-4D97-AF65-F5344CB8AC3E}">
-        <p14:creationId xmlns:p14="http://schemas.microsoft.com/office/powerpoint/2010/main" val="242816186"/>
+        <p14:creationId xmlns:p14="http://schemas.microsoft.com/office/powerpoint/2010/main" val="3381248733"/>
       </p:ext>
     </p:extLst>
   </p:cSld>
@@ -4338,41 +9650,490 @@
           <a:p>
             <a:pPr algn="ctr"/>
             <a:r>
-              <a:rPr lang="en-US" sz="11500" dirty="0">
+              <a:rPr lang="en-US" sz="11800" dirty="0">
                 <a:solidFill>
                   <a:schemeClr val="bg1"/>
                 </a:solidFill>
                 <a:latin typeface="Times New Roman" panose="02020603050405020304" pitchFamily="18" charset="0"/>
                 <a:cs typeface="Times New Roman" panose="02020603050405020304" pitchFamily="18" charset="0"/>
               </a:rPr>
-              <a:t>That You Do Just What You Say</a:t>
-            </a:r>
-            <a:br>
-              <a:rPr lang="en-US" sz="11500" dirty="0">
-                <a:solidFill>
-                  <a:schemeClr val="bg1"/>
-                </a:solidFill>
-                <a:latin typeface="Times New Roman" panose="02020603050405020304" pitchFamily="18" charset="0"/>
-                <a:cs typeface="Times New Roman" panose="02020603050405020304" pitchFamily="18" charset="0"/>
+              <a:t>That you do just what You say in Your time.</a:t>
+            </a:r>
+          </a:p>
+        </p:txBody>
+      </p:sp>
+      <p:sp>
+        <p:nvSpPr>
+          <p:cNvPr id="3" name="Rectangle 2">
+            <a:extLst>
+              <a:ext uri="{FF2B5EF4-FFF2-40B4-BE49-F238E27FC236}">
+                <a16:creationId xmlns:a16="http://schemas.microsoft.com/office/drawing/2014/main" id="{66E29693-BF54-4342-BD51-E4BDC7AE6605}"/>
+              </a:ext>
+            </a:extLst>
+          </p:cNvPr>
+          <p:cNvSpPr/>
+          <p:nvPr/>
+        </p:nvSpPr>
+        <p:spPr>
+          <a:xfrm>
+            <a:off x="6542402" y="370583"/>
+            <a:ext cx="1786597" cy="970671"/>
+          </a:xfrm>
+          <a:prstGeom prst="rect">
+            <a:avLst/>
+          </a:prstGeom>
+          <a:noFill/>
+          <a:ln>
+            <a:noFill/>
+          </a:ln>
+        </p:spPr>
+        <p:style>
+          <a:lnRef idx="2">
+            <a:schemeClr val="accent1">
+              <a:shade val="50000"/>
+            </a:schemeClr>
+          </a:lnRef>
+          <a:fillRef idx="1">
+            <a:schemeClr val="accent1"/>
+          </a:fillRef>
+          <a:effectRef idx="0">
+            <a:schemeClr val="accent1"/>
+          </a:effectRef>
+          <a:fontRef idx="minor">
+            <a:schemeClr val="lt1"/>
+          </a:fontRef>
+        </p:style>
+        <p:txBody>
+          <a:bodyPr rtlCol="0" anchor="ctr"/>
+          <a:lstStyle>
+            <a:defPPr>
+              <a:defRPr lang="en-US"/>
+            </a:defPPr>
+            <a:lvl1pPr marL="0" algn="l" defTabSz="914400" rtl="0" eaLnBrk="1" latinLnBrk="0" hangingPunct="1">
+              <a:defRPr sz="1800" kern="1200">
+                <a:solidFill>
+                  <a:schemeClr val="lt1"/>
+                </a:solidFill>
+                <a:latin typeface="+mn-lt"/>
+                <a:ea typeface="+mn-ea"/>
+                <a:cs typeface="+mn-cs"/>
+              </a:defRPr>
+            </a:lvl1pPr>
+            <a:lvl2pPr marL="457200" algn="l" defTabSz="914400" rtl="0" eaLnBrk="1" latinLnBrk="0" hangingPunct="1">
+              <a:defRPr sz="1800" kern="1200">
+                <a:solidFill>
+                  <a:schemeClr val="lt1"/>
+                </a:solidFill>
+                <a:latin typeface="+mn-lt"/>
+                <a:ea typeface="+mn-ea"/>
+                <a:cs typeface="+mn-cs"/>
+              </a:defRPr>
+            </a:lvl2pPr>
+            <a:lvl3pPr marL="914400" algn="l" defTabSz="914400" rtl="0" eaLnBrk="1" latinLnBrk="0" hangingPunct="1">
+              <a:defRPr sz="1800" kern="1200">
+                <a:solidFill>
+                  <a:schemeClr val="lt1"/>
+                </a:solidFill>
+                <a:latin typeface="+mn-lt"/>
+                <a:ea typeface="+mn-ea"/>
+                <a:cs typeface="+mn-cs"/>
+              </a:defRPr>
+            </a:lvl3pPr>
+            <a:lvl4pPr marL="1371600" algn="l" defTabSz="914400" rtl="0" eaLnBrk="1" latinLnBrk="0" hangingPunct="1">
+              <a:defRPr sz="1800" kern="1200">
+                <a:solidFill>
+                  <a:schemeClr val="lt1"/>
+                </a:solidFill>
+                <a:latin typeface="+mn-lt"/>
+                <a:ea typeface="+mn-ea"/>
+                <a:cs typeface="+mn-cs"/>
+              </a:defRPr>
+            </a:lvl4pPr>
+            <a:lvl5pPr marL="1828800" algn="l" defTabSz="914400" rtl="0" eaLnBrk="1" latinLnBrk="0" hangingPunct="1">
+              <a:defRPr sz="1800" kern="1200">
+                <a:solidFill>
+                  <a:schemeClr val="lt1"/>
+                </a:solidFill>
+                <a:latin typeface="+mn-lt"/>
+                <a:ea typeface="+mn-ea"/>
+                <a:cs typeface="+mn-cs"/>
+              </a:defRPr>
+            </a:lvl5pPr>
+            <a:lvl6pPr marL="2286000" algn="l" defTabSz="914400" rtl="0" eaLnBrk="1" latinLnBrk="0" hangingPunct="1">
+              <a:defRPr sz="1800" kern="1200">
+                <a:solidFill>
+                  <a:schemeClr val="lt1"/>
+                </a:solidFill>
+                <a:latin typeface="+mn-lt"/>
+                <a:ea typeface="+mn-ea"/>
+                <a:cs typeface="+mn-cs"/>
+              </a:defRPr>
+            </a:lvl6pPr>
+            <a:lvl7pPr marL="2743200" algn="l" defTabSz="914400" rtl="0" eaLnBrk="1" latinLnBrk="0" hangingPunct="1">
+              <a:defRPr sz="1800" kern="1200">
+                <a:solidFill>
+                  <a:schemeClr val="lt1"/>
+                </a:solidFill>
+                <a:latin typeface="+mn-lt"/>
+                <a:ea typeface="+mn-ea"/>
+                <a:cs typeface="+mn-cs"/>
+              </a:defRPr>
+            </a:lvl7pPr>
+            <a:lvl8pPr marL="3200400" algn="l" defTabSz="914400" rtl="0" eaLnBrk="1" latinLnBrk="0" hangingPunct="1">
+              <a:defRPr sz="1800" kern="1200">
+                <a:solidFill>
+                  <a:schemeClr val="lt1"/>
+                </a:solidFill>
+                <a:latin typeface="+mn-lt"/>
+                <a:ea typeface="+mn-ea"/>
+                <a:cs typeface="+mn-cs"/>
+              </a:defRPr>
+            </a:lvl8pPr>
+            <a:lvl9pPr marL="3657600" algn="l" defTabSz="914400" rtl="0" eaLnBrk="1" latinLnBrk="0" hangingPunct="1">
+              <a:defRPr sz="1800" kern="1200">
+                <a:solidFill>
+                  <a:schemeClr val="lt1"/>
+                </a:solidFill>
+                <a:latin typeface="+mn-lt"/>
+                <a:ea typeface="+mn-ea"/>
+                <a:cs typeface="+mn-cs"/>
+              </a:defRPr>
+            </a:lvl9pPr>
+          </a:lstStyle>
+          <a:p>
+            <a:pPr algn="ctr"/>
+            <a:r>
+              <a:rPr lang="en-US" sz="5400" dirty="0" err="1">
+                <a:solidFill>
+                  <a:schemeClr val="accent4"/>
+                </a:solidFill>
               </a:rPr>
-            </a:br>
-            <a:r>
-              <a:rPr lang="en-US" sz="11500" dirty="0">
-                <a:solidFill>
-                  <a:schemeClr val="bg1"/>
-                </a:solidFill>
-                <a:latin typeface="Times New Roman" panose="02020603050405020304" pitchFamily="18" charset="0"/>
-                <a:cs typeface="Times New Roman" panose="02020603050405020304" pitchFamily="18" charset="0"/>
+              <a:t>Em</a:t>
+            </a:r>
+            <a:endParaRPr lang="en-PH" sz="5400" dirty="0">
+              <a:solidFill>
+                <a:schemeClr val="accent4"/>
+              </a:solidFill>
+            </a:endParaRPr>
+          </a:p>
+        </p:txBody>
+      </p:sp>
+      <p:sp>
+        <p:nvSpPr>
+          <p:cNvPr id="4" name="Rectangle 3">
+            <a:extLst>
+              <a:ext uri="{FF2B5EF4-FFF2-40B4-BE49-F238E27FC236}">
+                <a16:creationId xmlns:a16="http://schemas.microsoft.com/office/drawing/2014/main" id="{83D90D43-FC0C-40C3-B37B-90D96DD247A7}"/>
+              </a:ext>
+            </a:extLst>
+          </p:cNvPr>
+          <p:cNvSpPr/>
+          <p:nvPr/>
+        </p:nvSpPr>
+        <p:spPr>
+          <a:xfrm>
+            <a:off x="7371739" y="2326978"/>
+            <a:ext cx="1786597" cy="970671"/>
+          </a:xfrm>
+          <a:prstGeom prst="rect">
+            <a:avLst/>
+          </a:prstGeom>
+          <a:noFill/>
+          <a:ln>
+            <a:noFill/>
+          </a:ln>
+        </p:spPr>
+        <p:style>
+          <a:lnRef idx="2">
+            <a:schemeClr val="accent1">
+              <a:shade val="50000"/>
+            </a:schemeClr>
+          </a:lnRef>
+          <a:fillRef idx="1">
+            <a:schemeClr val="accent1"/>
+          </a:fillRef>
+          <a:effectRef idx="0">
+            <a:schemeClr val="accent1"/>
+          </a:effectRef>
+          <a:fontRef idx="minor">
+            <a:schemeClr val="lt1"/>
+          </a:fontRef>
+        </p:style>
+        <p:txBody>
+          <a:bodyPr rtlCol="0" anchor="ctr"/>
+          <a:lstStyle>
+            <a:defPPr>
+              <a:defRPr lang="en-US"/>
+            </a:defPPr>
+            <a:lvl1pPr marL="0" algn="l" defTabSz="914400" rtl="0" eaLnBrk="1" latinLnBrk="0" hangingPunct="1">
+              <a:defRPr sz="1800" kern="1200">
+                <a:solidFill>
+                  <a:schemeClr val="lt1"/>
+                </a:solidFill>
+                <a:latin typeface="+mn-lt"/>
+                <a:ea typeface="+mn-ea"/>
+                <a:cs typeface="+mn-cs"/>
+              </a:defRPr>
+            </a:lvl1pPr>
+            <a:lvl2pPr marL="457200" algn="l" defTabSz="914400" rtl="0" eaLnBrk="1" latinLnBrk="0" hangingPunct="1">
+              <a:defRPr sz="1800" kern="1200">
+                <a:solidFill>
+                  <a:schemeClr val="lt1"/>
+                </a:solidFill>
+                <a:latin typeface="+mn-lt"/>
+                <a:ea typeface="+mn-ea"/>
+                <a:cs typeface="+mn-cs"/>
+              </a:defRPr>
+            </a:lvl2pPr>
+            <a:lvl3pPr marL="914400" algn="l" defTabSz="914400" rtl="0" eaLnBrk="1" latinLnBrk="0" hangingPunct="1">
+              <a:defRPr sz="1800" kern="1200">
+                <a:solidFill>
+                  <a:schemeClr val="lt1"/>
+                </a:solidFill>
+                <a:latin typeface="+mn-lt"/>
+                <a:ea typeface="+mn-ea"/>
+                <a:cs typeface="+mn-cs"/>
+              </a:defRPr>
+            </a:lvl3pPr>
+            <a:lvl4pPr marL="1371600" algn="l" defTabSz="914400" rtl="0" eaLnBrk="1" latinLnBrk="0" hangingPunct="1">
+              <a:defRPr sz="1800" kern="1200">
+                <a:solidFill>
+                  <a:schemeClr val="lt1"/>
+                </a:solidFill>
+                <a:latin typeface="+mn-lt"/>
+                <a:ea typeface="+mn-ea"/>
+                <a:cs typeface="+mn-cs"/>
+              </a:defRPr>
+            </a:lvl4pPr>
+            <a:lvl5pPr marL="1828800" algn="l" defTabSz="914400" rtl="0" eaLnBrk="1" latinLnBrk="0" hangingPunct="1">
+              <a:defRPr sz="1800" kern="1200">
+                <a:solidFill>
+                  <a:schemeClr val="lt1"/>
+                </a:solidFill>
+                <a:latin typeface="+mn-lt"/>
+                <a:ea typeface="+mn-ea"/>
+                <a:cs typeface="+mn-cs"/>
+              </a:defRPr>
+            </a:lvl5pPr>
+            <a:lvl6pPr marL="2286000" algn="l" defTabSz="914400" rtl="0" eaLnBrk="1" latinLnBrk="0" hangingPunct="1">
+              <a:defRPr sz="1800" kern="1200">
+                <a:solidFill>
+                  <a:schemeClr val="lt1"/>
+                </a:solidFill>
+                <a:latin typeface="+mn-lt"/>
+                <a:ea typeface="+mn-ea"/>
+                <a:cs typeface="+mn-cs"/>
+              </a:defRPr>
+            </a:lvl6pPr>
+            <a:lvl7pPr marL="2743200" algn="l" defTabSz="914400" rtl="0" eaLnBrk="1" latinLnBrk="0" hangingPunct="1">
+              <a:defRPr sz="1800" kern="1200">
+                <a:solidFill>
+                  <a:schemeClr val="lt1"/>
+                </a:solidFill>
+                <a:latin typeface="+mn-lt"/>
+                <a:ea typeface="+mn-ea"/>
+                <a:cs typeface="+mn-cs"/>
+              </a:defRPr>
+            </a:lvl7pPr>
+            <a:lvl8pPr marL="3200400" algn="l" defTabSz="914400" rtl="0" eaLnBrk="1" latinLnBrk="0" hangingPunct="1">
+              <a:defRPr sz="1800" kern="1200">
+                <a:solidFill>
+                  <a:schemeClr val="lt1"/>
+                </a:solidFill>
+                <a:latin typeface="+mn-lt"/>
+                <a:ea typeface="+mn-ea"/>
+                <a:cs typeface="+mn-cs"/>
+              </a:defRPr>
+            </a:lvl8pPr>
+            <a:lvl9pPr marL="3657600" algn="l" defTabSz="914400" rtl="0" eaLnBrk="1" latinLnBrk="0" hangingPunct="1">
+              <a:defRPr sz="1800" kern="1200">
+                <a:solidFill>
+                  <a:schemeClr val="lt1"/>
+                </a:solidFill>
+                <a:latin typeface="+mn-lt"/>
+                <a:ea typeface="+mn-ea"/>
+                <a:cs typeface="+mn-cs"/>
+              </a:defRPr>
+            </a:lvl9pPr>
+          </a:lstStyle>
+          <a:p>
+            <a:pPr algn="ctr"/>
+            <a:r>
+              <a:rPr lang="en-US" sz="5400" dirty="0">
+                <a:solidFill>
+                  <a:schemeClr val="accent4"/>
+                </a:solidFill>
               </a:rPr>
-              <a:t>In Your Time.</a:t>
-            </a:r>
+              <a:t>A</a:t>
+            </a:r>
+            <a:endParaRPr lang="en-PH" sz="5400" dirty="0">
+              <a:solidFill>
+                <a:schemeClr val="accent4"/>
+              </a:solidFill>
+            </a:endParaRPr>
+          </a:p>
+        </p:txBody>
+      </p:sp>
+      <p:sp>
+        <p:nvSpPr>
+          <p:cNvPr id="5" name="Rectangle 4">
+            <a:extLst>
+              <a:ext uri="{FF2B5EF4-FFF2-40B4-BE49-F238E27FC236}">
+                <a16:creationId xmlns:a16="http://schemas.microsoft.com/office/drawing/2014/main" id="{312DD285-1326-4E0C-AA55-0AD6227DB50C}"/>
+              </a:ext>
+            </a:extLst>
+          </p:cNvPr>
+          <p:cNvSpPr/>
+          <p:nvPr/>
+        </p:nvSpPr>
+        <p:spPr>
+          <a:xfrm>
+            <a:off x="5883193" y="3687943"/>
+            <a:ext cx="1786597" cy="970671"/>
+          </a:xfrm>
+          <a:prstGeom prst="rect">
+            <a:avLst/>
+          </a:prstGeom>
+          <a:noFill/>
+          <a:ln>
+            <a:noFill/>
+          </a:ln>
+        </p:spPr>
+        <p:style>
+          <a:lnRef idx="2">
+            <a:schemeClr val="accent1">
+              <a:shade val="50000"/>
+            </a:schemeClr>
+          </a:lnRef>
+          <a:fillRef idx="1">
+            <a:schemeClr val="accent1"/>
+          </a:fillRef>
+          <a:effectRef idx="0">
+            <a:schemeClr val="accent1"/>
+          </a:effectRef>
+          <a:fontRef idx="minor">
+            <a:schemeClr val="lt1"/>
+          </a:fontRef>
+        </p:style>
+        <p:txBody>
+          <a:bodyPr rtlCol="0" anchor="ctr"/>
+          <a:lstStyle>
+            <a:defPPr>
+              <a:defRPr lang="en-US"/>
+            </a:defPPr>
+            <a:lvl1pPr marL="0" algn="l" defTabSz="914400" rtl="0" eaLnBrk="1" latinLnBrk="0" hangingPunct="1">
+              <a:defRPr sz="1800" kern="1200">
+                <a:solidFill>
+                  <a:schemeClr val="lt1"/>
+                </a:solidFill>
+                <a:latin typeface="+mn-lt"/>
+                <a:ea typeface="+mn-ea"/>
+                <a:cs typeface="+mn-cs"/>
+              </a:defRPr>
+            </a:lvl1pPr>
+            <a:lvl2pPr marL="457200" algn="l" defTabSz="914400" rtl="0" eaLnBrk="1" latinLnBrk="0" hangingPunct="1">
+              <a:defRPr sz="1800" kern="1200">
+                <a:solidFill>
+                  <a:schemeClr val="lt1"/>
+                </a:solidFill>
+                <a:latin typeface="+mn-lt"/>
+                <a:ea typeface="+mn-ea"/>
+                <a:cs typeface="+mn-cs"/>
+              </a:defRPr>
+            </a:lvl2pPr>
+            <a:lvl3pPr marL="914400" algn="l" defTabSz="914400" rtl="0" eaLnBrk="1" latinLnBrk="0" hangingPunct="1">
+              <a:defRPr sz="1800" kern="1200">
+                <a:solidFill>
+                  <a:schemeClr val="lt1"/>
+                </a:solidFill>
+                <a:latin typeface="+mn-lt"/>
+                <a:ea typeface="+mn-ea"/>
+                <a:cs typeface="+mn-cs"/>
+              </a:defRPr>
+            </a:lvl3pPr>
+            <a:lvl4pPr marL="1371600" algn="l" defTabSz="914400" rtl="0" eaLnBrk="1" latinLnBrk="0" hangingPunct="1">
+              <a:defRPr sz="1800" kern="1200">
+                <a:solidFill>
+                  <a:schemeClr val="lt1"/>
+                </a:solidFill>
+                <a:latin typeface="+mn-lt"/>
+                <a:ea typeface="+mn-ea"/>
+                <a:cs typeface="+mn-cs"/>
+              </a:defRPr>
+            </a:lvl4pPr>
+            <a:lvl5pPr marL="1828800" algn="l" defTabSz="914400" rtl="0" eaLnBrk="1" latinLnBrk="0" hangingPunct="1">
+              <a:defRPr sz="1800" kern="1200">
+                <a:solidFill>
+                  <a:schemeClr val="lt1"/>
+                </a:solidFill>
+                <a:latin typeface="+mn-lt"/>
+                <a:ea typeface="+mn-ea"/>
+                <a:cs typeface="+mn-cs"/>
+              </a:defRPr>
+            </a:lvl5pPr>
+            <a:lvl6pPr marL="2286000" algn="l" defTabSz="914400" rtl="0" eaLnBrk="1" latinLnBrk="0" hangingPunct="1">
+              <a:defRPr sz="1800" kern="1200">
+                <a:solidFill>
+                  <a:schemeClr val="lt1"/>
+                </a:solidFill>
+                <a:latin typeface="+mn-lt"/>
+                <a:ea typeface="+mn-ea"/>
+                <a:cs typeface="+mn-cs"/>
+              </a:defRPr>
+            </a:lvl6pPr>
+            <a:lvl7pPr marL="2743200" algn="l" defTabSz="914400" rtl="0" eaLnBrk="1" latinLnBrk="0" hangingPunct="1">
+              <a:defRPr sz="1800" kern="1200">
+                <a:solidFill>
+                  <a:schemeClr val="lt1"/>
+                </a:solidFill>
+                <a:latin typeface="+mn-lt"/>
+                <a:ea typeface="+mn-ea"/>
+                <a:cs typeface="+mn-cs"/>
+              </a:defRPr>
+            </a:lvl7pPr>
+            <a:lvl8pPr marL="3200400" algn="l" defTabSz="914400" rtl="0" eaLnBrk="1" latinLnBrk="0" hangingPunct="1">
+              <a:defRPr sz="1800" kern="1200">
+                <a:solidFill>
+                  <a:schemeClr val="lt1"/>
+                </a:solidFill>
+                <a:latin typeface="+mn-lt"/>
+                <a:ea typeface="+mn-ea"/>
+                <a:cs typeface="+mn-cs"/>
+              </a:defRPr>
+            </a:lvl8pPr>
+            <a:lvl9pPr marL="3657600" algn="l" defTabSz="914400" rtl="0" eaLnBrk="1" latinLnBrk="0" hangingPunct="1">
+              <a:defRPr sz="1800" kern="1200">
+                <a:solidFill>
+                  <a:schemeClr val="lt1"/>
+                </a:solidFill>
+                <a:latin typeface="+mn-lt"/>
+                <a:ea typeface="+mn-ea"/>
+                <a:cs typeface="+mn-cs"/>
+              </a:defRPr>
+            </a:lvl9pPr>
+          </a:lstStyle>
+          <a:p>
+            <a:pPr algn="ctr"/>
+            <a:r>
+              <a:rPr lang="en-US" sz="5400" dirty="0">
+                <a:solidFill>
+                  <a:schemeClr val="accent4"/>
+                </a:solidFill>
+              </a:rPr>
+              <a:t>D</a:t>
+            </a:r>
+            <a:endParaRPr lang="en-PH" sz="5400" dirty="0">
+              <a:solidFill>
+                <a:schemeClr val="accent4"/>
+              </a:solidFill>
+            </a:endParaRPr>
           </a:p>
         </p:txBody>
       </p:sp>
     </p:spTree>
     <p:extLst>
       <p:ext uri="{BB962C8B-B14F-4D97-AF65-F5344CB8AC3E}">
-        <p14:creationId xmlns:p14="http://schemas.microsoft.com/office/powerpoint/2010/main" val="1292046462"/>
+        <p14:creationId xmlns:p14="http://schemas.microsoft.com/office/powerpoint/2010/main" val="3509565839"/>
       </p:ext>
     </p:extLst>
   </p:cSld>
